--- a/Misc/icons.pptx
+++ b/Misc/icons.pptx
@@ -8,6 +8,20 @@
     <p:sldId id="256" r:id="rId2"/>
     <p:sldId id="257" r:id="rId3"/>
     <p:sldId id="258" r:id="rId4"/>
+    <p:sldId id="259" r:id="rId5"/>
+    <p:sldId id="271" r:id="rId6"/>
+    <p:sldId id="272" r:id="rId7"/>
+    <p:sldId id="261" r:id="rId8"/>
+    <p:sldId id="262" r:id="rId9"/>
+    <p:sldId id="263" r:id="rId10"/>
+    <p:sldId id="264" r:id="rId11"/>
+    <p:sldId id="260" r:id="rId12"/>
+    <p:sldId id="265" r:id="rId13"/>
+    <p:sldId id="266" r:id="rId14"/>
+    <p:sldId id="267" r:id="rId15"/>
+    <p:sldId id="268" r:id="rId16"/>
+    <p:sldId id="269" r:id="rId17"/>
+    <p:sldId id="270" r:id="rId18"/>
   </p:sldIdLst>
   <p:sldSz cx="12192000" cy="6858000"/>
   <p:notesSz cx="6858000" cy="9144000"/>
@@ -114,6 +128,32 @@
 </p:presentation>
 </file>
 
+<file path=ppt/commentAuthors.xml><?xml version="1.0" encoding="utf-8"?>
+<p:cmAuthorLst xmlns:a="http://schemas.openxmlformats.org/drawingml/2006/main" xmlns:r="http://schemas.openxmlformats.org/officeDocument/2006/relationships" xmlns:p="http://schemas.openxmlformats.org/presentationml/2006/main">
+  <p:cmAuthor id="1" name="Microsoft Office User" initials="MOU" lastIdx="1" clrIdx="0">
+    <p:extLst>
+      <p:ext uri="{19B8F6BF-5375-455C-9EA6-DF929625EA0E}">
+        <p15:presenceInfo xmlns:p15="http://schemas.microsoft.com/office/powerpoint/2012/main" userId="Microsoft Office User" providerId="None"/>
+      </p:ext>
+    </p:extLst>
+  </p:cmAuthor>
+</p:cmAuthorLst>
+</file>
+
+<file path=ppt/comments/comment1.xml><?xml version="1.0" encoding="utf-8"?>
+<p:cmLst xmlns:a="http://schemas.openxmlformats.org/drawingml/2006/main" xmlns:r="http://schemas.openxmlformats.org/officeDocument/2006/relationships" xmlns:p="http://schemas.openxmlformats.org/presentationml/2006/main">
+  <p:cm authorId="1" dt="2019-06-30T21:05:40.440" idx="1">
+    <p:pos x="10" y="10"/>
+    <p:text/>
+    <p:extLst>
+      <p:ext uri="{C676402C-5697-4E1C-873F-D02D1690AC5C}">
+        <p15:threadingInfo xmlns:p15="http://schemas.microsoft.com/office/powerpoint/2012/main" timeZoneBias="240"/>
+      </p:ext>
+    </p:extLst>
+  </p:cm>
+</p:cmLst>
+</file>
+
 <file path=ppt/slideLayouts/slideLayout1.xml><?xml version="1.0" encoding="utf-8"?>
 <p:sldLayout xmlns:a="http://schemas.openxmlformats.org/drawingml/2006/main" xmlns:r="http://schemas.openxmlformats.org/officeDocument/2006/relationships" xmlns:p="http://schemas.openxmlformats.org/presentationml/2006/main" type="title" preserve="1">
   <p:cSld name="Title Slide">
@@ -243,7 +283,7 @@
           <a:p>
             <a:fld id="{57BF8D16-B26A-4553-8C9E-80F738E15532}" type="datetimeFigureOut">
               <a:rPr lang="en-US" smtClean="0"/>
-              <a:t>7/7/19</a:t>
+              <a:t>7/15/19</a:t>
             </a:fld>
             <a:endParaRPr lang="en-US"/>
           </a:p>
@@ -411,7 +451,7 @@
           <a:p>
             <a:fld id="{57BF8D16-B26A-4553-8C9E-80F738E15532}" type="datetimeFigureOut">
               <a:rPr lang="en-US" smtClean="0"/>
-              <a:t>7/7/19</a:t>
+              <a:t>7/15/19</a:t>
             </a:fld>
             <a:endParaRPr lang="en-US"/>
           </a:p>
@@ -589,7 +629,7 @@
           <a:p>
             <a:fld id="{57BF8D16-B26A-4553-8C9E-80F738E15532}" type="datetimeFigureOut">
               <a:rPr lang="en-US" smtClean="0"/>
-              <a:t>7/7/19</a:t>
+              <a:t>7/15/19</a:t>
             </a:fld>
             <a:endParaRPr lang="en-US"/>
           </a:p>
@@ -757,7 +797,7 @@
           <a:p>
             <a:fld id="{57BF8D16-B26A-4553-8C9E-80F738E15532}" type="datetimeFigureOut">
               <a:rPr lang="en-US" smtClean="0"/>
-              <a:t>7/7/19</a:t>
+              <a:t>7/15/19</a:t>
             </a:fld>
             <a:endParaRPr lang="en-US"/>
           </a:p>
@@ -1002,7 +1042,7 @@
           <a:p>
             <a:fld id="{57BF8D16-B26A-4553-8C9E-80F738E15532}" type="datetimeFigureOut">
               <a:rPr lang="en-US" smtClean="0"/>
-              <a:t>7/7/19</a:t>
+              <a:t>7/15/19</a:t>
             </a:fld>
             <a:endParaRPr lang="en-US"/>
           </a:p>
@@ -1231,7 +1271,7 @@
           <a:p>
             <a:fld id="{57BF8D16-B26A-4553-8C9E-80F738E15532}" type="datetimeFigureOut">
               <a:rPr lang="en-US" smtClean="0"/>
-              <a:t>7/7/19</a:t>
+              <a:t>7/15/19</a:t>
             </a:fld>
             <a:endParaRPr lang="en-US"/>
           </a:p>
@@ -1595,7 +1635,7 @@
           <a:p>
             <a:fld id="{57BF8D16-B26A-4553-8C9E-80F738E15532}" type="datetimeFigureOut">
               <a:rPr lang="en-US" smtClean="0"/>
-              <a:t>7/7/19</a:t>
+              <a:t>7/15/19</a:t>
             </a:fld>
             <a:endParaRPr lang="en-US"/>
           </a:p>
@@ -1712,7 +1752,7 @@
           <a:p>
             <a:fld id="{57BF8D16-B26A-4553-8C9E-80F738E15532}" type="datetimeFigureOut">
               <a:rPr lang="en-US" smtClean="0"/>
-              <a:t>7/7/19</a:t>
+              <a:t>7/15/19</a:t>
             </a:fld>
             <a:endParaRPr lang="en-US"/>
           </a:p>
@@ -1807,7 +1847,7 @@
           <a:p>
             <a:fld id="{57BF8D16-B26A-4553-8C9E-80F738E15532}" type="datetimeFigureOut">
               <a:rPr lang="en-US" smtClean="0"/>
-              <a:t>7/7/19</a:t>
+              <a:t>7/15/19</a:t>
             </a:fld>
             <a:endParaRPr lang="en-US"/>
           </a:p>
@@ -2082,7 +2122,7 @@
           <a:p>
             <a:fld id="{57BF8D16-B26A-4553-8C9E-80F738E15532}" type="datetimeFigureOut">
               <a:rPr lang="en-US" smtClean="0"/>
-              <a:t>7/7/19</a:t>
+              <a:t>7/15/19</a:t>
             </a:fld>
             <a:endParaRPr lang="en-US"/>
           </a:p>
@@ -2334,7 +2374,7 @@
           <a:p>
             <a:fld id="{57BF8D16-B26A-4553-8C9E-80F738E15532}" type="datetimeFigureOut">
               <a:rPr lang="en-US" smtClean="0"/>
-              <a:t>7/7/19</a:t>
+              <a:t>7/15/19</a:t>
             </a:fld>
             <a:endParaRPr lang="en-US"/>
           </a:p>
@@ -2545,7 +2585,7 @@
           <a:p>
             <a:fld id="{57BF8D16-B26A-4553-8C9E-80F738E15532}" type="datetimeFigureOut">
               <a:rPr lang="en-US" smtClean="0"/>
-              <a:t>7/7/19</a:t>
+              <a:t>7/15/19</a:t>
             </a:fld>
             <a:endParaRPr lang="en-US"/>
           </a:p>
@@ -3982,6 +4022,5318 @@
 </p:sld>
 </file>
 
+<file path=ppt/slides/slide10.xml><?xml version="1.0" encoding="utf-8"?>
+<p:sld xmlns:a="http://schemas.openxmlformats.org/drawingml/2006/main" xmlns:r="http://schemas.openxmlformats.org/officeDocument/2006/relationships" xmlns:p="http://schemas.openxmlformats.org/presentationml/2006/main">
+  <p:cSld>
+    <p:spTree>
+      <p:nvGrpSpPr>
+        <p:cNvPr id="1" name=""/>
+        <p:cNvGrpSpPr/>
+        <p:nvPr/>
+      </p:nvGrpSpPr>
+      <p:grpSpPr>
+        <a:xfrm>
+          <a:off x="0" y="0"/>
+          <a:ext cx="0" cy="0"/>
+          <a:chOff x="0" y="0"/>
+          <a:chExt cx="0" cy="0"/>
+        </a:xfrm>
+      </p:grpSpPr>
+      <p:sp>
+        <p:nvSpPr>
+          <p:cNvPr id="2" name="Title 1">
+            <a:extLst>
+              <a:ext uri="{FF2B5EF4-FFF2-40B4-BE49-F238E27FC236}">
+                <a16:creationId xmlns:a16="http://schemas.microsoft.com/office/drawing/2014/main" id="{E14CB909-07E8-F945-81EA-9D80266ABD73}"/>
+              </a:ext>
+            </a:extLst>
+          </p:cNvPr>
+          <p:cNvSpPr>
+            <a:spLocks noGrp="1"/>
+          </p:cNvSpPr>
+          <p:nvPr>
+            <p:ph type="title"/>
+          </p:nvPr>
+        </p:nvSpPr>
+        <p:spPr>
+          <a:xfrm>
+            <a:off x="838200" y="365125"/>
+            <a:ext cx="10515600" cy="827067"/>
+          </a:xfrm>
+        </p:spPr>
+        <p:txBody>
+          <a:bodyPr/>
+          <a:lstStyle/>
+          <a:p>
+            <a:r>
+              <a:rPr lang="en-US" dirty="0"/>
+              <a:t>Extra important details</a:t>
+            </a:r>
+          </a:p>
+        </p:txBody>
+      </p:sp>
+      <p:sp>
+        <p:nvSpPr>
+          <p:cNvPr id="3" name="Content Placeholder 2">
+            <a:extLst>
+              <a:ext uri="{FF2B5EF4-FFF2-40B4-BE49-F238E27FC236}">
+                <a16:creationId xmlns:a16="http://schemas.microsoft.com/office/drawing/2014/main" id="{9379237E-399C-2344-BEC3-5B17FFD968F1}"/>
+              </a:ext>
+            </a:extLst>
+          </p:cNvPr>
+          <p:cNvSpPr>
+            <a:spLocks noGrp="1"/>
+          </p:cNvSpPr>
+          <p:nvPr>
+            <p:ph idx="1"/>
+          </p:nvPr>
+        </p:nvSpPr>
+        <p:spPr>
+          <a:xfrm>
+            <a:off x="838200" y="1559407"/>
+            <a:ext cx="10515600" cy="4351338"/>
+          </a:xfrm>
+        </p:spPr>
+        <p:txBody>
+          <a:bodyPr>
+            <a:normAutofit fontScale="92500" lnSpcReduction="10000"/>
+          </a:bodyPr>
+          <a:lstStyle/>
+          <a:p>
+            <a:r>
+              <a:rPr lang="en-US" dirty="0"/>
+              <a:t>Tutor price recommendatory (make sure tutors don’t bid high prices)</a:t>
+            </a:r>
+          </a:p>
+          <a:p>
+            <a:r>
+              <a:rPr lang="en-US" dirty="0"/>
+              <a:t>Tutors full names, users only first (explore more?)</a:t>
+            </a:r>
+          </a:p>
+          <a:p>
+            <a:r>
+              <a:rPr lang="en-US" dirty="0"/>
+              <a:t>“I accept the terms” prompt when creating account (so we are not liable)</a:t>
+            </a:r>
+          </a:p>
+          <a:p>
+            <a:r>
+              <a:rPr lang="en-US" dirty="0"/>
+              <a:t>Customer service line always available</a:t>
+            </a:r>
+          </a:p>
+          <a:p>
+            <a:r>
+              <a:rPr lang="en-US" dirty="0"/>
+              <a:t>100% refund if poor quality</a:t>
+            </a:r>
+          </a:p>
+          <a:p>
+            <a:r>
+              <a:rPr lang="en-US" dirty="0"/>
+              <a:t>Times might be variable (the examining and waiting intervals)</a:t>
+            </a:r>
+          </a:p>
+          <a:p>
+            <a:r>
+              <a:rPr lang="en-US" dirty="0"/>
+              <a:t>Sign up benefits for first time users and tutors (incentive) – low cost on first try, recommend and get a free </a:t>
+            </a:r>
+            <a:r>
+              <a:rPr lang="en-US" dirty="0" err="1"/>
+              <a:t>hw</a:t>
+            </a:r>
+            <a:r>
+              <a:rPr lang="en-US" dirty="0"/>
+              <a:t> </a:t>
+            </a:r>
+            <a:r>
+              <a:rPr lang="en-US" dirty="0" err="1"/>
+              <a:t>etc</a:t>
+            </a:r>
+            <a:endParaRPr lang="en-US" dirty="0"/>
+          </a:p>
+          <a:p>
+            <a:r>
+              <a:rPr lang="en-US" dirty="0"/>
+              <a:t>Step counter “5 easy steps, lets begin”</a:t>
+            </a:r>
+          </a:p>
+          <a:p>
+            <a:r>
+              <a:rPr lang="en-US" dirty="0"/>
+              <a:t>Google/FB sign up</a:t>
+            </a:r>
+          </a:p>
+          <a:p>
+            <a:endParaRPr lang="en-US" dirty="0"/>
+          </a:p>
+          <a:p>
+            <a:endParaRPr lang="en-US" dirty="0"/>
+          </a:p>
+        </p:txBody>
+      </p:sp>
+    </p:spTree>
+    <p:extLst>
+      <p:ext uri="{BB962C8B-B14F-4D97-AF65-F5344CB8AC3E}">
+        <p14:creationId xmlns:p14="http://schemas.microsoft.com/office/powerpoint/2010/main" val="1759869224"/>
+      </p:ext>
+    </p:extLst>
+  </p:cSld>
+  <p:clrMapOvr>
+    <a:masterClrMapping/>
+  </p:clrMapOvr>
+</p:sld>
+</file>
+
+<file path=ppt/slides/slide11.xml><?xml version="1.0" encoding="utf-8"?>
+<p:sld xmlns:a="http://schemas.openxmlformats.org/drawingml/2006/main" xmlns:r="http://schemas.openxmlformats.org/officeDocument/2006/relationships" xmlns:p="http://schemas.openxmlformats.org/presentationml/2006/main">
+  <p:cSld>
+    <p:spTree>
+      <p:nvGrpSpPr>
+        <p:cNvPr id="1" name=""/>
+        <p:cNvGrpSpPr/>
+        <p:nvPr/>
+      </p:nvGrpSpPr>
+      <p:grpSpPr>
+        <a:xfrm>
+          <a:off x="0" y="0"/>
+          <a:ext cx="0" cy="0"/>
+          <a:chOff x="0" y="0"/>
+          <a:chExt cx="0" cy="0"/>
+        </a:xfrm>
+      </p:grpSpPr>
+      <p:sp>
+        <p:nvSpPr>
+          <p:cNvPr id="2" name="Title 1">
+            <a:extLst>
+              <a:ext uri="{FF2B5EF4-FFF2-40B4-BE49-F238E27FC236}">
+                <a16:creationId xmlns:a16="http://schemas.microsoft.com/office/drawing/2014/main" id="{4ED429D8-B4D5-BC46-868F-75FD3311EB8F}"/>
+              </a:ext>
+            </a:extLst>
+          </p:cNvPr>
+          <p:cNvSpPr>
+            <a:spLocks noGrp="1"/>
+          </p:cNvSpPr>
+          <p:nvPr>
+            <p:ph type="title"/>
+          </p:nvPr>
+        </p:nvSpPr>
+        <p:spPr/>
+        <p:txBody>
+          <a:bodyPr/>
+          <a:lstStyle/>
+          <a:p>
+            <a:r>
+              <a:rPr lang="en-US" dirty="0"/>
+              <a:t>Marketing</a:t>
+            </a:r>
+          </a:p>
+        </p:txBody>
+      </p:sp>
+      <p:sp>
+        <p:nvSpPr>
+          <p:cNvPr id="3" name="Content Placeholder 2">
+            <a:extLst>
+              <a:ext uri="{FF2B5EF4-FFF2-40B4-BE49-F238E27FC236}">
+                <a16:creationId xmlns:a16="http://schemas.microsoft.com/office/drawing/2014/main" id="{077F5256-D263-3946-84AB-C9CF1D9EFCF3}"/>
+              </a:ext>
+            </a:extLst>
+          </p:cNvPr>
+          <p:cNvSpPr>
+            <a:spLocks noGrp="1"/>
+          </p:cNvSpPr>
+          <p:nvPr>
+            <p:ph idx="1"/>
+          </p:nvPr>
+        </p:nvSpPr>
+        <p:spPr/>
+        <p:txBody>
+          <a:bodyPr/>
+          <a:lstStyle/>
+          <a:p>
+            <a:r>
+              <a:rPr lang="en-US" dirty="0" err="1"/>
+              <a:t>Cheg</a:t>
+            </a:r>
+            <a:r>
+              <a:rPr lang="en-US" dirty="0"/>
+              <a:t> or similar websites</a:t>
+            </a:r>
+          </a:p>
+          <a:p>
+            <a:r>
+              <a:rPr lang="en-US" dirty="0"/>
+              <a:t>Library flyers (half and half user and tutor flyer)</a:t>
+            </a:r>
+          </a:p>
+          <a:p>
+            <a:r>
+              <a:rPr lang="en-US" dirty="0" err="1"/>
+              <a:t>Skeeps</a:t>
+            </a:r>
+            <a:r>
+              <a:rPr lang="en-US" dirty="0"/>
+              <a:t>, Ricks and other bars “to busy to homework? Ask some help”</a:t>
+            </a:r>
+          </a:p>
+        </p:txBody>
+      </p:sp>
+    </p:spTree>
+    <p:extLst>
+      <p:ext uri="{BB962C8B-B14F-4D97-AF65-F5344CB8AC3E}">
+        <p14:creationId xmlns:p14="http://schemas.microsoft.com/office/powerpoint/2010/main" val="674448298"/>
+      </p:ext>
+    </p:extLst>
+  </p:cSld>
+  <p:clrMapOvr>
+    <a:masterClrMapping/>
+  </p:clrMapOvr>
+</p:sld>
+</file>
+
+<file path=ppt/slides/slide12.xml><?xml version="1.0" encoding="utf-8"?>
+<p:sld xmlns:a="http://schemas.openxmlformats.org/drawingml/2006/main" xmlns:r="http://schemas.openxmlformats.org/officeDocument/2006/relationships" xmlns:p="http://schemas.openxmlformats.org/presentationml/2006/main">
+  <p:cSld>
+    <p:spTree>
+      <p:nvGrpSpPr>
+        <p:cNvPr id="1" name=""/>
+        <p:cNvGrpSpPr/>
+        <p:nvPr/>
+      </p:nvGrpSpPr>
+      <p:grpSpPr>
+        <a:xfrm>
+          <a:off x="0" y="0"/>
+          <a:ext cx="0" cy="0"/>
+          <a:chOff x="0" y="0"/>
+          <a:chExt cx="0" cy="0"/>
+        </a:xfrm>
+      </p:grpSpPr>
+      <p:sp>
+        <p:nvSpPr>
+          <p:cNvPr id="2" name="Title 1">
+            <a:extLst>
+              <a:ext uri="{FF2B5EF4-FFF2-40B4-BE49-F238E27FC236}">
+                <a16:creationId xmlns:a16="http://schemas.microsoft.com/office/drawing/2014/main" id="{1CD2CC7D-8B2D-2A4B-8D9B-A414595043FD}"/>
+              </a:ext>
+            </a:extLst>
+          </p:cNvPr>
+          <p:cNvSpPr>
+            <a:spLocks noGrp="1"/>
+          </p:cNvSpPr>
+          <p:nvPr>
+            <p:ph type="title"/>
+          </p:nvPr>
+        </p:nvSpPr>
+        <p:spPr>
+          <a:xfrm>
+            <a:off x="659857" y="345722"/>
+            <a:ext cx="2865699" cy="896516"/>
+          </a:xfrm>
+        </p:spPr>
+        <p:txBody>
+          <a:bodyPr>
+            <a:normAutofit fontScale="90000"/>
+          </a:bodyPr>
+          <a:lstStyle/>
+          <a:p>
+            <a:r>
+              <a:rPr lang="en-US" dirty="0"/>
+              <a:t>User UI Flow </a:t>
+            </a:r>
+            <a:r>
+              <a:rPr lang="en-US" sz="2700" dirty="0"/>
+              <a:t>(after account setup)</a:t>
+            </a:r>
+            <a:endParaRPr lang="en-US" dirty="0"/>
+          </a:p>
+        </p:txBody>
+      </p:sp>
+      <p:sp>
+        <p:nvSpPr>
+          <p:cNvPr id="4" name="Oval 3">
+            <a:extLst>
+              <a:ext uri="{FF2B5EF4-FFF2-40B4-BE49-F238E27FC236}">
+                <a16:creationId xmlns:a16="http://schemas.microsoft.com/office/drawing/2014/main" id="{551CCCC5-7630-6F46-BC55-8B31A7D6BFF3}"/>
+              </a:ext>
+            </a:extLst>
+          </p:cNvPr>
+          <p:cNvSpPr/>
+          <p:nvPr/>
+        </p:nvSpPr>
+        <p:spPr>
+          <a:xfrm>
+            <a:off x="6206575" y="0"/>
+            <a:ext cx="1337055" cy="277234"/>
+          </a:xfrm>
+          <a:prstGeom prst="ellipse">
+            <a:avLst/>
+          </a:prstGeom>
+        </p:spPr>
+        <p:style>
+          <a:lnRef idx="2">
+            <a:schemeClr val="accent1">
+              <a:shade val="50000"/>
+            </a:schemeClr>
+          </a:lnRef>
+          <a:fillRef idx="1">
+            <a:schemeClr val="accent1"/>
+          </a:fillRef>
+          <a:effectRef idx="0">
+            <a:schemeClr val="accent1"/>
+          </a:effectRef>
+          <a:fontRef idx="minor">
+            <a:schemeClr val="lt1"/>
+          </a:fontRef>
+        </p:style>
+        <p:txBody>
+          <a:bodyPr rtlCol="0" anchor="ctr"/>
+          <a:lstStyle/>
+          <a:p>
+            <a:pPr algn="ctr"/>
+            <a:r>
+              <a:rPr lang="en-US" sz="1400" dirty="0"/>
+              <a:t>Main Page</a:t>
+            </a:r>
+          </a:p>
+        </p:txBody>
+      </p:sp>
+      <p:sp>
+        <p:nvSpPr>
+          <p:cNvPr id="5" name="Rectangle 4">
+            <a:extLst>
+              <a:ext uri="{FF2B5EF4-FFF2-40B4-BE49-F238E27FC236}">
+                <a16:creationId xmlns:a16="http://schemas.microsoft.com/office/drawing/2014/main" id="{8E921F96-36E6-4B4E-9A41-65C4C87C13D6}"/>
+              </a:ext>
+            </a:extLst>
+          </p:cNvPr>
+          <p:cNvSpPr/>
+          <p:nvPr/>
+        </p:nvSpPr>
+        <p:spPr>
+          <a:xfrm>
+            <a:off x="5001272" y="336555"/>
+            <a:ext cx="1593997" cy="255658"/>
+          </a:xfrm>
+          <a:prstGeom prst="rect">
+            <a:avLst/>
+          </a:prstGeom>
+        </p:spPr>
+        <p:style>
+          <a:lnRef idx="2">
+            <a:schemeClr val="accent1">
+              <a:shade val="50000"/>
+            </a:schemeClr>
+          </a:lnRef>
+          <a:fillRef idx="1">
+            <a:schemeClr val="accent1"/>
+          </a:fillRef>
+          <a:effectRef idx="0">
+            <a:schemeClr val="accent1"/>
+          </a:effectRef>
+          <a:fontRef idx="minor">
+            <a:schemeClr val="lt1"/>
+          </a:fontRef>
+        </p:style>
+        <p:txBody>
+          <a:bodyPr rtlCol="0" anchor="ctr"/>
+          <a:lstStyle/>
+          <a:p>
+            <a:pPr algn="ctr"/>
+            <a:r>
+              <a:rPr lang="en-US" dirty="0"/>
+              <a:t>HW Help (Pic)</a:t>
+            </a:r>
+          </a:p>
+        </p:txBody>
+      </p:sp>
+      <p:sp>
+        <p:nvSpPr>
+          <p:cNvPr id="6" name="Rectangle 5">
+            <a:extLst>
+              <a:ext uri="{FF2B5EF4-FFF2-40B4-BE49-F238E27FC236}">
+                <a16:creationId xmlns:a16="http://schemas.microsoft.com/office/drawing/2014/main" id="{F22D63AC-4D82-6540-8BC2-F0CD5735E50F}"/>
+              </a:ext>
+            </a:extLst>
+          </p:cNvPr>
+          <p:cNvSpPr/>
+          <p:nvPr/>
+        </p:nvSpPr>
+        <p:spPr>
+          <a:xfrm>
+            <a:off x="6991522" y="401539"/>
+            <a:ext cx="1707648" cy="244877"/>
+          </a:xfrm>
+          <a:prstGeom prst="rect">
+            <a:avLst/>
+          </a:prstGeom>
+        </p:spPr>
+        <p:style>
+          <a:lnRef idx="2">
+            <a:schemeClr val="accent1">
+              <a:shade val="50000"/>
+            </a:schemeClr>
+          </a:lnRef>
+          <a:fillRef idx="1">
+            <a:schemeClr val="accent1"/>
+          </a:fillRef>
+          <a:effectRef idx="0">
+            <a:schemeClr val="accent1"/>
+          </a:effectRef>
+          <a:fontRef idx="minor">
+            <a:schemeClr val="lt1"/>
+          </a:fontRef>
+        </p:style>
+        <p:txBody>
+          <a:bodyPr rtlCol="0" anchor="ctr"/>
+          <a:lstStyle/>
+          <a:p>
+            <a:pPr algn="ctr"/>
+            <a:r>
+              <a:rPr lang="en-US" dirty="0"/>
+              <a:t>Simple Tutoring</a:t>
+            </a:r>
+          </a:p>
+        </p:txBody>
+      </p:sp>
+      <p:sp>
+        <p:nvSpPr>
+          <p:cNvPr id="7" name="Rectangle 6">
+            <a:extLst>
+              <a:ext uri="{FF2B5EF4-FFF2-40B4-BE49-F238E27FC236}">
+                <a16:creationId xmlns:a16="http://schemas.microsoft.com/office/drawing/2014/main" id="{B5730B48-8166-6B45-8891-55169B3DED47}"/>
+              </a:ext>
+            </a:extLst>
+          </p:cNvPr>
+          <p:cNvSpPr/>
+          <p:nvPr/>
+        </p:nvSpPr>
+        <p:spPr>
+          <a:xfrm>
+            <a:off x="4585610" y="1671020"/>
+            <a:ext cx="1047756" cy="280896"/>
+          </a:xfrm>
+          <a:prstGeom prst="rect">
+            <a:avLst/>
+          </a:prstGeom>
+        </p:spPr>
+        <p:style>
+          <a:lnRef idx="2">
+            <a:schemeClr val="accent1">
+              <a:shade val="50000"/>
+            </a:schemeClr>
+          </a:lnRef>
+          <a:fillRef idx="1">
+            <a:schemeClr val="accent1"/>
+          </a:fillRef>
+          <a:effectRef idx="0">
+            <a:schemeClr val="accent1"/>
+          </a:effectRef>
+          <a:fontRef idx="minor">
+            <a:schemeClr val="lt1"/>
+          </a:fontRef>
+        </p:style>
+        <p:txBody>
+          <a:bodyPr rtlCol="0" anchor="ctr"/>
+          <a:lstStyle/>
+          <a:p>
+            <a:pPr algn="ctr"/>
+            <a:r>
+              <a:rPr lang="en-US" dirty="0"/>
+              <a:t>Typed up</a:t>
+            </a:r>
+          </a:p>
+        </p:txBody>
+      </p:sp>
+      <p:sp>
+        <p:nvSpPr>
+          <p:cNvPr id="8" name="Rectangle 7">
+            <a:extLst>
+              <a:ext uri="{FF2B5EF4-FFF2-40B4-BE49-F238E27FC236}">
+                <a16:creationId xmlns:a16="http://schemas.microsoft.com/office/drawing/2014/main" id="{844E6794-6742-A34E-9B0D-0903804E94AF}"/>
+              </a:ext>
+            </a:extLst>
+          </p:cNvPr>
+          <p:cNvSpPr/>
+          <p:nvPr/>
+        </p:nvSpPr>
+        <p:spPr>
+          <a:xfrm>
+            <a:off x="5961160" y="1667592"/>
+            <a:ext cx="1047756" cy="280896"/>
+          </a:xfrm>
+          <a:prstGeom prst="rect">
+            <a:avLst/>
+          </a:prstGeom>
+        </p:spPr>
+        <p:style>
+          <a:lnRef idx="2">
+            <a:schemeClr val="accent1">
+              <a:shade val="50000"/>
+            </a:schemeClr>
+          </a:lnRef>
+          <a:fillRef idx="1">
+            <a:schemeClr val="accent1"/>
+          </a:fillRef>
+          <a:effectRef idx="0">
+            <a:schemeClr val="accent1"/>
+          </a:effectRef>
+          <a:fontRef idx="minor">
+            <a:schemeClr val="lt1"/>
+          </a:fontRef>
+        </p:style>
+        <p:txBody>
+          <a:bodyPr rtlCol="0" anchor="ctr"/>
+          <a:lstStyle/>
+          <a:p>
+            <a:pPr algn="ctr"/>
+            <a:r>
+              <a:rPr lang="en-US" dirty="0"/>
+              <a:t>Call</a:t>
+            </a:r>
+          </a:p>
+        </p:txBody>
+      </p:sp>
+      <p:sp>
+        <p:nvSpPr>
+          <p:cNvPr id="9" name="Rectangle 8">
+            <a:extLst>
+              <a:ext uri="{FF2B5EF4-FFF2-40B4-BE49-F238E27FC236}">
+                <a16:creationId xmlns:a16="http://schemas.microsoft.com/office/drawing/2014/main" id="{2EE80AEC-9697-EB4E-9915-ECFC9452AA85}"/>
+              </a:ext>
+            </a:extLst>
+          </p:cNvPr>
+          <p:cNvSpPr/>
+          <p:nvPr/>
+        </p:nvSpPr>
+        <p:spPr>
+          <a:xfrm>
+            <a:off x="7202513" y="1671020"/>
+            <a:ext cx="1047756" cy="280896"/>
+          </a:xfrm>
+          <a:prstGeom prst="rect">
+            <a:avLst/>
+          </a:prstGeom>
+        </p:spPr>
+        <p:style>
+          <a:lnRef idx="2">
+            <a:schemeClr val="accent1">
+              <a:shade val="50000"/>
+            </a:schemeClr>
+          </a:lnRef>
+          <a:fillRef idx="1">
+            <a:schemeClr val="accent1"/>
+          </a:fillRef>
+          <a:effectRef idx="0">
+            <a:schemeClr val="accent1"/>
+          </a:effectRef>
+          <a:fontRef idx="minor">
+            <a:schemeClr val="lt1"/>
+          </a:fontRef>
+        </p:style>
+        <p:txBody>
+          <a:bodyPr rtlCol="0" anchor="ctr"/>
+          <a:lstStyle/>
+          <a:p>
+            <a:pPr algn="ctr"/>
+            <a:r>
+              <a:rPr lang="en-US" dirty="0"/>
+              <a:t>Meet</a:t>
+            </a:r>
+          </a:p>
+        </p:txBody>
+      </p:sp>
+      <p:sp>
+        <p:nvSpPr>
+          <p:cNvPr id="10" name="Rectangle 9">
+            <a:extLst>
+              <a:ext uri="{FF2B5EF4-FFF2-40B4-BE49-F238E27FC236}">
+                <a16:creationId xmlns:a16="http://schemas.microsoft.com/office/drawing/2014/main" id="{26E2355A-E6AC-F843-B556-21BB251EFB50}"/>
+              </a:ext>
+            </a:extLst>
+          </p:cNvPr>
+          <p:cNvSpPr/>
+          <p:nvPr/>
+        </p:nvSpPr>
+        <p:spPr>
+          <a:xfrm>
+            <a:off x="4865792" y="774035"/>
+            <a:ext cx="1864959" cy="280896"/>
+          </a:xfrm>
+          <a:prstGeom prst="rect">
+            <a:avLst/>
+          </a:prstGeom>
+        </p:spPr>
+        <p:style>
+          <a:lnRef idx="2">
+            <a:schemeClr val="accent1">
+              <a:shade val="50000"/>
+            </a:schemeClr>
+          </a:lnRef>
+          <a:fillRef idx="1">
+            <a:schemeClr val="accent1"/>
+          </a:fillRef>
+          <a:effectRef idx="0">
+            <a:schemeClr val="accent1"/>
+          </a:effectRef>
+          <a:fontRef idx="minor">
+            <a:schemeClr val="lt1"/>
+          </a:fontRef>
+        </p:style>
+        <p:txBody>
+          <a:bodyPr rtlCol="0" anchor="ctr"/>
+          <a:lstStyle/>
+          <a:p>
+            <a:pPr algn="ctr"/>
+            <a:r>
+              <a:rPr lang="en-US" dirty="0"/>
+              <a:t>Major + Class info</a:t>
+            </a:r>
+          </a:p>
+        </p:txBody>
+      </p:sp>
+      <p:sp>
+        <p:nvSpPr>
+          <p:cNvPr id="12" name="Rectangle 11">
+            <a:extLst>
+              <a:ext uri="{FF2B5EF4-FFF2-40B4-BE49-F238E27FC236}">
+                <a16:creationId xmlns:a16="http://schemas.microsoft.com/office/drawing/2014/main" id="{C895CCBC-2433-F848-B190-ADA099D660EE}"/>
+              </a:ext>
+            </a:extLst>
+          </p:cNvPr>
+          <p:cNvSpPr/>
+          <p:nvPr/>
+        </p:nvSpPr>
+        <p:spPr>
+          <a:xfrm>
+            <a:off x="6935723" y="806947"/>
+            <a:ext cx="1836131" cy="252793"/>
+          </a:xfrm>
+          <a:prstGeom prst="rect">
+            <a:avLst/>
+          </a:prstGeom>
+        </p:spPr>
+        <p:style>
+          <a:lnRef idx="2">
+            <a:schemeClr val="accent1">
+              <a:shade val="50000"/>
+            </a:schemeClr>
+          </a:lnRef>
+          <a:fillRef idx="1">
+            <a:schemeClr val="accent1"/>
+          </a:fillRef>
+          <a:effectRef idx="0">
+            <a:schemeClr val="accent1"/>
+          </a:effectRef>
+          <a:fontRef idx="minor">
+            <a:schemeClr val="lt1"/>
+          </a:fontRef>
+        </p:style>
+        <p:txBody>
+          <a:bodyPr rtlCol="0" anchor="ctr"/>
+          <a:lstStyle/>
+          <a:p>
+            <a:pPr algn="ctr"/>
+            <a:r>
+              <a:rPr lang="en-US" sz="1400" dirty="0"/>
+              <a:t>Specific Tutoring Topic</a:t>
+            </a:r>
+          </a:p>
+        </p:txBody>
+      </p:sp>
+      <p:sp>
+        <p:nvSpPr>
+          <p:cNvPr id="13" name="Rectangle 12">
+            <a:extLst>
+              <a:ext uri="{FF2B5EF4-FFF2-40B4-BE49-F238E27FC236}">
+                <a16:creationId xmlns:a16="http://schemas.microsoft.com/office/drawing/2014/main" id="{437D0BE8-E3BF-4546-A46A-A2C411173B04}"/>
+              </a:ext>
+            </a:extLst>
+          </p:cNvPr>
+          <p:cNvSpPr/>
+          <p:nvPr/>
+        </p:nvSpPr>
+        <p:spPr>
+          <a:xfrm>
+            <a:off x="5276234" y="1226743"/>
+            <a:ext cx="1047756" cy="280896"/>
+          </a:xfrm>
+          <a:prstGeom prst="rect">
+            <a:avLst/>
+          </a:prstGeom>
+        </p:spPr>
+        <p:style>
+          <a:lnRef idx="2">
+            <a:schemeClr val="accent1">
+              <a:shade val="50000"/>
+            </a:schemeClr>
+          </a:lnRef>
+          <a:fillRef idx="1">
+            <a:schemeClr val="accent1"/>
+          </a:fillRef>
+          <a:effectRef idx="0">
+            <a:schemeClr val="accent1"/>
+          </a:effectRef>
+          <a:fontRef idx="minor">
+            <a:schemeClr val="lt1"/>
+          </a:fontRef>
+        </p:style>
+        <p:txBody>
+          <a:bodyPr rtlCol="0" anchor="ctr"/>
+          <a:lstStyle/>
+          <a:p>
+            <a:pPr algn="ctr"/>
+            <a:r>
+              <a:rPr lang="en-US" dirty="0"/>
+              <a:t>Done by</a:t>
+            </a:r>
+          </a:p>
+        </p:txBody>
+      </p:sp>
+      <p:sp>
+        <p:nvSpPr>
+          <p:cNvPr id="14" name="Rectangle 13">
+            <a:extLst>
+              <a:ext uri="{FF2B5EF4-FFF2-40B4-BE49-F238E27FC236}">
+                <a16:creationId xmlns:a16="http://schemas.microsoft.com/office/drawing/2014/main" id="{C0812534-C582-104D-99CC-A7892D9B19DF}"/>
+              </a:ext>
+            </a:extLst>
+          </p:cNvPr>
+          <p:cNvSpPr/>
+          <p:nvPr/>
+        </p:nvSpPr>
+        <p:spPr>
+          <a:xfrm>
+            <a:off x="6762965" y="1211004"/>
+            <a:ext cx="2145617" cy="233907"/>
+          </a:xfrm>
+          <a:prstGeom prst="rect">
+            <a:avLst/>
+          </a:prstGeom>
+        </p:spPr>
+        <p:style>
+          <a:lnRef idx="2">
+            <a:schemeClr val="accent1">
+              <a:shade val="50000"/>
+            </a:schemeClr>
+          </a:lnRef>
+          <a:fillRef idx="1">
+            <a:schemeClr val="accent1"/>
+          </a:fillRef>
+          <a:effectRef idx="0">
+            <a:schemeClr val="accent1"/>
+          </a:effectRef>
+          <a:fontRef idx="minor">
+            <a:schemeClr val="lt1"/>
+          </a:fontRef>
+        </p:style>
+        <p:txBody>
+          <a:bodyPr rtlCol="0" anchor="ctr"/>
+          <a:lstStyle/>
+          <a:p>
+            <a:pPr algn="ctr"/>
+            <a:r>
+              <a:rPr lang="en-US" dirty="0"/>
+              <a:t>I’m free at (calendar)</a:t>
+            </a:r>
+          </a:p>
+        </p:txBody>
+      </p:sp>
+      <p:sp>
+        <p:nvSpPr>
+          <p:cNvPr id="17" name="Rectangle 16">
+            <a:extLst>
+              <a:ext uri="{FF2B5EF4-FFF2-40B4-BE49-F238E27FC236}">
+                <a16:creationId xmlns:a16="http://schemas.microsoft.com/office/drawing/2014/main" id="{B631D681-EF4A-BB44-8CF2-A2C481C9DBDC}"/>
+              </a:ext>
+            </a:extLst>
+          </p:cNvPr>
+          <p:cNvSpPr/>
+          <p:nvPr/>
+        </p:nvSpPr>
+        <p:spPr>
+          <a:xfrm>
+            <a:off x="4585610" y="1957386"/>
+            <a:ext cx="3664659" cy="226940"/>
+          </a:xfrm>
+          <a:prstGeom prst="rect">
+            <a:avLst/>
+          </a:prstGeom>
+          <a:solidFill>
+            <a:srgbClr val="00B050"/>
+          </a:solidFill>
+        </p:spPr>
+        <p:style>
+          <a:lnRef idx="2">
+            <a:schemeClr val="accent1">
+              <a:shade val="50000"/>
+            </a:schemeClr>
+          </a:lnRef>
+          <a:fillRef idx="1">
+            <a:schemeClr val="accent1"/>
+          </a:fillRef>
+          <a:effectRef idx="0">
+            <a:schemeClr val="accent1"/>
+          </a:effectRef>
+          <a:fontRef idx="minor">
+            <a:schemeClr val="lt1"/>
+          </a:fontRef>
+        </p:style>
+        <p:txBody>
+          <a:bodyPr rtlCol="0" anchor="ctr"/>
+          <a:lstStyle/>
+          <a:p>
+            <a:pPr algn="ctr"/>
+            <a:r>
+              <a:rPr lang="en-US" dirty="0"/>
+              <a:t>Max 5 min wait</a:t>
+            </a:r>
+          </a:p>
+        </p:txBody>
+      </p:sp>
+      <p:sp>
+        <p:nvSpPr>
+          <p:cNvPr id="18" name="Rectangle 17">
+            <a:extLst>
+              <a:ext uri="{FF2B5EF4-FFF2-40B4-BE49-F238E27FC236}">
+                <a16:creationId xmlns:a16="http://schemas.microsoft.com/office/drawing/2014/main" id="{7021CC23-CBE5-8047-ACA0-135CDCE57694}"/>
+              </a:ext>
+            </a:extLst>
+          </p:cNvPr>
+          <p:cNvSpPr/>
+          <p:nvPr/>
+        </p:nvSpPr>
+        <p:spPr>
+          <a:xfrm>
+            <a:off x="4275015" y="2365638"/>
+            <a:ext cx="2212400" cy="324954"/>
+          </a:xfrm>
+          <a:prstGeom prst="rect">
+            <a:avLst/>
+          </a:prstGeom>
+        </p:spPr>
+        <p:style>
+          <a:lnRef idx="2">
+            <a:schemeClr val="accent1">
+              <a:shade val="50000"/>
+            </a:schemeClr>
+          </a:lnRef>
+          <a:fillRef idx="1">
+            <a:schemeClr val="accent1"/>
+          </a:fillRef>
+          <a:effectRef idx="0">
+            <a:schemeClr val="accent1"/>
+          </a:effectRef>
+          <a:fontRef idx="minor">
+            <a:schemeClr val="lt1"/>
+          </a:fontRef>
+        </p:style>
+        <p:txBody>
+          <a:bodyPr rtlCol="0" anchor="ctr"/>
+          <a:lstStyle/>
+          <a:p>
+            <a:pPr algn="ctr"/>
+            <a:r>
+              <a:rPr lang="en-US" dirty="0"/>
+              <a:t>Examining (2.5 mins)</a:t>
+            </a:r>
+          </a:p>
+        </p:txBody>
+      </p:sp>
+      <p:sp>
+        <p:nvSpPr>
+          <p:cNvPr id="20" name="Rectangle 19">
+            <a:extLst>
+              <a:ext uri="{FF2B5EF4-FFF2-40B4-BE49-F238E27FC236}">
+                <a16:creationId xmlns:a16="http://schemas.microsoft.com/office/drawing/2014/main" id="{7978E7A3-34D1-B749-8EC9-F32B41095AF1}"/>
+              </a:ext>
+            </a:extLst>
+          </p:cNvPr>
+          <p:cNvSpPr/>
+          <p:nvPr/>
+        </p:nvSpPr>
+        <p:spPr>
+          <a:xfrm>
+            <a:off x="3268958" y="2841146"/>
+            <a:ext cx="1047756" cy="280896"/>
+          </a:xfrm>
+          <a:prstGeom prst="rect">
+            <a:avLst/>
+          </a:prstGeom>
+        </p:spPr>
+        <p:style>
+          <a:lnRef idx="2">
+            <a:schemeClr val="accent1">
+              <a:shade val="50000"/>
+            </a:schemeClr>
+          </a:lnRef>
+          <a:fillRef idx="1">
+            <a:schemeClr val="accent1"/>
+          </a:fillRef>
+          <a:effectRef idx="0">
+            <a:schemeClr val="accent1"/>
+          </a:effectRef>
+          <a:fontRef idx="minor">
+            <a:schemeClr val="lt1"/>
+          </a:fontRef>
+        </p:style>
+        <p:txBody>
+          <a:bodyPr rtlCol="0" anchor="ctr"/>
+          <a:lstStyle/>
+          <a:p>
+            <a:pPr algn="ctr"/>
+            <a:r>
+              <a:rPr lang="en-US" dirty="0"/>
+              <a:t>Tutor bid</a:t>
+            </a:r>
+          </a:p>
+        </p:txBody>
+      </p:sp>
+      <p:sp>
+        <p:nvSpPr>
+          <p:cNvPr id="21" name="Rectangle 20">
+            <a:extLst>
+              <a:ext uri="{FF2B5EF4-FFF2-40B4-BE49-F238E27FC236}">
+                <a16:creationId xmlns:a16="http://schemas.microsoft.com/office/drawing/2014/main" id="{20735AE9-C2F7-7F40-AD4D-5322169A6472}"/>
+              </a:ext>
+            </a:extLst>
+          </p:cNvPr>
+          <p:cNvSpPr/>
+          <p:nvPr/>
+        </p:nvSpPr>
+        <p:spPr>
+          <a:xfrm>
+            <a:off x="5884759" y="2850452"/>
+            <a:ext cx="1558066" cy="280896"/>
+          </a:xfrm>
+          <a:prstGeom prst="rect">
+            <a:avLst/>
+          </a:prstGeom>
+        </p:spPr>
+        <p:style>
+          <a:lnRef idx="2">
+            <a:schemeClr val="accent1">
+              <a:shade val="50000"/>
+            </a:schemeClr>
+          </a:lnRef>
+          <a:fillRef idx="1">
+            <a:schemeClr val="accent1"/>
+          </a:fillRef>
+          <a:effectRef idx="0">
+            <a:schemeClr val="accent1"/>
+          </a:effectRef>
+          <a:fontRef idx="minor">
+            <a:schemeClr val="lt1"/>
+          </a:fontRef>
+        </p:style>
+        <p:txBody>
+          <a:bodyPr rtlCol="0" anchor="ctr"/>
+          <a:lstStyle/>
+          <a:p>
+            <a:pPr algn="ctr"/>
+            <a:r>
+              <a:rPr lang="en-US" dirty="0"/>
+              <a:t>Tutor declined</a:t>
+            </a:r>
+          </a:p>
+        </p:txBody>
+      </p:sp>
+      <p:sp>
+        <p:nvSpPr>
+          <p:cNvPr id="22" name="Rectangle 21">
+            <a:extLst>
+              <a:ext uri="{FF2B5EF4-FFF2-40B4-BE49-F238E27FC236}">
+                <a16:creationId xmlns:a16="http://schemas.microsoft.com/office/drawing/2014/main" id="{F3ACDE19-B6F5-4E48-AEC3-18857EC24BD2}"/>
+              </a:ext>
+            </a:extLst>
+          </p:cNvPr>
+          <p:cNvSpPr/>
+          <p:nvPr/>
+        </p:nvSpPr>
+        <p:spPr>
+          <a:xfrm>
+            <a:off x="5880276" y="3610099"/>
+            <a:ext cx="1211060" cy="274738"/>
+          </a:xfrm>
+          <a:prstGeom prst="rect">
+            <a:avLst/>
+          </a:prstGeom>
+        </p:spPr>
+        <p:style>
+          <a:lnRef idx="2">
+            <a:schemeClr val="accent1">
+              <a:shade val="50000"/>
+            </a:schemeClr>
+          </a:lnRef>
+          <a:fillRef idx="1">
+            <a:schemeClr val="accent1"/>
+          </a:fillRef>
+          <a:effectRef idx="0">
+            <a:schemeClr val="accent1"/>
+          </a:effectRef>
+          <a:fontRef idx="minor">
+            <a:schemeClr val="lt1"/>
+          </a:fontRef>
+        </p:style>
+        <p:txBody>
+          <a:bodyPr rtlCol="0" anchor="ctr"/>
+          <a:lstStyle/>
+          <a:p>
+            <a:pPr algn="ctr"/>
+            <a:r>
+              <a:rPr lang="en-US" dirty="0"/>
+              <a:t>Examining</a:t>
+            </a:r>
+          </a:p>
+        </p:txBody>
+      </p:sp>
+      <p:sp>
+        <p:nvSpPr>
+          <p:cNvPr id="23" name="Rectangle 22">
+            <a:extLst>
+              <a:ext uri="{FF2B5EF4-FFF2-40B4-BE49-F238E27FC236}">
+                <a16:creationId xmlns:a16="http://schemas.microsoft.com/office/drawing/2014/main" id="{B2507E9C-85D5-6840-BEE6-007401AC8648}"/>
+              </a:ext>
+            </a:extLst>
+          </p:cNvPr>
+          <p:cNvSpPr/>
+          <p:nvPr/>
+        </p:nvSpPr>
+        <p:spPr>
+          <a:xfrm>
+            <a:off x="5880276" y="3142585"/>
+            <a:ext cx="3028306" cy="274738"/>
+          </a:xfrm>
+          <a:prstGeom prst="rect">
+            <a:avLst/>
+          </a:prstGeom>
+          <a:solidFill>
+            <a:srgbClr val="00B050"/>
+          </a:solidFill>
+        </p:spPr>
+        <p:style>
+          <a:lnRef idx="2">
+            <a:schemeClr val="accent1">
+              <a:shade val="50000"/>
+            </a:schemeClr>
+          </a:lnRef>
+          <a:fillRef idx="1">
+            <a:schemeClr val="accent1"/>
+          </a:fillRef>
+          <a:effectRef idx="0">
+            <a:schemeClr val="accent1"/>
+          </a:effectRef>
+          <a:fontRef idx="minor">
+            <a:schemeClr val="lt1"/>
+          </a:fontRef>
+        </p:style>
+        <p:txBody>
+          <a:bodyPr rtlCol="0" anchor="ctr"/>
+          <a:lstStyle/>
+          <a:p>
+            <a:pPr algn="ctr"/>
+            <a:r>
+              <a:rPr lang="en-US" dirty="0"/>
+              <a:t>One more try Max 5 min wait</a:t>
+            </a:r>
+          </a:p>
+        </p:txBody>
+      </p:sp>
+      <p:sp>
+        <p:nvSpPr>
+          <p:cNvPr id="25" name="Rectangle 24">
+            <a:extLst>
+              <a:ext uri="{FF2B5EF4-FFF2-40B4-BE49-F238E27FC236}">
+                <a16:creationId xmlns:a16="http://schemas.microsoft.com/office/drawing/2014/main" id="{2C9B3369-7FBD-EC4E-ABA7-4063781F0C15}"/>
+              </a:ext>
+            </a:extLst>
+          </p:cNvPr>
+          <p:cNvSpPr/>
+          <p:nvPr/>
+        </p:nvSpPr>
+        <p:spPr>
+          <a:xfrm>
+            <a:off x="5296730" y="4021536"/>
+            <a:ext cx="1047756" cy="280896"/>
+          </a:xfrm>
+          <a:prstGeom prst="rect">
+            <a:avLst/>
+          </a:prstGeom>
+        </p:spPr>
+        <p:style>
+          <a:lnRef idx="2">
+            <a:schemeClr val="accent1">
+              <a:shade val="50000"/>
+            </a:schemeClr>
+          </a:lnRef>
+          <a:fillRef idx="1">
+            <a:schemeClr val="accent1"/>
+          </a:fillRef>
+          <a:effectRef idx="0">
+            <a:schemeClr val="accent1"/>
+          </a:effectRef>
+          <a:fontRef idx="minor">
+            <a:schemeClr val="lt1"/>
+          </a:fontRef>
+        </p:style>
+        <p:txBody>
+          <a:bodyPr rtlCol="0" anchor="ctr"/>
+          <a:lstStyle/>
+          <a:p>
+            <a:pPr algn="ctr"/>
+            <a:r>
+              <a:rPr lang="en-US" dirty="0"/>
+              <a:t>Tutor bid</a:t>
+            </a:r>
+          </a:p>
+        </p:txBody>
+      </p:sp>
+      <p:sp>
+        <p:nvSpPr>
+          <p:cNvPr id="29" name="Rectangle 28">
+            <a:extLst>
+              <a:ext uri="{FF2B5EF4-FFF2-40B4-BE49-F238E27FC236}">
+                <a16:creationId xmlns:a16="http://schemas.microsoft.com/office/drawing/2014/main" id="{D52914F8-9EDA-8541-8ABF-017572FBA71A}"/>
+              </a:ext>
+            </a:extLst>
+          </p:cNvPr>
+          <p:cNvSpPr/>
+          <p:nvPr/>
+        </p:nvSpPr>
+        <p:spPr>
+          <a:xfrm>
+            <a:off x="4712281" y="4771203"/>
+            <a:ext cx="1617774" cy="280896"/>
+          </a:xfrm>
+          <a:prstGeom prst="rect">
+            <a:avLst/>
+          </a:prstGeom>
+        </p:spPr>
+        <p:style>
+          <a:lnRef idx="2">
+            <a:schemeClr val="accent1">
+              <a:shade val="50000"/>
+            </a:schemeClr>
+          </a:lnRef>
+          <a:fillRef idx="1">
+            <a:schemeClr val="accent1"/>
+          </a:fillRef>
+          <a:effectRef idx="0">
+            <a:schemeClr val="accent1"/>
+          </a:effectRef>
+          <a:fontRef idx="minor">
+            <a:schemeClr val="lt1"/>
+          </a:fontRef>
+        </p:style>
+        <p:txBody>
+          <a:bodyPr rtlCol="0" anchor="ctr"/>
+          <a:lstStyle/>
+          <a:p>
+            <a:pPr algn="ctr"/>
+            <a:r>
+              <a:rPr lang="en-US" dirty="0"/>
+              <a:t>Different tutor</a:t>
+            </a:r>
+          </a:p>
+        </p:txBody>
+      </p:sp>
+      <p:sp>
+        <p:nvSpPr>
+          <p:cNvPr id="32" name="Rectangle 31">
+            <a:extLst>
+              <a:ext uri="{FF2B5EF4-FFF2-40B4-BE49-F238E27FC236}">
+                <a16:creationId xmlns:a16="http://schemas.microsoft.com/office/drawing/2014/main" id="{0B3B9733-1AE9-7B46-B365-92AE6F89029E}"/>
+              </a:ext>
+            </a:extLst>
+          </p:cNvPr>
+          <p:cNvSpPr/>
+          <p:nvPr/>
+        </p:nvSpPr>
+        <p:spPr>
+          <a:xfrm>
+            <a:off x="4712281" y="5053525"/>
+            <a:ext cx="3028306" cy="274738"/>
+          </a:xfrm>
+          <a:prstGeom prst="rect">
+            <a:avLst/>
+          </a:prstGeom>
+          <a:solidFill>
+            <a:srgbClr val="00B050"/>
+          </a:solidFill>
+        </p:spPr>
+        <p:style>
+          <a:lnRef idx="2">
+            <a:schemeClr val="accent1">
+              <a:shade val="50000"/>
+            </a:schemeClr>
+          </a:lnRef>
+          <a:fillRef idx="1">
+            <a:schemeClr val="accent1"/>
+          </a:fillRef>
+          <a:effectRef idx="0">
+            <a:schemeClr val="accent1"/>
+          </a:effectRef>
+          <a:fontRef idx="minor">
+            <a:schemeClr val="lt1"/>
+          </a:fontRef>
+        </p:style>
+        <p:txBody>
+          <a:bodyPr rtlCol="0" anchor="ctr"/>
+          <a:lstStyle/>
+          <a:p>
+            <a:pPr algn="ctr"/>
+            <a:r>
+              <a:rPr lang="en-US" dirty="0"/>
+              <a:t>One more try Max 5 min wait</a:t>
+            </a:r>
+          </a:p>
+        </p:txBody>
+      </p:sp>
+      <p:sp>
+        <p:nvSpPr>
+          <p:cNvPr id="33" name="Rectangle 32">
+            <a:extLst>
+              <a:ext uri="{FF2B5EF4-FFF2-40B4-BE49-F238E27FC236}">
+                <a16:creationId xmlns:a16="http://schemas.microsoft.com/office/drawing/2014/main" id="{D6666F1D-DB65-7246-AD34-69A1A46777BC}"/>
+              </a:ext>
+            </a:extLst>
+          </p:cNvPr>
+          <p:cNvSpPr/>
+          <p:nvPr/>
+        </p:nvSpPr>
+        <p:spPr>
+          <a:xfrm>
+            <a:off x="4720337" y="5454701"/>
+            <a:ext cx="1211060" cy="274738"/>
+          </a:xfrm>
+          <a:prstGeom prst="rect">
+            <a:avLst/>
+          </a:prstGeom>
+        </p:spPr>
+        <p:style>
+          <a:lnRef idx="2">
+            <a:schemeClr val="accent1">
+              <a:shade val="50000"/>
+            </a:schemeClr>
+          </a:lnRef>
+          <a:fillRef idx="1">
+            <a:schemeClr val="accent1"/>
+          </a:fillRef>
+          <a:effectRef idx="0">
+            <a:schemeClr val="accent1"/>
+          </a:effectRef>
+          <a:fontRef idx="minor">
+            <a:schemeClr val="lt1"/>
+          </a:fontRef>
+        </p:style>
+        <p:txBody>
+          <a:bodyPr rtlCol="0" anchor="ctr"/>
+          <a:lstStyle/>
+          <a:p>
+            <a:pPr algn="ctr"/>
+            <a:r>
+              <a:rPr lang="en-US" dirty="0"/>
+              <a:t>Examining</a:t>
+            </a:r>
+          </a:p>
+        </p:txBody>
+      </p:sp>
+      <p:sp>
+        <p:nvSpPr>
+          <p:cNvPr id="35" name="Rectangle 34">
+            <a:extLst>
+              <a:ext uri="{FF2B5EF4-FFF2-40B4-BE49-F238E27FC236}">
+                <a16:creationId xmlns:a16="http://schemas.microsoft.com/office/drawing/2014/main" id="{85E00D67-0F97-F245-A4AC-0EFDB2F0F3C7}"/>
+              </a:ext>
+            </a:extLst>
+          </p:cNvPr>
+          <p:cNvSpPr/>
+          <p:nvPr/>
+        </p:nvSpPr>
+        <p:spPr>
+          <a:xfrm>
+            <a:off x="4040165" y="5884434"/>
+            <a:ext cx="1047756" cy="280896"/>
+          </a:xfrm>
+          <a:prstGeom prst="rect">
+            <a:avLst/>
+          </a:prstGeom>
+        </p:spPr>
+        <p:style>
+          <a:lnRef idx="2">
+            <a:schemeClr val="accent1">
+              <a:shade val="50000"/>
+            </a:schemeClr>
+          </a:lnRef>
+          <a:fillRef idx="1">
+            <a:schemeClr val="accent1"/>
+          </a:fillRef>
+          <a:effectRef idx="0">
+            <a:schemeClr val="accent1"/>
+          </a:effectRef>
+          <a:fontRef idx="minor">
+            <a:schemeClr val="lt1"/>
+          </a:fontRef>
+        </p:style>
+        <p:txBody>
+          <a:bodyPr rtlCol="0" anchor="ctr"/>
+          <a:lstStyle/>
+          <a:p>
+            <a:pPr algn="ctr"/>
+            <a:r>
+              <a:rPr lang="en-US" dirty="0"/>
+              <a:t>Tutor bid</a:t>
+            </a:r>
+          </a:p>
+        </p:txBody>
+      </p:sp>
+      <p:sp>
+        <p:nvSpPr>
+          <p:cNvPr id="37" name="Oval 36">
+            <a:extLst>
+              <a:ext uri="{FF2B5EF4-FFF2-40B4-BE49-F238E27FC236}">
+                <a16:creationId xmlns:a16="http://schemas.microsoft.com/office/drawing/2014/main" id="{FEC0C602-84CB-C647-B511-A72EB28CE22D}"/>
+              </a:ext>
+            </a:extLst>
+          </p:cNvPr>
+          <p:cNvSpPr/>
+          <p:nvPr/>
+        </p:nvSpPr>
+        <p:spPr>
+          <a:xfrm>
+            <a:off x="2036611" y="4779314"/>
+            <a:ext cx="1202628" cy="472124"/>
+          </a:xfrm>
+          <a:prstGeom prst="ellipse">
+            <a:avLst/>
+          </a:prstGeom>
+        </p:spPr>
+        <p:style>
+          <a:lnRef idx="2">
+            <a:schemeClr val="accent1">
+              <a:shade val="50000"/>
+            </a:schemeClr>
+          </a:lnRef>
+          <a:fillRef idx="1">
+            <a:schemeClr val="accent1"/>
+          </a:fillRef>
+          <a:effectRef idx="0">
+            <a:schemeClr val="accent1"/>
+          </a:effectRef>
+          <a:fontRef idx="minor">
+            <a:schemeClr val="lt1"/>
+          </a:fontRef>
+        </p:style>
+        <p:txBody>
+          <a:bodyPr rtlCol="0" anchor="ctr"/>
+          <a:lstStyle/>
+          <a:p>
+            <a:pPr algn="ctr"/>
+            <a:r>
+              <a:rPr lang="en-US" dirty="0"/>
+              <a:t>Accept</a:t>
+            </a:r>
+          </a:p>
+        </p:txBody>
+      </p:sp>
+      <p:sp>
+        <p:nvSpPr>
+          <p:cNvPr id="39" name="Oval 38">
+            <a:extLst>
+              <a:ext uri="{FF2B5EF4-FFF2-40B4-BE49-F238E27FC236}">
+                <a16:creationId xmlns:a16="http://schemas.microsoft.com/office/drawing/2014/main" id="{B9EDEF02-03A0-CD49-8BBB-062A825FA0B6}"/>
+              </a:ext>
+            </a:extLst>
+          </p:cNvPr>
+          <p:cNvSpPr/>
+          <p:nvPr/>
+        </p:nvSpPr>
+        <p:spPr>
+          <a:xfrm>
+            <a:off x="3293929" y="4773767"/>
+            <a:ext cx="1293385" cy="472124"/>
+          </a:xfrm>
+          <a:prstGeom prst="ellipse">
+            <a:avLst/>
+          </a:prstGeom>
+        </p:spPr>
+        <p:style>
+          <a:lnRef idx="2">
+            <a:schemeClr val="accent1">
+              <a:shade val="50000"/>
+            </a:schemeClr>
+          </a:lnRef>
+          <a:fillRef idx="1">
+            <a:schemeClr val="accent1"/>
+          </a:fillRef>
+          <a:effectRef idx="0">
+            <a:schemeClr val="accent1"/>
+          </a:effectRef>
+          <a:fontRef idx="minor">
+            <a:schemeClr val="lt1"/>
+          </a:fontRef>
+        </p:style>
+        <p:txBody>
+          <a:bodyPr rtlCol="0" anchor="ctr"/>
+          <a:lstStyle/>
+          <a:p>
+            <a:pPr algn="ctr"/>
+            <a:r>
+              <a:rPr lang="en-US" dirty="0"/>
+              <a:t>Decline</a:t>
+            </a:r>
+          </a:p>
+        </p:txBody>
+      </p:sp>
+      <p:sp>
+        <p:nvSpPr>
+          <p:cNvPr id="40" name="Oval 39">
+            <a:extLst>
+              <a:ext uri="{FF2B5EF4-FFF2-40B4-BE49-F238E27FC236}">
+                <a16:creationId xmlns:a16="http://schemas.microsoft.com/office/drawing/2014/main" id="{5BECCF25-44E3-0643-AA14-6BA638E374E0}"/>
+              </a:ext>
+            </a:extLst>
+          </p:cNvPr>
+          <p:cNvSpPr/>
+          <p:nvPr/>
+        </p:nvSpPr>
+        <p:spPr>
+          <a:xfrm>
+            <a:off x="3239239" y="6290676"/>
+            <a:ext cx="1202628" cy="472124"/>
+          </a:xfrm>
+          <a:prstGeom prst="ellipse">
+            <a:avLst/>
+          </a:prstGeom>
+        </p:spPr>
+        <p:style>
+          <a:lnRef idx="2">
+            <a:schemeClr val="accent1">
+              <a:shade val="50000"/>
+            </a:schemeClr>
+          </a:lnRef>
+          <a:fillRef idx="1">
+            <a:schemeClr val="accent1"/>
+          </a:fillRef>
+          <a:effectRef idx="0">
+            <a:schemeClr val="accent1"/>
+          </a:effectRef>
+          <a:fontRef idx="minor">
+            <a:schemeClr val="lt1"/>
+          </a:fontRef>
+        </p:style>
+        <p:txBody>
+          <a:bodyPr rtlCol="0" anchor="ctr"/>
+          <a:lstStyle/>
+          <a:p>
+            <a:pPr algn="ctr"/>
+            <a:r>
+              <a:rPr lang="en-US" dirty="0"/>
+              <a:t>Accept</a:t>
+            </a:r>
+          </a:p>
+        </p:txBody>
+      </p:sp>
+      <p:sp>
+        <p:nvSpPr>
+          <p:cNvPr id="41" name="Oval 40">
+            <a:extLst>
+              <a:ext uri="{FF2B5EF4-FFF2-40B4-BE49-F238E27FC236}">
+                <a16:creationId xmlns:a16="http://schemas.microsoft.com/office/drawing/2014/main" id="{70A5C393-87AF-8C44-A321-5710AEB16E4C}"/>
+              </a:ext>
+            </a:extLst>
+          </p:cNvPr>
+          <p:cNvSpPr/>
+          <p:nvPr/>
+        </p:nvSpPr>
+        <p:spPr>
+          <a:xfrm>
+            <a:off x="4587314" y="6295359"/>
+            <a:ext cx="1293385" cy="472124"/>
+          </a:xfrm>
+          <a:prstGeom prst="ellipse">
+            <a:avLst/>
+          </a:prstGeom>
+        </p:spPr>
+        <p:style>
+          <a:lnRef idx="2">
+            <a:schemeClr val="accent1">
+              <a:shade val="50000"/>
+            </a:schemeClr>
+          </a:lnRef>
+          <a:fillRef idx="1">
+            <a:schemeClr val="accent1"/>
+          </a:fillRef>
+          <a:effectRef idx="0">
+            <a:schemeClr val="accent1"/>
+          </a:effectRef>
+          <a:fontRef idx="minor">
+            <a:schemeClr val="lt1"/>
+          </a:fontRef>
+        </p:style>
+        <p:txBody>
+          <a:bodyPr rtlCol="0" anchor="ctr"/>
+          <a:lstStyle/>
+          <a:p>
+            <a:pPr algn="ctr"/>
+            <a:r>
+              <a:rPr lang="en-US" dirty="0"/>
+              <a:t>Decline</a:t>
+            </a:r>
+          </a:p>
+        </p:txBody>
+      </p:sp>
+      <p:sp>
+        <p:nvSpPr>
+          <p:cNvPr id="42" name="Oval 41">
+            <a:extLst>
+              <a:ext uri="{FF2B5EF4-FFF2-40B4-BE49-F238E27FC236}">
+                <a16:creationId xmlns:a16="http://schemas.microsoft.com/office/drawing/2014/main" id="{4DBA4AB8-D0D5-944A-AC5A-7E292DAC3402}"/>
+              </a:ext>
+            </a:extLst>
+          </p:cNvPr>
+          <p:cNvSpPr/>
+          <p:nvPr/>
+        </p:nvSpPr>
+        <p:spPr>
+          <a:xfrm>
+            <a:off x="6798010" y="2381000"/>
+            <a:ext cx="1472894" cy="302863"/>
+          </a:xfrm>
+          <a:prstGeom prst="ellipse">
+            <a:avLst/>
+          </a:prstGeom>
+          <a:solidFill>
+            <a:srgbClr val="FF0000"/>
+          </a:solidFill>
+        </p:spPr>
+        <p:style>
+          <a:lnRef idx="2">
+            <a:schemeClr val="accent1">
+              <a:shade val="50000"/>
+            </a:schemeClr>
+          </a:lnRef>
+          <a:fillRef idx="1">
+            <a:schemeClr val="accent1"/>
+          </a:fillRef>
+          <a:effectRef idx="0">
+            <a:schemeClr val="accent1"/>
+          </a:effectRef>
+          <a:fontRef idx="minor">
+            <a:schemeClr val="lt1"/>
+          </a:fontRef>
+        </p:style>
+        <p:txBody>
+          <a:bodyPr rtlCol="0" anchor="ctr"/>
+          <a:lstStyle/>
+          <a:p>
+            <a:pPr algn="ctr"/>
+            <a:r>
+              <a:rPr lang="en-US" sz="1400" dirty="0"/>
+              <a:t>Call Spyros</a:t>
+            </a:r>
+          </a:p>
+        </p:txBody>
+      </p:sp>
+      <p:sp>
+        <p:nvSpPr>
+          <p:cNvPr id="43" name="Oval 42">
+            <a:extLst>
+              <a:ext uri="{FF2B5EF4-FFF2-40B4-BE49-F238E27FC236}">
+                <a16:creationId xmlns:a16="http://schemas.microsoft.com/office/drawing/2014/main" id="{037FADA8-082C-B547-AD89-6E967C6B3C1E}"/>
+              </a:ext>
+            </a:extLst>
+          </p:cNvPr>
+          <p:cNvSpPr/>
+          <p:nvPr/>
+        </p:nvSpPr>
+        <p:spPr>
+          <a:xfrm>
+            <a:off x="7419358" y="3596036"/>
+            <a:ext cx="1472894" cy="302863"/>
+          </a:xfrm>
+          <a:prstGeom prst="ellipse">
+            <a:avLst/>
+          </a:prstGeom>
+          <a:solidFill>
+            <a:srgbClr val="FF0000"/>
+          </a:solidFill>
+        </p:spPr>
+        <p:style>
+          <a:lnRef idx="2">
+            <a:schemeClr val="accent1">
+              <a:shade val="50000"/>
+            </a:schemeClr>
+          </a:lnRef>
+          <a:fillRef idx="1">
+            <a:schemeClr val="accent1"/>
+          </a:fillRef>
+          <a:effectRef idx="0">
+            <a:schemeClr val="accent1"/>
+          </a:effectRef>
+          <a:fontRef idx="minor">
+            <a:schemeClr val="lt1"/>
+          </a:fontRef>
+        </p:style>
+        <p:txBody>
+          <a:bodyPr rtlCol="0" anchor="ctr"/>
+          <a:lstStyle/>
+          <a:p>
+            <a:pPr algn="ctr"/>
+            <a:r>
+              <a:rPr lang="en-US" sz="1400" dirty="0"/>
+              <a:t>Call Spyros</a:t>
+            </a:r>
+          </a:p>
+        </p:txBody>
+      </p:sp>
+      <p:sp>
+        <p:nvSpPr>
+          <p:cNvPr id="44" name="Oval 43">
+            <a:extLst>
+              <a:ext uri="{FF2B5EF4-FFF2-40B4-BE49-F238E27FC236}">
+                <a16:creationId xmlns:a16="http://schemas.microsoft.com/office/drawing/2014/main" id="{1956DF1C-5C53-CD4B-840E-0D725653318D}"/>
+              </a:ext>
+            </a:extLst>
+          </p:cNvPr>
+          <p:cNvSpPr/>
+          <p:nvPr/>
+        </p:nvSpPr>
+        <p:spPr>
+          <a:xfrm>
+            <a:off x="6527953" y="4003480"/>
+            <a:ext cx="1472894" cy="302863"/>
+          </a:xfrm>
+          <a:prstGeom prst="ellipse">
+            <a:avLst/>
+          </a:prstGeom>
+          <a:solidFill>
+            <a:srgbClr val="FF0000"/>
+          </a:solidFill>
+        </p:spPr>
+        <p:style>
+          <a:lnRef idx="2">
+            <a:schemeClr val="accent1">
+              <a:shade val="50000"/>
+            </a:schemeClr>
+          </a:lnRef>
+          <a:fillRef idx="1">
+            <a:schemeClr val="accent1"/>
+          </a:fillRef>
+          <a:effectRef idx="0">
+            <a:schemeClr val="accent1"/>
+          </a:effectRef>
+          <a:fontRef idx="minor">
+            <a:schemeClr val="lt1"/>
+          </a:fontRef>
+        </p:style>
+        <p:txBody>
+          <a:bodyPr rtlCol="0" anchor="ctr"/>
+          <a:lstStyle/>
+          <a:p>
+            <a:pPr algn="ctr"/>
+            <a:r>
+              <a:rPr lang="en-US" sz="1400" dirty="0"/>
+              <a:t>Call Spyros</a:t>
+            </a:r>
+          </a:p>
+        </p:txBody>
+      </p:sp>
+      <p:sp>
+        <p:nvSpPr>
+          <p:cNvPr id="45" name="Oval 44">
+            <a:extLst>
+              <a:ext uri="{FF2B5EF4-FFF2-40B4-BE49-F238E27FC236}">
+                <a16:creationId xmlns:a16="http://schemas.microsoft.com/office/drawing/2014/main" id="{21D3DDC3-D368-BD4A-8589-3AE4128BE9D0}"/>
+              </a:ext>
+            </a:extLst>
+          </p:cNvPr>
+          <p:cNvSpPr/>
+          <p:nvPr/>
+        </p:nvSpPr>
+        <p:spPr>
+          <a:xfrm>
+            <a:off x="6372452" y="5434851"/>
+            <a:ext cx="1472894" cy="302863"/>
+          </a:xfrm>
+          <a:prstGeom prst="ellipse">
+            <a:avLst/>
+          </a:prstGeom>
+          <a:solidFill>
+            <a:srgbClr val="FF0000"/>
+          </a:solidFill>
+        </p:spPr>
+        <p:style>
+          <a:lnRef idx="2">
+            <a:schemeClr val="accent1">
+              <a:shade val="50000"/>
+            </a:schemeClr>
+          </a:lnRef>
+          <a:fillRef idx="1">
+            <a:schemeClr val="accent1"/>
+          </a:fillRef>
+          <a:effectRef idx="0">
+            <a:schemeClr val="accent1"/>
+          </a:effectRef>
+          <a:fontRef idx="minor">
+            <a:schemeClr val="lt1"/>
+          </a:fontRef>
+        </p:style>
+        <p:txBody>
+          <a:bodyPr rtlCol="0" anchor="ctr"/>
+          <a:lstStyle/>
+          <a:p>
+            <a:pPr algn="ctr"/>
+            <a:r>
+              <a:rPr lang="en-US" sz="1400" dirty="0"/>
+              <a:t>Call Spyros</a:t>
+            </a:r>
+          </a:p>
+        </p:txBody>
+      </p:sp>
+      <p:sp>
+        <p:nvSpPr>
+          <p:cNvPr id="46" name="Oval 45">
+            <a:extLst>
+              <a:ext uri="{FF2B5EF4-FFF2-40B4-BE49-F238E27FC236}">
+                <a16:creationId xmlns:a16="http://schemas.microsoft.com/office/drawing/2014/main" id="{3960E192-52E9-8248-BC2B-0B4177A6336B}"/>
+              </a:ext>
+            </a:extLst>
+          </p:cNvPr>
+          <p:cNvSpPr/>
+          <p:nvPr/>
+        </p:nvSpPr>
+        <p:spPr>
+          <a:xfrm>
+            <a:off x="5416760" y="5906057"/>
+            <a:ext cx="1472894" cy="302863"/>
+          </a:xfrm>
+          <a:prstGeom prst="ellipse">
+            <a:avLst/>
+          </a:prstGeom>
+          <a:solidFill>
+            <a:srgbClr val="FF0000"/>
+          </a:solidFill>
+        </p:spPr>
+        <p:style>
+          <a:lnRef idx="2">
+            <a:schemeClr val="accent1">
+              <a:shade val="50000"/>
+            </a:schemeClr>
+          </a:lnRef>
+          <a:fillRef idx="1">
+            <a:schemeClr val="accent1"/>
+          </a:fillRef>
+          <a:effectRef idx="0">
+            <a:schemeClr val="accent1"/>
+          </a:effectRef>
+          <a:fontRef idx="minor">
+            <a:schemeClr val="lt1"/>
+          </a:fontRef>
+        </p:style>
+        <p:txBody>
+          <a:bodyPr rtlCol="0" anchor="ctr"/>
+          <a:lstStyle/>
+          <a:p>
+            <a:pPr algn="ctr"/>
+            <a:r>
+              <a:rPr lang="en-US" sz="1400" dirty="0"/>
+              <a:t>Call Spyros</a:t>
+            </a:r>
+          </a:p>
+        </p:txBody>
+      </p:sp>
+      <p:cxnSp>
+        <p:nvCxnSpPr>
+          <p:cNvPr id="48" name="Straight Arrow Connector 47">
+            <a:extLst>
+              <a:ext uri="{FF2B5EF4-FFF2-40B4-BE49-F238E27FC236}">
+                <a16:creationId xmlns:a16="http://schemas.microsoft.com/office/drawing/2014/main" id="{8B071C21-73E1-5142-9FCF-D30C76380908}"/>
+              </a:ext>
+            </a:extLst>
+          </p:cNvPr>
+          <p:cNvCxnSpPr>
+            <a:cxnSpLocks/>
+            <a:stCxn id="5" idx="2"/>
+            <a:endCxn id="10" idx="0"/>
+          </p:cNvCxnSpPr>
+          <p:nvPr/>
+        </p:nvCxnSpPr>
+        <p:spPr>
+          <a:xfrm>
+            <a:off x="5798271" y="592213"/>
+            <a:ext cx="1" cy="181822"/>
+          </a:xfrm>
+          <a:prstGeom prst="straightConnector1">
+            <a:avLst/>
+          </a:prstGeom>
+          <a:ln w="19050">
+            <a:solidFill>
+              <a:srgbClr val="AC27AA"/>
+            </a:solidFill>
+            <a:tailEnd type="triangle"/>
+          </a:ln>
+        </p:spPr>
+        <p:style>
+          <a:lnRef idx="1">
+            <a:schemeClr val="accent1"/>
+          </a:lnRef>
+          <a:fillRef idx="0">
+            <a:schemeClr val="accent1"/>
+          </a:fillRef>
+          <a:effectRef idx="0">
+            <a:schemeClr val="accent1"/>
+          </a:effectRef>
+          <a:fontRef idx="minor">
+            <a:schemeClr val="tx1"/>
+          </a:fontRef>
+        </p:style>
+      </p:cxnSp>
+      <p:cxnSp>
+        <p:nvCxnSpPr>
+          <p:cNvPr id="51" name="Straight Arrow Connector 50">
+            <a:extLst>
+              <a:ext uri="{FF2B5EF4-FFF2-40B4-BE49-F238E27FC236}">
+                <a16:creationId xmlns:a16="http://schemas.microsoft.com/office/drawing/2014/main" id="{64A9991A-3390-6645-80CE-B01E392AFCE3}"/>
+              </a:ext>
+            </a:extLst>
+          </p:cNvPr>
+          <p:cNvCxnSpPr>
+            <a:cxnSpLocks/>
+            <a:stCxn id="10" idx="2"/>
+            <a:endCxn id="13" idx="0"/>
+          </p:cNvCxnSpPr>
+          <p:nvPr/>
+        </p:nvCxnSpPr>
+        <p:spPr>
+          <a:xfrm>
+            <a:off x="5798272" y="1054931"/>
+            <a:ext cx="1840" cy="171812"/>
+          </a:xfrm>
+          <a:prstGeom prst="straightConnector1">
+            <a:avLst/>
+          </a:prstGeom>
+          <a:ln w="19050">
+            <a:solidFill>
+              <a:srgbClr val="AC27AA"/>
+            </a:solidFill>
+            <a:tailEnd type="triangle"/>
+          </a:ln>
+        </p:spPr>
+        <p:style>
+          <a:lnRef idx="1">
+            <a:schemeClr val="accent1"/>
+          </a:lnRef>
+          <a:fillRef idx="0">
+            <a:schemeClr val="accent1"/>
+          </a:fillRef>
+          <a:effectRef idx="0">
+            <a:schemeClr val="accent1"/>
+          </a:effectRef>
+          <a:fontRef idx="minor">
+            <a:schemeClr val="tx1"/>
+          </a:fontRef>
+        </p:style>
+      </p:cxnSp>
+      <p:cxnSp>
+        <p:nvCxnSpPr>
+          <p:cNvPr id="58" name="Straight Arrow Connector 57">
+            <a:extLst>
+              <a:ext uri="{FF2B5EF4-FFF2-40B4-BE49-F238E27FC236}">
+                <a16:creationId xmlns:a16="http://schemas.microsoft.com/office/drawing/2014/main" id="{400C2E1E-8E23-394F-905E-20A0E4BF5D5B}"/>
+              </a:ext>
+            </a:extLst>
+          </p:cNvPr>
+          <p:cNvCxnSpPr>
+            <a:cxnSpLocks/>
+            <a:stCxn id="13" idx="2"/>
+            <a:endCxn id="7" idx="0"/>
+          </p:cNvCxnSpPr>
+          <p:nvPr/>
+        </p:nvCxnSpPr>
+        <p:spPr>
+          <a:xfrm flipH="1">
+            <a:off x="5109488" y="1507639"/>
+            <a:ext cx="690624" cy="163381"/>
+          </a:xfrm>
+          <a:prstGeom prst="straightConnector1">
+            <a:avLst/>
+          </a:prstGeom>
+          <a:ln w="19050">
+            <a:solidFill>
+              <a:srgbClr val="AC27AA"/>
+            </a:solidFill>
+            <a:tailEnd type="triangle"/>
+          </a:ln>
+        </p:spPr>
+        <p:style>
+          <a:lnRef idx="1">
+            <a:schemeClr val="accent1"/>
+          </a:lnRef>
+          <a:fillRef idx="0">
+            <a:schemeClr val="accent1"/>
+          </a:fillRef>
+          <a:effectRef idx="0">
+            <a:schemeClr val="accent1"/>
+          </a:effectRef>
+          <a:fontRef idx="minor">
+            <a:schemeClr val="tx1"/>
+          </a:fontRef>
+        </p:style>
+      </p:cxnSp>
+      <p:cxnSp>
+        <p:nvCxnSpPr>
+          <p:cNvPr id="62" name="Straight Arrow Connector 61">
+            <a:extLst>
+              <a:ext uri="{FF2B5EF4-FFF2-40B4-BE49-F238E27FC236}">
+                <a16:creationId xmlns:a16="http://schemas.microsoft.com/office/drawing/2014/main" id="{D3AD39D6-B955-2F45-B47D-EFB575080F82}"/>
+              </a:ext>
+            </a:extLst>
+          </p:cNvPr>
+          <p:cNvCxnSpPr>
+            <a:cxnSpLocks/>
+            <a:stCxn id="13" idx="2"/>
+            <a:endCxn id="8" idx="0"/>
+          </p:cNvCxnSpPr>
+          <p:nvPr/>
+        </p:nvCxnSpPr>
+        <p:spPr>
+          <a:xfrm>
+            <a:off x="5800112" y="1507639"/>
+            <a:ext cx="684926" cy="159953"/>
+          </a:xfrm>
+          <a:prstGeom prst="straightConnector1">
+            <a:avLst/>
+          </a:prstGeom>
+          <a:ln w="19050">
+            <a:solidFill>
+              <a:srgbClr val="AC27AA"/>
+            </a:solidFill>
+            <a:tailEnd type="triangle"/>
+          </a:ln>
+        </p:spPr>
+        <p:style>
+          <a:lnRef idx="1">
+            <a:schemeClr val="accent1"/>
+          </a:lnRef>
+          <a:fillRef idx="0">
+            <a:schemeClr val="accent1"/>
+          </a:fillRef>
+          <a:effectRef idx="0">
+            <a:schemeClr val="accent1"/>
+          </a:effectRef>
+          <a:fontRef idx="minor">
+            <a:schemeClr val="tx1"/>
+          </a:fontRef>
+        </p:style>
+      </p:cxnSp>
+      <p:cxnSp>
+        <p:nvCxnSpPr>
+          <p:cNvPr id="66" name="Straight Arrow Connector 65">
+            <a:extLst>
+              <a:ext uri="{FF2B5EF4-FFF2-40B4-BE49-F238E27FC236}">
+                <a16:creationId xmlns:a16="http://schemas.microsoft.com/office/drawing/2014/main" id="{AF7BD707-9BC3-9840-8284-378AB18A4444}"/>
+              </a:ext>
+            </a:extLst>
+          </p:cNvPr>
+          <p:cNvCxnSpPr>
+            <a:cxnSpLocks/>
+            <a:stCxn id="13" idx="2"/>
+            <a:endCxn id="9" idx="0"/>
+          </p:cNvCxnSpPr>
+          <p:nvPr/>
+        </p:nvCxnSpPr>
+        <p:spPr>
+          <a:xfrm>
+            <a:off x="5800112" y="1507639"/>
+            <a:ext cx="1926279" cy="163381"/>
+          </a:xfrm>
+          <a:prstGeom prst="straightConnector1">
+            <a:avLst/>
+          </a:prstGeom>
+          <a:ln w="19050">
+            <a:solidFill>
+              <a:srgbClr val="AC27AA"/>
+            </a:solidFill>
+            <a:tailEnd type="triangle"/>
+          </a:ln>
+        </p:spPr>
+        <p:style>
+          <a:lnRef idx="1">
+            <a:schemeClr val="accent1"/>
+          </a:lnRef>
+          <a:fillRef idx="0">
+            <a:schemeClr val="accent1"/>
+          </a:fillRef>
+          <a:effectRef idx="0">
+            <a:schemeClr val="accent1"/>
+          </a:effectRef>
+          <a:fontRef idx="minor">
+            <a:schemeClr val="tx1"/>
+          </a:fontRef>
+        </p:style>
+      </p:cxnSp>
+      <p:cxnSp>
+        <p:nvCxnSpPr>
+          <p:cNvPr id="69" name="Straight Arrow Connector 68">
+            <a:extLst>
+              <a:ext uri="{FF2B5EF4-FFF2-40B4-BE49-F238E27FC236}">
+                <a16:creationId xmlns:a16="http://schemas.microsoft.com/office/drawing/2014/main" id="{FDC2AB74-1034-154B-AEFD-18C86B951809}"/>
+              </a:ext>
+            </a:extLst>
+          </p:cNvPr>
+          <p:cNvCxnSpPr>
+            <a:cxnSpLocks/>
+            <a:stCxn id="17" idx="2"/>
+            <a:endCxn id="18" idx="0"/>
+          </p:cNvCxnSpPr>
+          <p:nvPr/>
+        </p:nvCxnSpPr>
+        <p:spPr>
+          <a:xfrm flipH="1">
+            <a:off x="5381215" y="2184326"/>
+            <a:ext cx="1036725" cy="181312"/>
+          </a:xfrm>
+          <a:prstGeom prst="straightConnector1">
+            <a:avLst/>
+          </a:prstGeom>
+          <a:ln w="19050">
+            <a:solidFill>
+              <a:srgbClr val="AC27AA"/>
+            </a:solidFill>
+            <a:tailEnd type="triangle"/>
+          </a:ln>
+        </p:spPr>
+        <p:style>
+          <a:lnRef idx="1">
+            <a:schemeClr val="accent1"/>
+          </a:lnRef>
+          <a:fillRef idx="0">
+            <a:schemeClr val="accent1"/>
+          </a:fillRef>
+          <a:effectRef idx="0">
+            <a:schemeClr val="accent1"/>
+          </a:effectRef>
+          <a:fontRef idx="minor">
+            <a:schemeClr val="tx1"/>
+          </a:fontRef>
+        </p:style>
+      </p:cxnSp>
+      <p:cxnSp>
+        <p:nvCxnSpPr>
+          <p:cNvPr id="73" name="Straight Arrow Connector 72">
+            <a:extLst>
+              <a:ext uri="{FF2B5EF4-FFF2-40B4-BE49-F238E27FC236}">
+                <a16:creationId xmlns:a16="http://schemas.microsoft.com/office/drawing/2014/main" id="{FDB53227-8E28-9949-B096-FAC693380BF9}"/>
+              </a:ext>
+            </a:extLst>
+          </p:cNvPr>
+          <p:cNvCxnSpPr>
+            <a:cxnSpLocks/>
+            <a:stCxn id="17" idx="2"/>
+            <a:endCxn id="42" idx="0"/>
+          </p:cNvCxnSpPr>
+          <p:nvPr/>
+        </p:nvCxnSpPr>
+        <p:spPr>
+          <a:xfrm>
+            <a:off x="6417940" y="2184326"/>
+            <a:ext cx="1116517" cy="196674"/>
+          </a:xfrm>
+          <a:prstGeom prst="straightConnector1">
+            <a:avLst/>
+          </a:prstGeom>
+          <a:ln w="19050">
+            <a:solidFill>
+              <a:srgbClr val="AC27AA"/>
+            </a:solidFill>
+            <a:tailEnd type="triangle"/>
+          </a:ln>
+        </p:spPr>
+        <p:style>
+          <a:lnRef idx="1">
+            <a:schemeClr val="accent1"/>
+          </a:lnRef>
+          <a:fillRef idx="0">
+            <a:schemeClr val="accent1"/>
+          </a:fillRef>
+          <a:effectRef idx="0">
+            <a:schemeClr val="accent1"/>
+          </a:effectRef>
+          <a:fontRef idx="minor">
+            <a:schemeClr val="tx1"/>
+          </a:fontRef>
+        </p:style>
+      </p:cxnSp>
+      <p:cxnSp>
+        <p:nvCxnSpPr>
+          <p:cNvPr id="83" name="Straight Arrow Connector 82">
+            <a:extLst>
+              <a:ext uri="{FF2B5EF4-FFF2-40B4-BE49-F238E27FC236}">
+                <a16:creationId xmlns:a16="http://schemas.microsoft.com/office/drawing/2014/main" id="{2479F33C-B505-CA46-9249-49850E9E2C0D}"/>
+              </a:ext>
+            </a:extLst>
+          </p:cNvPr>
+          <p:cNvCxnSpPr>
+            <a:cxnSpLocks/>
+            <a:stCxn id="18" idx="2"/>
+            <a:endCxn id="20" idx="0"/>
+          </p:cNvCxnSpPr>
+          <p:nvPr/>
+        </p:nvCxnSpPr>
+        <p:spPr>
+          <a:xfrm flipH="1">
+            <a:off x="3792836" y="2690592"/>
+            <a:ext cx="1588379" cy="150554"/>
+          </a:xfrm>
+          <a:prstGeom prst="straightConnector1">
+            <a:avLst/>
+          </a:prstGeom>
+          <a:ln w="19050">
+            <a:solidFill>
+              <a:srgbClr val="AC27AA"/>
+            </a:solidFill>
+            <a:tailEnd type="triangle"/>
+          </a:ln>
+        </p:spPr>
+        <p:style>
+          <a:lnRef idx="1">
+            <a:schemeClr val="accent1"/>
+          </a:lnRef>
+          <a:fillRef idx="0">
+            <a:schemeClr val="accent1"/>
+          </a:fillRef>
+          <a:effectRef idx="0">
+            <a:schemeClr val="accent1"/>
+          </a:effectRef>
+          <a:fontRef idx="minor">
+            <a:schemeClr val="tx1"/>
+          </a:fontRef>
+        </p:style>
+      </p:cxnSp>
+      <p:cxnSp>
+        <p:nvCxnSpPr>
+          <p:cNvPr id="86" name="Straight Arrow Connector 85">
+            <a:extLst>
+              <a:ext uri="{FF2B5EF4-FFF2-40B4-BE49-F238E27FC236}">
+                <a16:creationId xmlns:a16="http://schemas.microsoft.com/office/drawing/2014/main" id="{659E77D4-F7DB-5643-A994-10FC278451AB}"/>
+              </a:ext>
+            </a:extLst>
+          </p:cNvPr>
+          <p:cNvCxnSpPr>
+            <a:cxnSpLocks/>
+            <a:stCxn id="18" idx="2"/>
+            <a:endCxn id="21" idx="0"/>
+          </p:cNvCxnSpPr>
+          <p:nvPr/>
+        </p:nvCxnSpPr>
+        <p:spPr>
+          <a:xfrm>
+            <a:off x="5381215" y="2690592"/>
+            <a:ext cx="1282577" cy="159860"/>
+          </a:xfrm>
+          <a:prstGeom prst="straightConnector1">
+            <a:avLst/>
+          </a:prstGeom>
+          <a:ln w="19050">
+            <a:solidFill>
+              <a:srgbClr val="AC27AA"/>
+            </a:solidFill>
+            <a:tailEnd type="triangle"/>
+          </a:ln>
+        </p:spPr>
+        <p:style>
+          <a:lnRef idx="1">
+            <a:schemeClr val="accent1"/>
+          </a:lnRef>
+          <a:fillRef idx="0">
+            <a:schemeClr val="accent1"/>
+          </a:fillRef>
+          <a:effectRef idx="0">
+            <a:schemeClr val="accent1"/>
+          </a:effectRef>
+          <a:fontRef idx="minor">
+            <a:schemeClr val="tx1"/>
+          </a:fontRef>
+        </p:style>
+      </p:cxnSp>
+      <p:cxnSp>
+        <p:nvCxnSpPr>
+          <p:cNvPr id="93" name="Straight Arrow Connector 92">
+            <a:extLst>
+              <a:ext uri="{FF2B5EF4-FFF2-40B4-BE49-F238E27FC236}">
+                <a16:creationId xmlns:a16="http://schemas.microsoft.com/office/drawing/2014/main" id="{4DBB4AD1-420F-1043-9617-273BFAE63892}"/>
+              </a:ext>
+            </a:extLst>
+          </p:cNvPr>
+          <p:cNvCxnSpPr>
+            <a:cxnSpLocks/>
+            <a:stCxn id="23" idx="2"/>
+            <a:endCxn id="22" idx="0"/>
+          </p:cNvCxnSpPr>
+          <p:nvPr/>
+        </p:nvCxnSpPr>
+        <p:spPr>
+          <a:xfrm flipH="1">
+            <a:off x="6485806" y="3417323"/>
+            <a:ext cx="908623" cy="192776"/>
+          </a:xfrm>
+          <a:prstGeom prst="straightConnector1">
+            <a:avLst/>
+          </a:prstGeom>
+          <a:ln w="19050">
+            <a:solidFill>
+              <a:srgbClr val="AC27AA"/>
+            </a:solidFill>
+            <a:tailEnd type="triangle"/>
+          </a:ln>
+        </p:spPr>
+        <p:style>
+          <a:lnRef idx="1">
+            <a:schemeClr val="accent1"/>
+          </a:lnRef>
+          <a:fillRef idx="0">
+            <a:schemeClr val="accent1"/>
+          </a:fillRef>
+          <a:effectRef idx="0">
+            <a:schemeClr val="accent1"/>
+          </a:effectRef>
+          <a:fontRef idx="minor">
+            <a:schemeClr val="tx1"/>
+          </a:fontRef>
+        </p:style>
+      </p:cxnSp>
+      <p:cxnSp>
+        <p:nvCxnSpPr>
+          <p:cNvPr id="96" name="Straight Arrow Connector 95">
+            <a:extLst>
+              <a:ext uri="{FF2B5EF4-FFF2-40B4-BE49-F238E27FC236}">
+                <a16:creationId xmlns:a16="http://schemas.microsoft.com/office/drawing/2014/main" id="{80591B88-8F6C-C44F-AC94-72B53036D0E4}"/>
+              </a:ext>
+            </a:extLst>
+          </p:cNvPr>
+          <p:cNvCxnSpPr>
+            <a:cxnSpLocks/>
+            <a:stCxn id="23" idx="2"/>
+            <a:endCxn id="43" idx="0"/>
+          </p:cNvCxnSpPr>
+          <p:nvPr/>
+        </p:nvCxnSpPr>
+        <p:spPr>
+          <a:xfrm>
+            <a:off x="7394429" y="3417323"/>
+            <a:ext cx="761376" cy="178713"/>
+          </a:xfrm>
+          <a:prstGeom prst="straightConnector1">
+            <a:avLst/>
+          </a:prstGeom>
+          <a:ln w="19050">
+            <a:solidFill>
+              <a:srgbClr val="AC27AA"/>
+            </a:solidFill>
+            <a:tailEnd type="triangle"/>
+          </a:ln>
+        </p:spPr>
+        <p:style>
+          <a:lnRef idx="1">
+            <a:schemeClr val="accent1"/>
+          </a:lnRef>
+          <a:fillRef idx="0">
+            <a:schemeClr val="accent1"/>
+          </a:fillRef>
+          <a:effectRef idx="0">
+            <a:schemeClr val="accent1"/>
+          </a:effectRef>
+          <a:fontRef idx="minor">
+            <a:schemeClr val="tx1"/>
+          </a:fontRef>
+        </p:style>
+      </p:cxnSp>
+      <p:cxnSp>
+        <p:nvCxnSpPr>
+          <p:cNvPr id="99" name="Straight Arrow Connector 98">
+            <a:extLst>
+              <a:ext uri="{FF2B5EF4-FFF2-40B4-BE49-F238E27FC236}">
+                <a16:creationId xmlns:a16="http://schemas.microsoft.com/office/drawing/2014/main" id="{301B4CB5-B059-3E4E-9C63-9C662904473A}"/>
+              </a:ext>
+            </a:extLst>
+          </p:cNvPr>
+          <p:cNvCxnSpPr>
+            <a:cxnSpLocks/>
+            <a:stCxn id="22" idx="2"/>
+            <a:endCxn id="25" idx="0"/>
+          </p:cNvCxnSpPr>
+          <p:nvPr/>
+        </p:nvCxnSpPr>
+        <p:spPr>
+          <a:xfrm flipH="1">
+            <a:off x="5820608" y="3884837"/>
+            <a:ext cx="665198" cy="136699"/>
+          </a:xfrm>
+          <a:prstGeom prst="straightConnector1">
+            <a:avLst/>
+          </a:prstGeom>
+          <a:ln w="19050">
+            <a:solidFill>
+              <a:srgbClr val="AC27AA"/>
+            </a:solidFill>
+            <a:tailEnd type="triangle"/>
+          </a:ln>
+        </p:spPr>
+        <p:style>
+          <a:lnRef idx="1">
+            <a:schemeClr val="accent1"/>
+          </a:lnRef>
+          <a:fillRef idx="0">
+            <a:schemeClr val="accent1"/>
+          </a:fillRef>
+          <a:effectRef idx="0">
+            <a:schemeClr val="accent1"/>
+          </a:effectRef>
+          <a:fontRef idx="minor">
+            <a:schemeClr val="tx1"/>
+          </a:fontRef>
+        </p:style>
+      </p:cxnSp>
+      <p:cxnSp>
+        <p:nvCxnSpPr>
+          <p:cNvPr id="102" name="Straight Arrow Connector 101">
+            <a:extLst>
+              <a:ext uri="{FF2B5EF4-FFF2-40B4-BE49-F238E27FC236}">
+                <a16:creationId xmlns:a16="http://schemas.microsoft.com/office/drawing/2014/main" id="{107337C6-F7D7-6142-9B58-10BF7731DE5F}"/>
+              </a:ext>
+            </a:extLst>
+          </p:cNvPr>
+          <p:cNvCxnSpPr>
+            <a:cxnSpLocks/>
+            <a:stCxn id="22" idx="2"/>
+            <a:endCxn id="44" idx="0"/>
+          </p:cNvCxnSpPr>
+          <p:nvPr/>
+        </p:nvCxnSpPr>
+        <p:spPr>
+          <a:xfrm>
+            <a:off x="6485806" y="3884837"/>
+            <a:ext cx="778594" cy="118643"/>
+          </a:xfrm>
+          <a:prstGeom prst="straightConnector1">
+            <a:avLst/>
+          </a:prstGeom>
+          <a:ln w="19050">
+            <a:solidFill>
+              <a:srgbClr val="AC27AA"/>
+            </a:solidFill>
+            <a:tailEnd type="triangle"/>
+          </a:ln>
+        </p:spPr>
+        <p:style>
+          <a:lnRef idx="1">
+            <a:schemeClr val="accent1"/>
+          </a:lnRef>
+          <a:fillRef idx="0">
+            <a:schemeClr val="accent1"/>
+          </a:fillRef>
+          <a:effectRef idx="0">
+            <a:schemeClr val="accent1"/>
+          </a:effectRef>
+          <a:fontRef idx="minor">
+            <a:schemeClr val="tx1"/>
+          </a:fontRef>
+        </p:style>
+      </p:cxnSp>
+      <p:cxnSp>
+        <p:nvCxnSpPr>
+          <p:cNvPr id="105" name="Straight Arrow Connector 104">
+            <a:extLst>
+              <a:ext uri="{FF2B5EF4-FFF2-40B4-BE49-F238E27FC236}">
+                <a16:creationId xmlns:a16="http://schemas.microsoft.com/office/drawing/2014/main" id="{3DB31FD2-DD63-4649-A930-ED651A18156C}"/>
+              </a:ext>
+            </a:extLst>
+          </p:cNvPr>
+          <p:cNvCxnSpPr>
+            <a:cxnSpLocks/>
+            <a:stCxn id="20" idx="2"/>
+            <a:endCxn id="37" idx="0"/>
+          </p:cNvCxnSpPr>
+          <p:nvPr/>
+        </p:nvCxnSpPr>
+        <p:spPr>
+          <a:xfrm flipH="1">
+            <a:off x="2637925" y="3122042"/>
+            <a:ext cx="1154911" cy="1657272"/>
+          </a:xfrm>
+          <a:prstGeom prst="straightConnector1">
+            <a:avLst/>
+          </a:prstGeom>
+          <a:ln w="19050">
+            <a:solidFill>
+              <a:srgbClr val="AC27AA"/>
+            </a:solidFill>
+            <a:tailEnd type="triangle"/>
+          </a:ln>
+        </p:spPr>
+        <p:style>
+          <a:lnRef idx="1">
+            <a:schemeClr val="accent1"/>
+          </a:lnRef>
+          <a:fillRef idx="0">
+            <a:schemeClr val="accent1"/>
+          </a:fillRef>
+          <a:effectRef idx="0">
+            <a:schemeClr val="accent1"/>
+          </a:effectRef>
+          <a:fontRef idx="minor">
+            <a:schemeClr val="tx1"/>
+          </a:fontRef>
+        </p:style>
+      </p:cxnSp>
+      <p:cxnSp>
+        <p:nvCxnSpPr>
+          <p:cNvPr id="108" name="Straight Arrow Connector 107">
+            <a:extLst>
+              <a:ext uri="{FF2B5EF4-FFF2-40B4-BE49-F238E27FC236}">
+                <a16:creationId xmlns:a16="http://schemas.microsoft.com/office/drawing/2014/main" id="{46567664-C472-5F40-969F-D0EC0379487A}"/>
+              </a:ext>
+            </a:extLst>
+          </p:cNvPr>
+          <p:cNvCxnSpPr>
+            <a:cxnSpLocks/>
+            <a:stCxn id="20" idx="2"/>
+            <a:endCxn id="39" idx="0"/>
+          </p:cNvCxnSpPr>
+          <p:nvPr/>
+        </p:nvCxnSpPr>
+        <p:spPr>
+          <a:xfrm>
+            <a:off x="3792836" y="3122042"/>
+            <a:ext cx="147786" cy="1651725"/>
+          </a:xfrm>
+          <a:prstGeom prst="straightConnector1">
+            <a:avLst/>
+          </a:prstGeom>
+          <a:ln w="19050">
+            <a:solidFill>
+              <a:srgbClr val="AC27AA"/>
+            </a:solidFill>
+            <a:tailEnd type="triangle"/>
+          </a:ln>
+        </p:spPr>
+        <p:style>
+          <a:lnRef idx="1">
+            <a:schemeClr val="accent1"/>
+          </a:lnRef>
+          <a:fillRef idx="0">
+            <a:schemeClr val="accent1"/>
+          </a:fillRef>
+          <a:effectRef idx="0">
+            <a:schemeClr val="accent1"/>
+          </a:effectRef>
+          <a:fontRef idx="minor">
+            <a:schemeClr val="tx1"/>
+          </a:fontRef>
+        </p:style>
+      </p:cxnSp>
+      <p:cxnSp>
+        <p:nvCxnSpPr>
+          <p:cNvPr id="111" name="Straight Arrow Connector 110">
+            <a:extLst>
+              <a:ext uri="{FF2B5EF4-FFF2-40B4-BE49-F238E27FC236}">
+                <a16:creationId xmlns:a16="http://schemas.microsoft.com/office/drawing/2014/main" id="{A3B1C044-5904-A54A-B200-1B345F7BC581}"/>
+              </a:ext>
+            </a:extLst>
+          </p:cNvPr>
+          <p:cNvCxnSpPr>
+            <a:cxnSpLocks/>
+            <a:stCxn id="20" idx="2"/>
+            <a:endCxn id="29" idx="0"/>
+          </p:cNvCxnSpPr>
+          <p:nvPr/>
+        </p:nvCxnSpPr>
+        <p:spPr>
+          <a:xfrm>
+            <a:off x="3792836" y="3122042"/>
+            <a:ext cx="1728332" cy="1649161"/>
+          </a:xfrm>
+          <a:prstGeom prst="straightConnector1">
+            <a:avLst/>
+          </a:prstGeom>
+          <a:ln w="19050">
+            <a:solidFill>
+              <a:srgbClr val="AC27AA"/>
+            </a:solidFill>
+            <a:tailEnd type="triangle"/>
+          </a:ln>
+        </p:spPr>
+        <p:style>
+          <a:lnRef idx="1">
+            <a:schemeClr val="accent1"/>
+          </a:lnRef>
+          <a:fillRef idx="0">
+            <a:schemeClr val="accent1"/>
+          </a:fillRef>
+          <a:effectRef idx="0">
+            <a:schemeClr val="accent1"/>
+          </a:effectRef>
+          <a:fontRef idx="minor">
+            <a:schemeClr val="tx1"/>
+          </a:fontRef>
+        </p:style>
+      </p:cxnSp>
+      <p:cxnSp>
+        <p:nvCxnSpPr>
+          <p:cNvPr id="114" name="Straight Arrow Connector 113">
+            <a:extLst>
+              <a:ext uri="{FF2B5EF4-FFF2-40B4-BE49-F238E27FC236}">
+                <a16:creationId xmlns:a16="http://schemas.microsoft.com/office/drawing/2014/main" id="{4571498A-7AAF-A249-BC9F-5C21677E061A}"/>
+              </a:ext>
+            </a:extLst>
+          </p:cNvPr>
+          <p:cNvCxnSpPr>
+            <a:cxnSpLocks/>
+            <a:stCxn id="25" idx="2"/>
+            <a:endCxn id="37" idx="0"/>
+          </p:cNvCxnSpPr>
+          <p:nvPr/>
+        </p:nvCxnSpPr>
+        <p:spPr>
+          <a:xfrm flipH="1">
+            <a:off x="2637925" y="4302432"/>
+            <a:ext cx="3182683" cy="476882"/>
+          </a:xfrm>
+          <a:prstGeom prst="straightConnector1">
+            <a:avLst/>
+          </a:prstGeom>
+          <a:ln w="19050">
+            <a:solidFill>
+              <a:srgbClr val="AC27AA"/>
+            </a:solidFill>
+            <a:tailEnd type="triangle"/>
+          </a:ln>
+        </p:spPr>
+        <p:style>
+          <a:lnRef idx="1">
+            <a:schemeClr val="accent1"/>
+          </a:lnRef>
+          <a:fillRef idx="0">
+            <a:schemeClr val="accent1"/>
+          </a:fillRef>
+          <a:effectRef idx="0">
+            <a:schemeClr val="accent1"/>
+          </a:effectRef>
+          <a:fontRef idx="minor">
+            <a:schemeClr val="tx1"/>
+          </a:fontRef>
+        </p:style>
+      </p:cxnSp>
+      <p:cxnSp>
+        <p:nvCxnSpPr>
+          <p:cNvPr id="127" name="Straight Arrow Connector 126">
+            <a:extLst>
+              <a:ext uri="{FF2B5EF4-FFF2-40B4-BE49-F238E27FC236}">
+                <a16:creationId xmlns:a16="http://schemas.microsoft.com/office/drawing/2014/main" id="{F385DC12-AFD8-C64A-87BC-DCB4E3F3EF67}"/>
+              </a:ext>
+            </a:extLst>
+          </p:cNvPr>
+          <p:cNvCxnSpPr>
+            <a:cxnSpLocks/>
+            <a:stCxn id="25" idx="2"/>
+            <a:endCxn id="39" idx="0"/>
+          </p:cNvCxnSpPr>
+          <p:nvPr/>
+        </p:nvCxnSpPr>
+        <p:spPr>
+          <a:xfrm flipH="1">
+            <a:off x="3940622" y="4302432"/>
+            <a:ext cx="1879986" cy="471335"/>
+          </a:xfrm>
+          <a:prstGeom prst="straightConnector1">
+            <a:avLst/>
+          </a:prstGeom>
+          <a:ln w="19050">
+            <a:solidFill>
+              <a:srgbClr val="AC27AA"/>
+            </a:solidFill>
+            <a:tailEnd type="triangle"/>
+          </a:ln>
+        </p:spPr>
+        <p:style>
+          <a:lnRef idx="1">
+            <a:schemeClr val="accent1"/>
+          </a:lnRef>
+          <a:fillRef idx="0">
+            <a:schemeClr val="accent1"/>
+          </a:fillRef>
+          <a:effectRef idx="0">
+            <a:schemeClr val="accent1"/>
+          </a:effectRef>
+          <a:fontRef idx="minor">
+            <a:schemeClr val="tx1"/>
+          </a:fontRef>
+        </p:style>
+      </p:cxnSp>
+      <p:cxnSp>
+        <p:nvCxnSpPr>
+          <p:cNvPr id="130" name="Straight Arrow Connector 129">
+            <a:extLst>
+              <a:ext uri="{FF2B5EF4-FFF2-40B4-BE49-F238E27FC236}">
+                <a16:creationId xmlns:a16="http://schemas.microsoft.com/office/drawing/2014/main" id="{F52393B5-D8D3-8B43-B727-1BF1637E69CF}"/>
+              </a:ext>
+            </a:extLst>
+          </p:cNvPr>
+          <p:cNvCxnSpPr>
+            <a:cxnSpLocks/>
+            <a:stCxn id="25" idx="2"/>
+            <a:endCxn id="29" idx="0"/>
+          </p:cNvCxnSpPr>
+          <p:nvPr/>
+        </p:nvCxnSpPr>
+        <p:spPr>
+          <a:xfrm flipH="1">
+            <a:off x="5521168" y="4302432"/>
+            <a:ext cx="299440" cy="468771"/>
+          </a:xfrm>
+          <a:prstGeom prst="straightConnector1">
+            <a:avLst/>
+          </a:prstGeom>
+          <a:ln w="19050">
+            <a:solidFill>
+              <a:srgbClr val="AC27AA"/>
+            </a:solidFill>
+            <a:tailEnd type="triangle"/>
+          </a:ln>
+        </p:spPr>
+        <p:style>
+          <a:lnRef idx="1">
+            <a:schemeClr val="accent1"/>
+          </a:lnRef>
+          <a:fillRef idx="0">
+            <a:schemeClr val="accent1"/>
+          </a:fillRef>
+          <a:effectRef idx="0">
+            <a:schemeClr val="accent1"/>
+          </a:effectRef>
+          <a:fontRef idx="minor">
+            <a:schemeClr val="tx1"/>
+          </a:fontRef>
+        </p:style>
+      </p:cxnSp>
+      <p:cxnSp>
+        <p:nvCxnSpPr>
+          <p:cNvPr id="133" name="Straight Arrow Connector 132">
+            <a:extLst>
+              <a:ext uri="{FF2B5EF4-FFF2-40B4-BE49-F238E27FC236}">
+                <a16:creationId xmlns:a16="http://schemas.microsoft.com/office/drawing/2014/main" id="{1CE898B6-C0FA-6F42-B326-0DF1CD6C425C}"/>
+              </a:ext>
+            </a:extLst>
+          </p:cNvPr>
+          <p:cNvCxnSpPr>
+            <a:cxnSpLocks/>
+            <a:stCxn id="32" idx="2"/>
+            <a:endCxn id="33" idx="0"/>
+          </p:cNvCxnSpPr>
+          <p:nvPr/>
+        </p:nvCxnSpPr>
+        <p:spPr>
+          <a:xfrm flipH="1">
+            <a:off x="5325867" y="5328263"/>
+            <a:ext cx="900567" cy="126438"/>
+          </a:xfrm>
+          <a:prstGeom prst="straightConnector1">
+            <a:avLst/>
+          </a:prstGeom>
+          <a:ln w="19050">
+            <a:solidFill>
+              <a:srgbClr val="AC27AA"/>
+            </a:solidFill>
+            <a:tailEnd type="triangle"/>
+          </a:ln>
+        </p:spPr>
+        <p:style>
+          <a:lnRef idx="1">
+            <a:schemeClr val="accent1"/>
+          </a:lnRef>
+          <a:fillRef idx="0">
+            <a:schemeClr val="accent1"/>
+          </a:fillRef>
+          <a:effectRef idx="0">
+            <a:schemeClr val="accent1"/>
+          </a:effectRef>
+          <a:fontRef idx="minor">
+            <a:schemeClr val="tx1"/>
+          </a:fontRef>
+        </p:style>
+      </p:cxnSp>
+      <p:cxnSp>
+        <p:nvCxnSpPr>
+          <p:cNvPr id="136" name="Straight Arrow Connector 135">
+            <a:extLst>
+              <a:ext uri="{FF2B5EF4-FFF2-40B4-BE49-F238E27FC236}">
+                <a16:creationId xmlns:a16="http://schemas.microsoft.com/office/drawing/2014/main" id="{77CFA0B0-20E6-C44F-8B76-C794CC1D6E6C}"/>
+              </a:ext>
+            </a:extLst>
+          </p:cNvPr>
+          <p:cNvCxnSpPr>
+            <a:cxnSpLocks/>
+            <a:stCxn id="32" idx="2"/>
+            <a:endCxn id="45" idx="0"/>
+          </p:cNvCxnSpPr>
+          <p:nvPr/>
+        </p:nvCxnSpPr>
+        <p:spPr>
+          <a:xfrm>
+            <a:off x="6226434" y="5328263"/>
+            <a:ext cx="882465" cy="106588"/>
+          </a:xfrm>
+          <a:prstGeom prst="straightConnector1">
+            <a:avLst/>
+          </a:prstGeom>
+          <a:ln w="19050">
+            <a:solidFill>
+              <a:srgbClr val="AC27AA"/>
+            </a:solidFill>
+            <a:tailEnd type="triangle"/>
+          </a:ln>
+        </p:spPr>
+        <p:style>
+          <a:lnRef idx="1">
+            <a:schemeClr val="accent1"/>
+          </a:lnRef>
+          <a:fillRef idx="0">
+            <a:schemeClr val="accent1"/>
+          </a:fillRef>
+          <a:effectRef idx="0">
+            <a:schemeClr val="accent1"/>
+          </a:effectRef>
+          <a:fontRef idx="minor">
+            <a:schemeClr val="tx1"/>
+          </a:fontRef>
+        </p:style>
+      </p:cxnSp>
+      <p:cxnSp>
+        <p:nvCxnSpPr>
+          <p:cNvPr id="140" name="Straight Arrow Connector 139">
+            <a:extLst>
+              <a:ext uri="{FF2B5EF4-FFF2-40B4-BE49-F238E27FC236}">
+                <a16:creationId xmlns:a16="http://schemas.microsoft.com/office/drawing/2014/main" id="{13515BCF-F349-BD43-A901-6FE8D7A60FB5}"/>
+              </a:ext>
+            </a:extLst>
+          </p:cNvPr>
+          <p:cNvCxnSpPr>
+            <a:cxnSpLocks/>
+            <a:stCxn id="33" idx="2"/>
+            <a:endCxn id="35" idx="0"/>
+          </p:cNvCxnSpPr>
+          <p:nvPr/>
+        </p:nvCxnSpPr>
+        <p:spPr>
+          <a:xfrm flipH="1">
+            <a:off x="4564043" y="5729439"/>
+            <a:ext cx="761824" cy="154995"/>
+          </a:xfrm>
+          <a:prstGeom prst="straightConnector1">
+            <a:avLst/>
+          </a:prstGeom>
+          <a:ln w="19050">
+            <a:solidFill>
+              <a:srgbClr val="AC27AA"/>
+            </a:solidFill>
+            <a:tailEnd type="triangle"/>
+          </a:ln>
+        </p:spPr>
+        <p:style>
+          <a:lnRef idx="1">
+            <a:schemeClr val="accent1"/>
+          </a:lnRef>
+          <a:fillRef idx="0">
+            <a:schemeClr val="accent1"/>
+          </a:fillRef>
+          <a:effectRef idx="0">
+            <a:schemeClr val="accent1"/>
+          </a:effectRef>
+          <a:fontRef idx="minor">
+            <a:schemeClr val="tx1"/>
+          </a:fontRef>
+        </p:style>
+      </p:cxnSp>
+      <p:cxnSp>
+        <p:nvCxnSpPr>
+          <p:cNvPr id="143" name="Straight Arrow Connector 142">
+            <a:extLst>
+              <a:ext uri="{FF2B5EF4-FFF2-40B4-BE49-F238E27FC236}">
+                <a16:creationId xmlns:a16="http://schemas.microsoft.com/office/drawing/2014/main" id="{A36ECD82-6371-214E-8B51-B02CB366776D}"/>
+              </a:ext>
+            </a:extLst>
+          </p:cNvPr>
+          <p:cNvCxnSpPr>
+            <a:cxnSpLocks/>
+            <a:stCxn id="33" idx="2"/>
+            <a:endCxn id="46" idx="0"/>
+          </p:cNvCxnSpPr>
+          <p:nvPr/>
+        </p:nvCxnSpPr>
+        <p:spPr>
+          <a:xfrm>
+            <a:off x="5325867" y="5729439"/>
+            <a:ext cx="827340" cy="176618"/>
+          </a:xfrm>
+          <a:prstGeom prst="straightConnector1">
+            <a:avLst/>
+          </a:prstGeom>
+          <a:ln w="19050">
+            <a:solidFill>
+              <a:srgbClr val="AC27AA"/>
+            </a:solidFill>
+            <a:tailEnd type="triangle"/>
+          </a:ln>
+        </p:spPr>
+        <p:style>
+          <a:lnRef idx="1">
+            <a:schemeClr val="accent1"/>
+          </a:lnRef>
+          <a:fillRef idx="0">
+            <a:schemeClr val="accent1"/>
+          </a:fillRef>
+          <a:effectRef idx="0">
+            <a:schemeClr val="accent1"/>
+          </a:effectRef>
+          <a:fontRef idx="minor">
+            <a:schemeClr val="tx1"/>
+          </a:fontRef>
+        </p:style>
+      </p:cxnSp>
+      <p:cxnSp>
+        <p:nvCxnSpPr>
+          <p:cNvPr id="148" name="Straight Arrow Connector 147">
+            <a:extLst>
+              <a:ext uri="{FF2B5EF4-FFF2-40B4-BE49-F238E27FC236}">
+                <a16:creationId xmlns:a16="http://schemas.microsoft.com/office/drawing/2014/main" id="{B28849D3-8C11-C643-B1BF-2F9A0A4FCCF1}"/>
+              </a:ext>
+            </a:extLst>
+          </p:cNvPr>
+          <p:cNvCxnSpPr>
+            <a:cxnSpLocks/>
+            <a:stCxn id="35" idx="2"/>
+            <a:endCxn id="40" idx="0"/>
+          </p:cNvCxnSpPr>
+          <p:nvPr/>
+        </p:nvCxnSpPr>
+        <p:spPr>
+          <a:xfrm flipH="1">
+            <a:off x="3840553" y="6165330"/>
+            <a:ext cx="723490" cy="125346"/>
+          </a:xfrm>
+          <a:prstGeom prst="straightConnector1">
+            <a:avLst/>
+          </a:prstGeom>
+          <a:ln w="19050">
+            <a:solidFill>
+              <a:srgbClr val="AC27AA"/>
+            </a:solidFill>
+            <a:tailEnd type="triangle"/>
+          </a:ln>
+        </p:spPr>
+        <p:style>
+          <a:lnRef idx="1">
+            <a:schemeClr val="accent1"/>
+          </a:lnRef>
+          <a:fillRef idx="0">
+            <a:schemeClr val="accent1"/>
+          </a:fillRef>
+          <a:effectRef idx="0">
+            <a:schemeClr val="accent1"/>
+          </a:effectRef>
+          <a:fontRef idx="minor">
+            <a:schemeClr val="tx1"/>
+          </a:fontRef>
+        </p:style>
+      </p:cxnSp>
+      <p:cxnSp>
+        <p:nvCxnSpPr>
+          <p:cNvPr id="151" name="Straight Arrow Connector 150">
+            <a:extLst>
+              <a:ext uri="{FF2B5EF4-FFF2-40B4-BE49-F238E27FC236}">
+                <a16:creationId xmlns:a16="http://schemas.microsoft.com/office/drawing/2014/main" id="{086D08E2-6647-E14F-AA3B-42CAE2E2D679}"/>
+              </a:ext>
+            </a:extLst>
+          </p:cNvPr>
+          <p:cNvCxnSpPr>
+            <a:cxnSpLocks/>
+            <a:stCxn id="35" idx="2"/>
+            <a:endCxn id="41" idx="0"/>
+          </p:cNvCxnSpPr>
+          <p:nvPr/>
+        </p:nvCxnSpPr>
+        <p:spPr>
+          <a:xfrm>
+            <a:off x="4564043" y="6165330"/>
+            <a:ext cx="669964" cy="130029"/>
+          </a:xfrm>
+          <a:prstGeom prst="straightConnector1">
+            <a:avLst/>
+          </a:prstGeom>
+          <a:ln w="19050">
+            <a:solidFill>
+              <a:srgbClr val="AC27AA"/>
+            </a:solidFill>
+            <a:tailEnd type="triangle"/>
+          </a:ln>
+        </p:spPr>
+        <p:style>
+          <a:lnRef idx="1">
+            <a:schemeClr val="accent1"/>
+          </a:lnRef>
+          <a:fillRef idx="0">
+            <a:schemeClr val="accent1"/>
+          </a:fillRef>
+          <a:effectRef idx="0">
+            <a:schemeClr val="accent1"/>
+          </a:effectRef>
+          <a:fontRef idx="minor">
+            <a:schemeClr val="tx1"/>
+          </a:fontRef>
+        </p:style>
+      </p:cxnSp>
+      <p:cxnSp>
+        <p:nvCxnSpPr>
+          <p:cNvPr id="160" name="Straight Arrow Connector 159">
+            <a:extLst>
+              <a:ext uri="{FF2B5EF4-FFF2-40B4-BE49-F238E27FC236}">
+                <a16:creationId xmlns:a16="http://schemas.microsoft.com/office/drawing/2014/main" id="{B6E5B0A5-BDBE-3F46-8F0B-3A5CA04B1445}"/>
+              </a:ext>
+            </a:extLst>
+          </p:cNvPr>
+          <p:cNvCxnSpPr>
+            <a:cxnSpLocks/>
+            <a:stCxn id="4" idx="2"/>
+            <a:endCxn id="5" idx="0"/>
+          </p:cNvCxnSpPr>
+          <p:nvPr/>
+        </p:nvCxnSpPr>
+        <p:spPr>
+          <a:xfrm flipH="1">
+            <a:off x="5798271" y="138617"/>
+            <a:ext cx="408304" cy="197938"/>
+          </a:xfrm>
+          <a:prstGeom prst="straightConnector1">
+            <a:avLst/>
+          </a:prstGeom>
+          <a:ln w="19050">
+            <a:solidFill>
+              <a:srgbClr val="AC27AA"/>
+            </a:solidFill>
+            <a:tailEnd type="triangle"/>
+          </a:ln>
+        </p:spPr>
+        <p:style>
+          <a:lnRef idx="1">
+            <a:schemeClr val="accent1"/>
+          </a:lnRef>
+          <a:fillRef idx="0">
+            <a:schemeClr val="accent1"/>
+          </a:fillRef>
+          <a:effectRef idx="0">
+            <a:schemeClr val="accent1"/>
+          </a:effectRef>
+          <a:fontRef idx="minor">
+            <a:schemeClr val="tx1"/>
+          </a:fontRef>
+        </p:style>
+      </p:cxnSp>
+      <p:cxnSp>
+        <p:nvCxnSpPr>
+          <p:cNvPr id="168" name="Straight Arrow Connector 167">
+            <a:extLst>
+              <a:ext uri="{FF2B5EF4-FFF2-40B4-BE49-F238E27FC236}">
+                <a16:creationId xmlns:a16="http://schemas.microsoft.com/office/drawing/2014/main" id="{0B313E7F-1464-AF48-A152-6420C9E4D25B}"/>
+              </a:ext>
+            </a:extLst>
+          </p:cNvPr>
+          <p:cNvCxnSpPr>
+            <a:cxnSpLocks/>
+            <a:stCxn id="4" idx="6"/>
+            <a:endCxn id="6" idx="0"/>
+          </p:cNvCxnSpPr>
+          <p:nvPr/>
+        </p:nvCxnSpPr>
+        <p:spPr>
+          <a:xfrm>
+            <a:off x="7543630" y="138617"/>
+            <a:ext cx="301716" cy="262922"/>
+          </a:xfrm>
+          <a:prstGeom prst="straightConnector1">
+            <a:avLst/>
+          </a:prstGeom>
+          <a:ln w="19050">
+            <a:solidFill>
+              <a:srgbClr val="AC27AA"/>
+            </a:solidFill>
+            <a:tailEnd type="triangle"/>
+          </a:ln>
+        </p:spPr>
+        <p:style>
+          <a:lnRef idx="1">
+            <a:schemeClr val="accent1"/>
+          </a:lnRef>
+          <a:fillRef idx="0">
+            <a:schemeClr val="accent1"/>
+          </a:fillRef>
+          <a:effectRef idx="0">
+            <a:schemeClr val="accent1"/>
+          </a:effectRef>
+          <a:fontRef idx="minor">
+            <a:schemeClr val="tx1"/>
+          </a:fontRef>
+        </p:style>
+      </p:cxnSp>
+      <p:cxnSp>
+        <p:nvCxnSpPr>
+          <p:cNvPr id="172" name="Straight Arrow Connector 171">
+            <a:extLst>
+              <a:ext uri="{FF2B5EF4-FFF2-40B4-BE49-F238E27FC236}">
+                <a16:creationId xmlns:a16="http://schemas.microsoft.com/office/drawing/2014/main" id="{CBC69106-DA51-A84B-A653-1B47E6F423F3}"/>
+              </a:ext>
+            </a:extLst>
+          </p:cNvPr>
+          <p:cNvCxnSpPr>
+            <a:cxnSpLocks/>
+            <a:stCxn id="6" idx="2"/>
+            <a:endCxn id="12" idx="0"/>
+          </p:cNvCxnSpPr>
+          <p:nvPr/>
+        </p:nvCxnSpPr>
+        <p:spPr>
+          <a:xfrm>
+            <a:off x="7845346" y="646416"/>
+            <a:ext cx="8443" cy="160531"/>
+          </a:xfrm>
+          <a:prstGeom prst="straightConnector1">
+            <a:avLst/>
+          </a:prstGeom>
+          <a:ln w="19050">
+            <a:solidFill>
+              <a:srgbClr val="AC27AA"/>
+            </a:solidFill>
+            <a:tailEnd type="triangle"/>
+          </a:ln>
+        </p:spPr>
+        <p:style>
+          <a:lnRef idx="1">
+            <a:schemeClr val="accent1"/>
+          </a:lnRef>
+          <a:fillRef idx="0">
+            <a:schemeClr val="accent1"/>
+          </a:fillRef>
+          <a:effectRef idx="0">
+            <a:schemeClr val="accent1"/>
+          </a:effectRef>
+          <a:fontRef idx="minor">
+            <a:schemeClr val="tx1"/>
+          </a:fontRef>
+        </p:style>
+      </p:cxnSp>
+      <p:cxnSp>
+        <p:nvCxnSpPr>
+          <p:cNvPr id="176" name="Straight Arrow Connector 175">
+            <a:extLst>
+              <a:ext uri="{FF2B5EF4-FFF2-40B4-BE49-F238E27FC236}">
+                <a16:creationId xmlns:a16="http://schemas.microsoft.com/office/drawing/2014/main" id="{F0B7C3AE-9291-8140-8050-F0E7546B89B6}"/>
+              </a:ext>
+            </a:extLst>
+          </p:cNvPr>
+          <p:cNvCxnSpPr>
+            <a:cxnSpLocks/>
+            <a:stCxn id="12" idx="2"/>
+            <a:endCxn id="14" idx="0"/>
+          </p:cNvCxnSpPr>
+          <p:nvPr/>
+        </p:nvCxnSpPr>
+        <p:spPr>
+          <a:xfrm flipH="1">
+            <a:off x="7835774" y="1059740"/>
+            <a:ext cx="18015" cy="151264"/>
+          </a:xfrm>
+          <a:prstGeom prst="straightConnector1">
+            <a:avLst/>
+          </a:prstGeom>
+          <a:ln w="19050">
+            <a:solidFill>
+              <a:srgbClr val="AC27AA"/>
+            </a:solidFill>
+            <a:tailEnd type="triangle"/>
+          </a:ln>
+        </p:spPr>
+        <p:style>
+          <a:lnRef idx="1">
+            <a:schemeClr val="accent1"/>
+          </a:lnRef>
+          <a:fillRef idx="0">
+            <a:schemeClr val="accent1"/>
+          </a:fillRef>
+          <a:effectRef idx="0">
+            <a:schemeClr val="accent1"/>
+          </a:effectRef>
+          <a:fontRef idx="minor">
+            <a:schemeClr val="tx1"/>
+          </a:fontRef>
+        </p:style>
+      </p:cxnSp>
+      <p:cxnSp>
+        <p:nvCxnSpPr>
+          <p:cNvPr id="184" name="Straight Arrow Connector 183">
+            <a:extLst>
+              <a:ext uri="{FF2B5EF4-FFF2-40B4-BE49-F238E27FC236}">
+                <a16:creationId xmlns:a16="http://schemas.microsoft.com/office/drawing/2014/main" id="{E9FC0507-1B09-264D-A420-DC5B04BCB172}"/>
+              </a:ext>
+            </a:extLst>
+          </p:cNvPr>
+          <p:cNvCxnSpPr>
+            <a:cxnSpLocks/>
+            <a:stCxn id="14" idx="2"/>
+            <a:endCxn id="8" idx="0"/>
+          </p:cNvCxnSpPr>
+          <p:nvPr/>
+        </p:nvCxnSpPr>
+        <p:spPr>
+          <a:xfrm flipH="1">
+            <a:off x="6485038" y="1444911"/>
+            <a:ext cx="1350736" cy="222681"/>
+          </a:xfrm>
+          <a:prstGeom prst="straightConnector1">
+            <a:avLst/>
+          </a:prstGeom>
+          <a:ln w="19050">
+            <a:solidFill>
+              <a:srgbClr val="AC27AA"/>
+            </a:solidFill>
+            <a:tailEnd type="triangle"/>
+          </a:ln>
+        </p:spPr>
+        <p:style>
+          <a:lnRef idx="1">
+            <a:schemeClr val="accent1"/>
+          </a:lnRef>
+          <a:fillRef idx="0">
+            <a:schemeClr val="accent1"/>
+          </a:fillRef>
+          <a:effectRef idx="0">
+            <a:schemeClr val="accent1"/>
+          </a:effectRef>
+          <a:fontRef idx="minor">
+            <a:schemeClr val="tx1"/>
+          </a:fontRef>
+        </p:style>
+      </p:cxnSp>
+      <p:cxnSp>
+        <p:nvCxnSpPr>
+          <p:cNvPr id="187" name="Straight Arrow Connector 186">
+            <a:extLst>
+              <a:ext uri="{FF2B5EF4-FFF2-40B4-BE49-F238E27FC236}">
+                <a16:creationId xmlns:a16="http://schemas.microsoft.com/office/drawing/2014/main" id="{BFACC421-7043-A444-9215-9681DBD28B9F}"/>
+              </a:ext>
+            </a:extLst>
+          </p:cNvPr>
+          <p:cNvCxnSpPr>
+            <a:cxnSpLocks/>
+            <a:stCxn id="14" idx="2"/>
+            <a:endCxn id="9" idx="0"/>
+          </p:cNvCxnSpPr>
+          <p:nvPr/>
+        </p:nvCxnSpPr>
+        <p:spPr>
+          <a:xfrm flipH="1">
+            <a:off x="7726391" y="1444911"/>
+            <a:ext cx="109383" cy="226109"/>
+          </a:xfrm>
+          <a:prstGeom prst="straightConnector1">
+            <a:avLst/>
+          </a:prstGeom>
+          <a:ln w="19050">
+            <a:solidFill>
+              <a:srgbClr val="AC27AA"/>
+            </a:solidFill>
+            <a:tailEnd type="triangle"/>
+          </a:ln>
+        </p:spPr>
+        <p:style>
+          <a:lnRef idx="1">
+            <a:schemeClr val="accent1"/>
+          </a:lnRef>
+          <a:fillRef idx="0">
+            <a:schemeClr val="accent1"/>
+          </a:fillRef>
+          <a:effectRef idx="0">
+            <a:schemeClr val="accent1"/>
+          </a:effectRef>
+          <a:fontRef idx="minor">
+            <a:schemeClr val="tx1"/>
+          </a:fontRef>
+        </p:style>
+      </p:cxnSp>
+      <p:sp>
+        <p:nvSpPr>
+          <p:cNvPr id="272" name="TextBox 271">
+            <a:extLst>
+              <a:ext uri="{FF2B5EF4-FFF2-40B4-BE49-F238E27FC236}">
+                <a16:creationId xmlns:a16="http://schemas.microsoft.com/office/drawing/2014/main" id="{CF07CC43-ED69-3C4E-A8A9-199AE56C4212}"/>
+              </a:ext>
+            </a:extLst>
+          </p:cNvPr>
+          <p:cNvSpPr txBox="1"/>
+          <p:nvPr/>
+        </p:nvSpPr>
+        <p:spPr>
+          <a:xfrm>
+            <a:off x="8581499" y="2009349"/>
+            <a:ext cx="3629135" cy="369332"/>
+          </a:xfrm>
+          <a:prstGeom prst="rect">
+            <a:avLst/>
+          </a:prstGeom>
+          <a:noFill/>
+        </p:spPr>
+        <p:txBody>
+          <a:bodyPr wrap="none" rtlCol="0">
+            <a:spAutoFit/>
+          </a:bodyPr>
+          <a:lstStyle/>
+          <a:p>
+            <a:r>
+              <a:rPr lang="en-US" dirty="0"/>
+              <a:t>What kind of data do I have to keep?</a:t>
+            </a:r>
+          </a:p>
+        </p:txBody>
+      </p:sp>
+    </p:spTree>
+    <p:extLst>
+      <p:ext uri="{BB962C8B-B14F-4D97-AF65-F5344CB8AC3E}">
+        <p14:creationId xmlns:p14="http://schemas.microsoft.com/office/powerpoint/2010/main" val="1330249851"/>
+      </p:ext>
+    </p:extLst>
+  </p:cSld>
+  <p:clrMapOvr>
+    <a:masterClrMapping/>
+  </p:clrMapOvr>
+</p:sld>
+</file>
+
+<file path=ppt/slides/slide13.xml><?xml version="1.0" encoding="utf-8"?>
+<p:sld xmlns:a="http://schemas.openxmlformats.org/drawingml/2006/main" xmlns:r="http://schemas.openxmlformats.org/officeDocument/2006/relationships" xmlns:p="http://schemas.openxmlformats.org/presentationml/2006/main">
+  <p:cSld>
+    <p:spTree>
+      <p:nvGrpSpPr>
+        <p:cNvPr id="1" name=""/>
+        <p:cNvGrpSpPr/>
+        <p:nvPr/>
+      </p:nvGrpSpPr>
+      <p:grpSpPr>
+        <a:xfrm>
+          <a:off x="0" y="0"/>
+          <a:ext cx="0" cy="0"/>
+          <a:chOff x="0" y="0"/>
+          <a:chExt cx="0" cy="0"/>
+        </a:xfrm>
+      </p:grpSpPr>
+      <p:sp>
+        <p:nvSpPr>
+          <p:cNvPr id="2" name="Title 1">
+            <a:extLst>
+              <a:ext uri="{FF2B5EF4-FFF2-40B4-BE49-F238E27FC236}">
+                <a16:creationId xmlns:a16="http://schemas.microsoft.com/office/drawing/2014/main" id="{1CD2CC7D-8B2D-2A4B-8D9B-A414595043FD}"/>
+              </a:ext>
+            </a:extLst>
+          </p:cNvPr>
+          <p:cNvSpPr>
+            <a:spLocks noGrp="1"/>
+          </p:cNvSpPr>
+          <p:nvPr>
+            <p:ph type="title"/>
+          </p:nvPr>
+        </p:nvSpPr>
+        <p:spPr>
+          <a:xfrm>
+            <a:off x="659857" y="345722"/>
+            <a:ext cx="3003485" cy="896516"/>
+          </a:xfrm>
+        </p:spPr>
+        <p:txBody>
+          <a:bodyPr>
+            <a:normAutofit fontScale="90000"/>
+          </a:bodyPr>
+          <a:lstStyle/>
+          <a:p>
+            <a:r>
+              <a:rPr lang="en-US" dirty="0"/>
+              <a:t>Tutor UI Flow </a:t>
+            </a:r>
+            <a:r>
+              <a:rPr lang="en-US" sz="2700" dirty="0"/>
+              <a:t>(after account setup)</a:t>
+            </a:r>
+            <a:endParaRPr lang="en-US" dirty="0"/>
+          </a:p>
+        </p:txBody>
+      </p:sp>
+      <p:sp>
+        <p:nvSpPr>
+          <p:cNvPr id="4" name="Oval 3">
+            <a:extLst>
+              <a:ext uri="{FF2B5EF4-FFF2-40B4-BE49-F238E27FC236}">
+                <a16:creationId xmlns:a16="http://schemas.microsoft.com/office/drawing/2014/main" id="{551CCCC5-7630-6F46-BC55-8B31A7D6BFF3}"/>
+              </a:ext>
+            </a:extLst>
+          </p:cNvPr>
+          <p:cNvSpPr/>
+          <p:nvPr/>
+        </p:nvSpPr>
+        <p:spPr>
+          <a:xfrm>
+            <a:off x="5717115" y="172038"/>
+            <a:ext cx="2096802" cy="370597"/>
+          </a:xfrm>
+          <a:prstGeom prst="ellipse">
+            <a:avLst/>
+          </a:prstGeom>
+        </p:spPr>
+        <p:style>
+          <a:lnRef idx="2">
+            <a:schemeClr val="accent1">
+              <a:shade val="50000"/>
+            </a:schemeClr>
+          </a:lnRef>
+          <a:fillRef idx="1">
+            <a:schemeClr val="accent1"/>
+          </a:fillRef>
+          <a:effectRef idx="0">
+            <a:schemeClr val="accent1"/>
+          </a:effectRef>
+          <a:fontRef idx="minor">
+            <a:schemeClr val="lt1"/>
+          </a:fontRef>
+        </p:style>
+        <p:txBody>
+          <a:bodyPr rtlCol="0" anchor="ctr"/>
+          <a:lstStyle/>
+          <a:p>
+            <a:pPr algn="ctr"/>
+            <a:r>
+              <a:rPr lang="en-US" sz="1400" dirty="0"/>
+              <a:t>Gets Notification</a:t>
+            </a:r>
+          </a:p>
+        </p:txBody>
+      </p:sp>
+      <p:sp>
+        <p:nvSpPr>
+          <p:cNvPr id="6" name="Rectangle 5">
+            <a:extLst>
+              <a:ext uri="{FF2B5EF4-FFF2-40B4-BE49-F238E27FC236}">
+                <a16:creationId xmlns:a16="http://schemas.microsoft.com/office/drawing/2014/main" id="{F22D63AC-4D82-6540-8BC2-F0CD5735E50F}"/>
+              </a:ext>
+            </a:extLst>
+          </p:cNvPr>
+          <p:cNvSpPr/>
+          <p:nvPr/>
+        </p:nvSpPr>
+        <p:spPr>
+          <a:xfrm>
+            <a:off x="5911692" y="717679"/>
+            <a:ext cx="1707648" cy="222279"/>
+          </a:xfrm>
+          <a:prstGeom prst="rect">
+            <a:avLst/>
+          </a:prstGeom>
+        </p:spPr>
+        <p:style>
+          <a:lnRef idx="2">
+            <a:schemeClr val="accent1">
+              <a:shade val="50000"/>
+            </a:schemeClr>
+          </a:lnRef>
+          <a:fillRef idx="1">
+            <a:schemeClr val="accent1"/>
+          </a:fillRef>
+          <a:effectRef idx="0">
+            <a:schemeClr val="accent1"/>
+          </a:effectRef>
+          <a:fontRef idx="minor">
+            <a:schemeClr val="lt1"/>
+          </a:fontRef>
+        </p:style>
+        <p:txBody>
+          <a:bodyPr rtlCol="0" anchor="ctr"/>
+          <a:lstStyle/>
+          <a:p>
+            <a:pPr algn="ctr"/>
+            <a:r>
+              <a:rPr lang="en-US" dirty="0"/>
+              <a:t>Clicks</a:t>
+            </a:r>
+          </a:p>
+        </p:txBody>
+      </p:sp>
+      <p:cxnSp>
+        <p:nvCxnSpPr>
+          <p:cNvPr id="168" name="Straight Arrow Connector 167">
+            <a:extLst>
+              <a:ext uri="{FF2B5EF4-FFF2-40B4-BE49-F238E27FC236}">
+                <a16:creationId xmlns:a16="http://schemas.microsoft.com/office/drawing/2014/main" id="{0B313E7F-1464-AF48-A152-6420C9E4D25B}"/>
+              </a:ext>
+            </a:extLst>
+          </p:cNvPr>
+          <p:cNvCxnSpPr>
+            <a:cxnSpLocks/>
+            <a:stCxn id="4" idx="4"/>
+            <a:endCxn id="6" idx="0"/>
+          </p:cNvCxnSpPr>
+          <p:nvPr/>
+        </p:nvCxnSpPr>
+        <p:spPr>
+          <a:xfrm>
+            <a:off x="6765516" y="542635"/>
+            <a:ext cx="0" cy="175044"/>
+          </a:xfrm>
+          <a:prstGeom prst="straightConnector1">
+            <a:avLst/>
+          </a:prstGeom>
+          <a:ln w="19050">
+            <a:solidFill>
+              <a:srgbClr val="AC27AA"/>
+            </a:solidFill>
+            <a:tailEnd type="triangle"/>
+          </a:ln>
+        </p:spPr>
+        <p:style>
+          <a:lnRef idx="1">
+            <a:schemeClr val="accent1"/>
+          </a:lnRef>
+          <a:fillRef idx="0">
+            <a:schemeClr val="accent1"/>
+          </a:fillRef>
+          <a:effectRef idx="0">
+            <a:schemeClr val="accent1"/>
+          </a:effectRef>
+          <a:fontRef idx="minor">
+            <a:schemeClr val="tx1"/>
+          </a:fontRef>
+        </p:style>
+      </p:cxnSp>
+      <p:cxnSp>
+        <p:nvCxnSpPr>
+          <p:cNvPr id="176" name="Straight Arrow Connector 175">
+            <a:extLst>
+              <a:ext uri="{FF2B5EF4-FFF2-40B4-BE49-F238E27FC236}">
+                <a16:creationId xmlns:a16="http://schemas.microsoft.com/office/drawing/2014/main" id="{F0B7C3AE-9291-8140-8050-F0E7546B89B6}"/>
+              </a:ext>
+            </a:extLst>
+          </p:cNvPr>
+          <p:cNvCxnSpPr>
+            <a:cxnSpLocks/>
+            <a:stCxn id="95" idx="2"/>
+            <a:endCxn id="100" idx="0"/>
+          </p:cNvCxnSpPr>
+          <p:nvPr/>
+        </p:nvCxnSpPr>
+        <p:spPr>
+          <a:xfrm flipH="1">
+            <a:off x="5319691" y="1575655"/>
+            <a:ext cx="1446350" cy="255046"/>
+          </a:xfrm>
+          <a:prstGeom prst="straightConnector1">
+            <a:avLst/>
+          </a:prstGeom>
+          <a:ln w="19050">
+            <a:solidFill>
+              <a:srgbClr val="AC27AA"/>
+            </a:solidFill>
+            <a:tailEnd type="triangle"/>
+          </a:ln>
+        </p:spPr>
+        <p:style>
+          <a:lnRef idx="1">
+            <a:schemeClr val="accent1"/>
+          </a:lnRef>
+          <a:fillRef idx="0">
+            <a:schemeClr val="accent1"/>
+          </a:fillRef>
+          <a:effectRef idx="0">
+            <a:schemeClr val="accent1"/>
+          </a:effectRef>
+          <a:fontRef idx="minor">
+            <a:schemeClr val="tx1"/>
+          </a:fontRef>
+        </p:style>
+      </p:cxnSp>
+      <p:sp>
+        <p:nvSpPr>
+          <p:cNvPr id="95" name="Rectangle 94">
+            <a:extLst>
+              <a:ext uri="{FF2B5EF4-FFF2-40B4-BE49-F238E27FC236}">
+                <a16:creationId xmlns:a16="http://schemas.microsoft.com/office/drawing/2014/main" id="{3596BD36-6CEC-434D-B64B-7C6794774160}"/>
+              </a:ext>
+            </a:extLst>
+          </p:cNvPr>
+          <p:cNvSpPr/>
+          <p:nvPr/>
+        </p:nvSpPr>
+        <p:spPr>
+          <a:xfrm>
+            <a:off x="5912217" y="1353377"/>
+            <a:ext cx="1707648" cy="222278"/>
+          </a:xfrm>
+          <a:prstGeom prst="rect">
+            <a:avLst/>
+          </a:prstGeom>
+          <a:solidFill>
+            <a:srgbClr val="00B050"/>
+          </a:solidFill>
+        </p:spPr>
+        <p:style>
+          <a:lnRef idx="2">
+            <a:schemeClr val="accent1">
+              <a:shade val="50000"/>
+            </a:schemeClr>
+          </a:lnRef>
+          <a:fillRef idx="1">
+            <a:schemeClr val="accent1"/>
+          </a:fillRef>
+          <a:effectRef idx="0">
+            <a:schemeClr val="accent1"/>
+          </a:effectRef>
+          <a:fontRef idx="minor">
+            <a:schemeClr val="lt1"/>
+          </a:fontRef>
+        </p:style>
+        <p:txBody>
+          <a:bodyPr rtlCol="0" anchor="ctr"/>
+          <a:lstStyle/>
+          <a:p>
+            <a:pPr algn="ctr"/>
+            <a:r>
+              <a:rPr lang="en-US" dirty="0"/>
+              <a:t>Max 5 min to</a:t>
+            </a:r>
+          </a:p>
+        </p:txBody>
+      </p:sp>
+      <p:sp>
+        <p:nvSpPr>
+          <p:cNvPr id="100" name="Oval 99">
+            <a:extLst>
+              <a:ext uri="{FF2B5EF4-FFF2-40B4-BE49-F238E27FC236}">
+                <a16:creationId xmlns:a16="http://schemas.microsoft.com/office/drawing/2014/main" id="{46B5DFC4-11AC-E144-A5ED-FF6B5C435F01}"/>
+              </a:ext>
+            </a:extLst>
+          </p:cNvPr>
+          <p:cNvSpPr/>
+          <p:nvPr/>
+        </p:nvSpPr>
+        <p:spPr>
+          <a:xfrm>
+            <a:off x="3817948" y="1830701"/>
+            <a:ext cx="3003485" cy="472124"/>
+          </a:xfrm>
+          <a:prstGeom prst="ellipse">
+            <a:avLst/>
+          </a:prstGeom>
+        </p:spPr>
+        <p:style>
+          <a:lnRef idx="2">
+            <a:schemeClr val="accent1">
+              <a:shade val="50000"/>
+            </a:schemeClr>
+          </a:lnRef>
+          <a:fillRef idx="1">
+            <a:schemeClr val="accent1"/>
+          </a:fillRef>
+          <a:effectRef idx="0">
+            <a:schemeClr val="accent1"/>
+          </a:effectRef>
+          <a:fontRef idx="minor">
+            <a:schemeClr val="lt1"/>
+          </a:fontRef>
+        </p:style>
+        <p:txBody>
+          <a:bodyPr rtlCol="0" anchor="ctr"/>
+          <a:lstStyle/>
+          <a:p>
+            <a:pPr algn="ctr"/>
+            <a:r>
+              <a:rPr lang="en-US" dirty="0"/>
+              <a:t>Bid (inserts amount)</a:t>
+            </a:r>
+          </a:p>
+        </p:txBody>
+      </p:sp>
+      <p:sp>
+        <p:nvSpPr>
+          <p:cNvPr id="101" name="Oval 100">
+            <a:extLst>
+              <a:ext uri="{FF2B5EF4-FFF2-40B4-BE49-F238E27FC236}">
+                <a16:creationId xmlns:a16="http://schemas.microsoft.com/office/drawing/2014/main" id="{5DF99E77-3995-0549-BDAC-9E330D5B698A}"/>
+              </a:ext>
+            </a:extLst>
+          </p:cNvPr>
+          <p:cNvSpPr/>
+          <p:nvPr/>
+        </p:nvSpPr>
+        <p:spPr>
+          <a:xfrm>
+            <a:off x="7167224" y="1797934"/>
+            <a:ext cx="1293385" cy="472124"/>
+          </a:xfrm>
+          <a:prstGeom prst="ellipse">
+            <a:avLst/>
+          </a:prstGeom>
+        </p:spPr>
+        <p:style>
+          <a:lnRef idx="2">
+            <a:schemeClr val="accent1">
+              <a:shade val="50000"/>
+            </a:schemeClr>
+          </a:lnRef>
+          <a:fillRef idx="1">
+            <a:schemeClr val="accent1"/>
+          </a:fillRef>
+          <a:effectRef idx="0">
+            <a:schemeClr val="accent1"/>
+          </a:effectRef>
+          <a:fontRef idx="minor">
+            <a:schemeClr val="lt1"/>
+          </a:fontRef>
+        </p:style>
+        <p:txBody>
+          <a:bodyPr rtlCol="0" anchor="ctr"/>
+          <a:lstStyle/>
+          <a:p>
+            <a:pPr algn="ctr"/>
+            <a:r>
+              <a:rPr lang="en-US" dirty="0"/>
+              <a:t>Decline</a:t>
+            </a:r>
+          </a:p>
+        </p:txBody>
+      </p:sp>
+      <p:cxnSp>
+        <p:nvCxnSpPr>
+          <p:cNvPr id="103" name="Straight Arrow Connector 102">
+            <a:extLst>
+              <a:ext uri="{FF2B5EF4-FFF2-40B4-BE49-F238E27FC236}">
+                <a16:creationId xmlns:a16="http://schemas.microsoft.com/office/drawing/2014/main" id="{D6098C29-1B74-5B41-902D-204DC5155FC5}"/>
+              </a:ext>
+            </a:extLst>
+          </p:cNvPr>
+          <p:cNvCxnSpPr>
+            <a:cxnSpLocks/>
+            <a:stCxn id="95" idx="2"/>
+            <a:endCxn id="101" idx="0"/>
+          </p:cNvCxnSpPr>
+          <p:nvPr/>
+        </p:nvCxnSpPr>
+        <p:spPr>
+          <a:xfrm>
+            <a:off x="6766041" y="1575655"/>
+            <a:ext cx="1047876" cy="222279"/>
+          </a:xfrm>
+          <a:prstGeom prst="straightConnector1">
+            <a:avLst/>
+          </a:prstGeom>
+          <a:ln w="19050">
+            <a:solidFill>
+              <a:srgbClr val="AC27AA"/>
+            </a:solidFill>
+            <a:tailEnd type="triangle"/>
+          </a:ln>
+        </p:spPr>
+        <p:style>
+          <a:lnRef idx="1">
+            <a:schemeClr val="accent1"/>
+          </a:lnRef>
+          <a:fillRef idx="0">
+            <a:schemeClr val="accent1"/>
+          </a:fillRef>
+          <a:effectRef idx="0">
+            <a:schemeClr val="accent1"/>
+          </a:effectRef>
+          <a:fontRef idx="minor">
+            <a:schemeClr val="tx1"/>
+          </a:fontRef>
+        </p:style>
+      </p:cxnSp>
+      <p:sp>
+        <p:nvSpPr>
+          <p:cNvPr id="106" name="Rectangle 105">
+            <a:extLst>
+              <a:ext uri="{FF2B5EF4-FFF2-40B4-BE49-F238E27FC236}">
+                <a16:creationId xmlns:a16="http://schemas.microsoft.com/office/drawing/2014/main" id="{47C6D62A-2BC8-4047-817F-AE2A1347580D}"/>
+              </a:ext>
+            </a:extLst>
+          </p:cNvPr>
+          <p:cNvSpPr/>
+          <p:nvPr/>
+        </p:nvSpPr>
+        <p:spPr>
+          <a:xfrm>
+            <a:off x="5912217" y="1131098"/>
+            <a:ext cx="1707648" cy="222279"/>
+          </a:xfrm>
+          <a:prstGeom prst="rect">
+            <a:avLst/>
+          </a:prstGeom>
+        </p:spPr>
+        <p:style>
+          <a:lnRef idx="2">
+            <a:schemeClr val="accent1">
+              <a:shade val="50000"/>
+            </a:schemeClr>
+          </a:lnRef>
+          <a:fillRef idx="1">
+            <a:schemeClr val="accent1"/>
+          </a:fillRef>
+          <a:effectRef idx="0">
+            <a:schemeClr val="accent1"/>
+          </a:effectRef>
+          <a:fontRef idx="minor">
+            <a:schemeClr val="lt1"/>
+          </a:fontRef>
+        </p:style>
+        <p:txBody>
+          <a:bodyPr rtlCol="0" anchor="ctr"/>
+          <a:lstStyle/>
+          <a:p>
+            <a:pPr algn="ctr"/>
+            <a:r>
+              <a:rPr lang="en-US" dirty="0"/>
+              <a:t>Review Request</a:t>
+            </a:r>
+          </a:p>
+        </p:txBody>
+      </p:sp>
+      <p:cxnSp>
+        <p:nvCxnSpPr>
+          <p:cNvPr id="107" name="Straight Arrow Connector 106">
+            <a:extLst>
+              <a:ext uri="{FF2B5EF4-FFF2-40B4-BE49-F238E27FC236}">
+                <a16:creationId xmlns:a16="http://schemas.microsoft.com/office/drawing/2014/main" id="{1D3C7A55-6E62-2E45-8F7B-94E1B2BEA347}"/>
+              </a:ext>
+            </a:extLst>
+          </p:cNvPr>
+          <p:cNvCxnSpPr>
+            <a:cxnSpLocks/>
+            <a:stCxn id="6" idx="2"/>
+            <a:endCxn id="106" idx="0"/>
+          </p:cNvCxnSpPr>
+          <p:nvPr/>
+        </p:nvCxnSpPr>
+        <p:spPr>
+          <a:xfrm>
+            <a:off x="6765516" y="939958"/>
+            <a:ext cx="525" cy="191140"/>
+          </a:xfrm>
+          <a:prstGeom prst="straightConnector1">
+            <a:avLst/>
+          </a:prstGeom>
+          <a:ln w="19050">
+            <a:solidFill>
+              <a:srgbClr val="AC27AA"/>
+            </a:solidFill>
+            <a:tailEnd type="triangle"/>
+          </a:ln>
+        </p:spPr>
+        <p:style>
+          <a:lnRef idx="1">
+            <a:schemeClr val="accent1"/>
+          </a:lnRef>
+          <a:fillRef idx="0">
+            <a:schemeClr val="accent1"/>
+          </a:fillRef>
+          <a:effectRef idx="0">
+            <a:schemeClr val="accent1"/>
+          </a:effectRef>
+          <a:fontRef idx="minor">
+            <a:schemeClr val="tx1"/>
+          </a:fontRef>
+        </p:style>
+      </p:cxnSp>
+      <p:sp>
+        <p:nvSpPr>
+          <p:cNvPr id="112" name="Oval 111">
+            <a:extLst>
+              <a:ext uri="{FF2B5EF4-FFF2-40B4-BE49-F238E27FC236}">
+                <a16:creationId xmlns:a16="http://schemas.microsoft.com/office/drawing/2014/main" id="{E5FE0AC6-E995-1B43-9265-793B453FD927}"/>
+              </a:ext>
+            </a:extLst>
+          </p:cNvPr>
+          <p:cNvSpPr/>
+          <p:nvPr/>
+        </p:nvSpPr>
+        <p:spPr>
+          <a:xfrm>
+            <a:off x="3598516" y="2505527"/>
+            <a:ext cx="1396475" cy="472124"/>
+          </a:xfrm>
+          <a:prstGeom prst="ellipse">
+            <a:avLst/>
+          </a:prstGeom>
+        </p:spPr>
+        <p:style>
+          <a:lnRef idx="2">
+            <a:schemeClr val="accent1">
+              <a:shade val="50000"/>
+            </a:schemeClr>
+          </a:lnRef>
+          <a:fillRef idx="1">
+            <a:schemeClr val="accent1"/>
+          </a:fillRef>
+          <a:effectRef idx="0">
+            <a:schemeClr val="accent1"/>
+          </a:effectRef>
+          <a:fontRef idx="minor">
+            <a:schemeClr val="lt1"/>
+          </a:fontRef>
+        </p:style>
+        <p:txBody>
+          <a:bodyPr rtlCol="0" anchor="ctr"/>
+          <a:lstStyle/>
+          <a:p>
+            <a:pPr algn="ctr"/>
+            <a:r>
+              <a:rPr lang="en-US" dirty="0"/>
+              <a:t>Gets job</a:t>
+            </a:r>
+          </a:p>
+        </p:txBody>
+      </p:sp>
+      <p:sp>
+        <p:nvSpPr>
+          <p:cNvPr id="113" name="Oval 112">
+            <a:extLst>
+              <a:ext uri="{FF2B5EF4-FFF2-40B4-BE49-F238E27FC236}">
+                <a16:creationId xmlns:a16="http://schemas.microsoft.com/office/drawing/2014/main" id="{95E84A8C-1839-0943-AE41-559A3024638F}"/>
+              </a:ext>
+            </a:extLst>
+          </p:cNvPr>
+          <p:cNvSpPr/>
+          <p:nvPr/>
+        </p:nvSpPr>
+        <p:spPr>
+          <a:xfrm>
+            <a:off x="5472131" y="2505527"/>
+            <a:ext cx="1293385" cy="472124"/>
+          </a:xfrm>
+          <a:prstGeom prst="ellipse">
+            <a:avLst/>
+          </a:prstGeom>
+          <a:solidFill>
+            <a:srgbClr val="FF0000"/>
+          </a:solidFill>
+        </p:spPr>
+        <p:style>
+          <a:lnRef idx="2">
+            <a:schemeClr val="accent1">
+              <a:shade val="50000"/>
+            </a:schemeClr>
+          </a:lnRef>
+          <a:fillRef idx="1">
+            <a:schemeClr val="accent1"/>
+          </a:fillRef>
+          <a:effectRef idx="0">
+            <a:schemeClr val="accent1"/>
+          </a:effectRef>
+          <a:fontRef idx="minor">
+            <a:schemeClr val="lt1"/>
+          </a:fontRef>
+        </p:style>
+        <p:txBody>
+          <a:bodyPr rtlCol="0" anchor="ctr"/>
+          <a:lstStyle/>
+          <a:p>
+            <a:pPr algn="ctr"/>
+            <a:r>
+              <a:rPr lang="en-US" dirty="0"/>
+              <a:t>Nah</a:t>
+            </a:r>
+          </a:p>
+        </p:txBody>
+      </p:sp>
+      <p:cxnSp>
+        <p:nvCxnSpPr>
+          <p:cNvPr id="115" name="Straight Arrow Connector 114">
+            <a:extLst>
+              <a:ext uri="{FF2B5EF4-FFF2-40B4-BE49-F238E27FC236}">
+                <a16:creationId xmlns:a16="http://schemas.microsoft.com/office/drawing/2014/main" id="{67BB084B-AA99-CC45-A299-8636714A9458}"/>
+              </a:ext>
+            </a:extLst>
+          </p:cNvPr>
+          <p:cNvCxnSpPr>
+            <a:cxnSpLocks/>
+            <a:stCxn id="100" idx="4"/>
+            <a:endCxn id="112" idx="0"/>
+          </p:cNvCxnSpPr>
+          <p:nvPr/>
+        </p:nvCxnSpPr>
+        <p:spPr>
+          <a:xfrm flipH="1">
+            <a:off x="4296754" y="2302825"/>
+            <a:ext cx="1022937" cy="202702"/>
+          </a:xfrm>
+          <a:prstGeom prst="straightConnector1">
+            <a:avLst/>
+          </a:prstGeom>
+          <a:ln w="19050">
+            <a:solidFill>
+              <a:srgbClr val="AC27AA"/>
+            </a:solidFill>
+            <a:tailEnd type="triangle"/>
+          </a:ln>
+        </p:spPr>
+        <p:style>
+          <a:lnRef idx="1">
+            <a:schemeClr val="accent1"/>
+          </a:lnRef>
+          <a:fillRef idx="0">
+            <a:schemeClr val="accent1"/>
+          </a:fillRef>
+          <a:effectRef idx="0">
+            <a:schemeClr val="accent1"/>
+          </a:effectRef>
+          <a:fontRef idx="minor">
+            <a:schemeClr val="tx1"/>
+          </a:fontRef>
+        </p:style>
+      </p:cxnSp>
+      <p:cxnSp>
+        <p:nvCxnSpPr>
+          <p:cNvPr id="117" name="Straight Arrow Connector 116">
+            <a:extLst>
+              <a:ext uri="{FF2B5EF4-FFF2-40B4-BE49-F238E27FC236}">
+                <a16:creationId xmlns:a16="http://schemas.microsoft.com/office/drawing/2014/main" id="{10F1934B-079E-D646-A97D-DCDA2C47D8CB}"/>
+              </a:ext>
+            </a:extLst>
+          </p:cNvPr>
+          <p:cNvCxnSpPr>
+            <a:cxnSpLocks/>
+            <a:stCxn id="100" idx="4"/>
+            <a:endCxn id="113" idx="0"/>
+          </p:cNvCxnSpPr>
+          <p:nvPr/>
+        </p:nvCxnSpPr>
+        <p:spPr>
+          <a:xfrm>
+            <a:off x="5319691" y="2302825"/>
+            <a:ext cx="799133" cy="202702"/>
+          </a:xfrm>
+          <a:prstGeom prst="straightConnector1">
+            <a:avLst/>
+          </a:prstGeom>
+          <a:ln w="19050">
+            <a:solidFill>
+              <a:srgbClr val="AC27AA"/>
+            </a:solidFill>
+            <a:tailEnd type="triangle"/>
+          </a:ln>
+        </p:spPr>
+        <p:style>
+          <a:lnRef idx="1">
+            <a:schemeClr val="accent1"/>
+          </a:lnRef>
+          <a:fillRef idx="0">
+            <a:schemeClr val="accent1"/>
+          </a:fillRef>
+          <a:effectRef idx="0">
+            <a:schemeClr val="accent1"/>
+          </a:effectRef>
+          <a:fontRef idx="minor">
+            <a:schemeClr val="tx1"/>
+          </a:fontRef>
+        </p:style>
+      </p:cxnSp>
+      <p:sp>
+        <p:nvSpPr>
+          <p:cNvPr id="121" name="Title 1">
+            <a:extLst>
+              <a:ext uri="{FF2B5EF4-FFF2-40B4-BE49-F238E27FC236}">
+                <a16:creationId xmlns:a16="http://schemas.microsoft.com/office/drawing/2014/main" id="{477721BE-F391-6D4F-BE2A-72493014E5B7}"/>
+              </a:ext>
+            </a:extLst>
+          </p:cNvPr>
+          <p:cNvSpPr txBox="1">
+            <a:spLocks/>
+          </p:cNvSpPr>
+          <p:nvPr/>
+        </p:nvSpPr>
+        <p:spPr>
+          <a:xfrm>
+            <a:off x="659857" y="3180353"/>
+            <a:ext cx="3003485" cy="896516"/>
+          </a:xfrm>
+          <a:prstGeom prst="rect">
+            <a:avLst/>
+          </a:prstGeom>
+        </p:spPr>
+        <p:txBody>
+          <a:bodyPr vert="horz" lIns="91440" tIns="45720" rIns="91440" bIns="45720" rtlCol="0" anchor="ctr">
+            <a:normAutofit fontScale="90000" lnSpcReduction="10000"/>
+          </a:bodyPr>
+          <a:lstStyle>
+            <a:lvl1pPr algn="l" defTabSz="914400" rtl="0" eaLnBrk="1" latinLnBrk="0" hangingPunct="1">
+              <a:lnSpc>
+                <a:spcPct val="90000"/>
+              </a:lnSpc>
+              <a:spcBef>
+                <a:spcPct val="0"/>
+              </a:spcBef>
+              <a:buNone/>
+              <a:defRPr sz="4400" kern="1200">
+                <a:solidFill>
+                  <a:schemeClr val="tx1"/>
+                </a:solidFill>
+                <a:latin typeface="+mj-lt"/>
+                <a:ea typeface="+mj-ea"/>
+                <a:cs typeface="+mj-cs"/>
+              </a:defRPr>
+            </a:lvl1pPr>
+          </a:lstStyle>
+          <a:p>
+            <a:r>
+              <a:rPr lang="en-US" dirty="0"/>
+              <a:t>Tutor UI Flow </a:t>
+            </a:r>
+            <a:r>
+              <a:rPr lang="en-US" sz="2700" dirty="0"/>
+              <a:t>(after job acceptance)</a:t>
+            </a:r>
+            <a:endParaRPr lang="en-US" dirty="0"/>
+          </a:p>
+        </p:txBody>
+      </p:sp>
+      <p:sp>
+        <p:nvSpPr>
+          <p:cNvPr id="110" name="TextBox 109">
+            <a:extLst>
+              <a:ext uri="{FF2B5EF4-FFF2-40B4-BE49-F238E27FC236}">
+                <a16:creationId xmlns:a16="http://schemas.microsoft.com/office/drawing/2014/main" id="{987AF109-7AD7-9C47-B573-F80DFE653A14}"/>
+              </a:ext>
+            </a:extLst>
+          </p:cNvPr>
+          <p:cNvSpPr txBox="1"/>
+          <p:nvPr/>
+        </p:nvSpPr>
+        <p:spPr>
+          <a:xfrm>
+            <a:off x="659857" y="4432300"/>
+            <a:ext cx="4812274" cy="1200329"/>
+          </a:xfrm>
+          <a:prstGeom prst="rect">
+            <a:avLst/>
+          </a:prstGeom>
+          <a:noFill/>
+        </p:spPr>
+        <p:txBody>
+          <a:bodyPr wrap="square" rtlCol="0">
+            <a:spAutoFit/>
+          </a:bodyPr>
+          <a:lstStyle/>
+          <a:p>
+            <a:r>
+              <a:rPr lang="en-US" dirty="0"/>
+              <a:t>React native tutorial for apps</a:t>
+            </a:r>
+          </a:p>
+          <a:p>
+            <a:r>
+              <a:rPr lang="en-US" dirty="0"/>
+              <a:t>React JS</a:t>
+            </a:r>
+          </a:p>
+          <a:p>
+            <a:r>
+              <a:rPr lang="en-US" dirty="0"/>
+              <a:t>Backend</a:t>
+            </a:r>
+          </a:p>
+          <a:p>
+            <a:r>
+              <a:rPr lang="en-US" dirty="0"/>
+              <a:t>Serverless-stack!!!!</a:t>
+            </a:r>
+          </a:p>
+        </p:txBody>
+      </p:sp>
+    </p:spTree>
+    <p:extLst>
+      <p:ext uri="{BB962C8B-B14F-4D97-AF65-F5344CB8AC3E}">
+        <p14:creationId xmlns:p14="http://schemas.microsoft.com/office/powerpoint/2010/main" val="1571190808"/>
+      </p:ext>
+    </p:extLst>
+  </p:cSld>
+  <p:clrMapOvr>
+    <a:masterClrMapping/>
+  </p:clrMapOvr>
+</p:sld>
+</file>
+
+<file path=ppt/slides/slide14.xml><?xml version="1.0" encoding="utf-8"?>
+<p:sld xmlns:a="http://schemas.openxmlformats.org/drawingml/2006/main" xmlns:r="http://schemas.openxmlformats.org/officeDocument/2006/relationships" xmlns:p="http://schemas.openxmlformats.org/presentationml/2006/main">
+  <p:cSld>
+    <p:spTree>
+      <p:nvGrpSpPr>
+        <p:cNvPr id="1" name=""/>
+        <p:cNvGrpSpPr/>
+        <p:nvPr/>
+      </p:nvGrpSpPr>
+      <p:grpSpPr>
+        <a:xfrm>
+          <a:off x="0" y="0"/>
+          <a:ext cx="0" cy="0"/>
+          <a:chOff x="0" y="0"/>
+          <a:chExt cx="0" cy="0"/>
+        </a:xfrm>
+      </p:grpSpPr>
+      <p:sp>
+        <p:nvSpPr>
+          <p:cNvPr id="7" name="Rectangle 6">
+            <a:extLst>
+              <a:ext uri="{FF2B5EF4-FFF2-40B4-BE49-F238E27FC236}">
+                <a16:creationId xmlns:a16="http://schemas.microsoft.com/office/drawing/2014/main" id="{58F7367A-4B89-4247-BF51-D4735E01F2AF}"/>
+              </a:ext>
+            </a:extLst>
+          </p:cNvPr>
+          <p:cNvSpPr/>
+          <p:nvPr/>
+        </p:nvSpPr>
+        <p:spPr>
+          <a:xfrm>
+            <a:off x="4979567" y="3662604"/>
+            <a:ext cx="3655146" cy="769441"/>
+          </a:xfrm>
+          <a:prstGeom prst="rect">
+            <a:avLst/>
+          </a:prstGeom>
+        </p:spPr>
+        <p:txBody>
+          <a:bodyPr wrap="square">
+            <a:spAutoFit/>
+          </a:bodyPr>
+          <a:lstStyle/>
+          <a:p>
+            <a:r>
+              <a:rPr lang="en-US" sz="4400" b="1" spc="-300" dirty="0">
+                <a:solidFill>
+                  <a:srgbClr val="FFD001"/>
+                </a:solidFill>
+                <a:latin typeface="Apple Braille" pitchFamily="2" charset="0"/>
+                <a:ea typeface="Menlo" panose="020B0609030804020204" pitchFamily="49" charset="0"/>
+                <a:cs typeface="Menlo" panose="020B0609030804020204" pitchFamily="49" charset="0"/>
+              </a:rPr>
+              <a:t>Home</a:t>
+            </a:r>
+            <a:endParaRPr lang="en-US" sz="4400" b="1" spc="-300" dirty="0">
+              <a:solidFill>
+                <a:srgbClr val="002C61"/>
+              </a:solidFill>
+              <a:latin typeface="Apple Braille" pitchFamily="2" charset="0"/>
+              <a:ea typeface="Menlo" panose="020B0609030804020204" pitchFamily="49" charset="0"/>
+              <a:cs typeface="Menlo" panose="020B0609030804020204" pitchFamily="49" charset="0"/>
+            </a:endParaRPr>
+          </a:p>
+        </p:txBody>
+      </p:sp>
+      <p:pic>
+        <p:nvPicPr>
+          <p:cNvPr id="10" name="Picture 9">
+            <a:extLst>
+              <a:ext uri="{FF2B5EF4-FFF2-40B4-BE49-F238E27FC236}">
+                <a16:creationId xmlns:a16="http://schemas.microsoft.com/office/drawing/2014/main" id="{D5276884-102B-5644-9B3D-AD720722F691}"/>
+              </a:ext>
+            </a:extLst>
+          </p:cNvPr>
+          <p:cNvPicPr>
+            <a:picLocks noChangeAspect="1"/>
+          </p:cNvPicPr>
+          <p:nvPr/>
+        </p:nvPicPr>
+        <p:blipFill>
+          <a:blip r:embed="rId2">
+            <a:extLst>
+              <a:ext uri="{BEBA8EAE-BF5A-486C-A8C5-ECC9F3942E4B}">
+                <a14:imgProps xmlns:a14="http://schemas.microsoft.com/office/drawing/2010/main">
+                  <a14:imgLayer r:embed="rId3">
+                    <a14:imgEffect>
+                      <a14:backgroundRemoval t="10000" b="90000" l="10000" r="90000">
+                        <a14:foregroundMark x1="88788" y1="53252" x2="88788" y2="53252"/>
+                      </a14:backgroundRemoval>
+                    </a14:imgEffect>
+                  </a14:imgLayer>
+                </a14:imgProps>
+              </a:ext>
+            </a:extLst>
+          </a:blip>
+          <a:stretch>
+            <a:fillRect/>
+          </a:stretch>
+        </p:blipFill>
+        <p:spPr>
+          <a:xfrm flipH="1">
+            <a:off x="4844720" y="3616305"/>
+            <a:ext cx="740064" cy="519577"/>
+          </a:xfrm>
+          <a:prstGeom prst="rect">
+            <a:avLst/>
+          </a:prstGeom>
+        </p:spPr>
+      </p:pic>
+      <p:sp>
+        <p:nvSpPr>
+          <p:cNvPr id="11" name="TextBox 10">
+            <a:extLst>
+              <a:ext uri="{FF2B5EF4-FFF2-40B4-BE49-F238E27FC236}">
+                <a16:creationId xmlns:a16="http://schemas.microsoft.com/office/drawing/2014/main" id="{8037DF9C-F251-E84A-9D6F-9EC060185CE8}"/>
+              </a:ext>
+            </a:extLst>
+          </p:cNvPr>
+          <p:cNvSpPr txBox="1"/>
+          <p:nvPr/>
+        </p:nvSpPr>
+        <p:spPr>
+          <a:xfrm>
+            <a:off x="325875" y="220230"/>
+            <a:ext cx="9188515" cy="3139321"/>
+          </a:xfrm>
+          <a:prstGeom prst="rect">
+            <a:avLst/>
+          </a:prstGeom>
+          <a:noFill/>
+        </p:spPr>
+        <p:txBody>
+          <a:bodyPr wrap="square" rtlCol="0">
+            <a:spAutoFit/>
+          </a:bodyPr>
+          <a:lstStyle/>
+          <a:p>
+            <a:pPr marL="285750" indent="-285750">
+              <a:buFont typeface="Arial" panose="020B0604020202020204" pitchFamily="34" charset="0"/>
+              <a:buChar char="•"/>
+            </a:pPr>
+            <a:r>
+              <a:rPr lang="en-US" dirty="0"/>
+              <a:t>Uber-like homework solutions sharing</a:t>
+            </a:r>
+          </a:p>
+          <a:p>
+            <a:pPr marL="285750" indent="-285750">
+              <a:buFont typeface="Arial" panose="020B0604020202020204" pitchFamily="34" charset="0"/>
+              <a:buChar char="•"/>
+            </a:pPr>
+            <a:r>
+              <a:rPr lang="en-US" dirty="0"/>
+              <a:t>Two apps, request homeworker – become a homeworker</a:t>
+            </a:r>
+          </a:p>
+          <a:p>
+            <a:pPr marL="285750" indent="-285750">
+              <a:buFont typeface="Arial" panose="020B0604020202020204" pitchFamily="34" charset="0"/>
+              <a:buChar char="•"/>
+            </a:pPr>
+            <a:r>
+              <a:rPr lang="en-US" dirty="0"/>
+              <a:t>The faster the most expensive</a:t>
+            </a:r>
+          </a:p>
+          <a:p>
+            <a:pPr marL="285750" indent="-285750">
+              <a:buFont typeface="Arial" panose="020B0604020202020204" pitchFamily="34" charset="0"/>
+              <a:buChar char="•"/>
+            </a:pPr>
+            <a:r>
+              <a:rPr lang="en-US" dirty="0"/>
+              <a:t>Price estimate and homeworker sets up the price (within a price range-get a price estimate function –say how many questions </a:t>
+            </a:r>
+            <a:r>
+              <a:rPr lang="en-US" dirty="0" err="1"/>
+              <a:t>etc</a:t>
+            </a:r>
+            <a:r>
+              <a:rPr lang="en-US" dirty="0"/>
+              <a:t>)</a:t>
+            </a:r>
+          </a:p>
+          <a:p>
+            <a:pPr marL="285750" indent="-285750">
+              <a:buFont typeface="Arial" panose="020B0604020202020204" pitchFamily="34" charset="0"/>
+              <a:buChar char="•"/>
+            </a:pPr>
+            <a:r>
+              <a:rPr lang="en-US" dirty="0"/>
+              <a:t>User submits the homework and homeworkers make offers (we get </a:t>
+            </a:r>
+            <a:r>
+              <a:rPr lang="en-US" dirty="0" err="1"/>
+              <a:t>comition</a:t>
+            </a:r>
+            <a:r>
+              <a:rPr lang="en-US" dirty="0"/>
+              <a:t>)</a:t>
+            </a:r>
+          </a:p>
+          <a:p>
+            <a:pPr marL="285750" indent="-285750">
+              <a:buFont typeface="Arial" panose="020B0604020202020204" pitchFamily="34" charset="0"/>
+              <a:buChar char="•"/>
+            </a:pPr>
+            <a:r>
+              <a:rPr lang="en-US" dirty="0"/>
+              <a:t>Homeworker either sends back the homework or set up meeting for explanations (more expensive)</a:t>
+            </a:r>
+          </a:p>
+          <a:p>
+            <a:pPr marL="285750" indent="-285750">
+              <a:buFont typeface="Arial" panose="020B0604020202020204" pitchFamily="34" charset="0"/>
+              <a:buChar char="•"/>
+            </a:pPr>
+            <a:r>
+              <a:rPr lang="en-US" dirty="0"/>
+              <a:t>Rating system</a:t>
+            </a:r>
+          </a:p>
+          <a:p>
+            <a:endParaRPr lang="en-US" dirty="0"/>
+          </a:p>
+          <a:p>
+            <a:pPr marL="285750" indent="-285750">
+              <a:buFont typeface="Arial" panose="020B0604020202020204" pitchFamily="34" charset="0"/>
+              <a:buChar char="•"/>
+            </a:pPr>
+            <a:endParaRPr lang="en-US" dirty="0"/>
+          </a:p>
+        </p:txBody>
+      </p:sp>
+      <p:sp>
+        <p:nvSpPr>
+          <p:cNvPr id="9" name="Rectangle 8">
+            <a:extLst>
+              <a:ext uri="{FF2B5EF4-FFF2-40B4-BE49-F238E27FC236}">
+                <a16:creationId xmlns:a16="http://schemas.microsoft.com/office/drawing/2014/main" id="{DED55F9D-6011-F44F-8C29-4AE0B31AC484}"/>
+              </a:ext>
+            </a:extLst>
+          </p:cNvPr>
+          <p:cNvSpPr/>
+          <p:nvPr/>
+        </p:nvSpPr>
+        <p:spPr>
+          <a:xfrm>
+            <a:off x="6341330" y="3663656"/>
+            <a:ext cx="3655146" cy="769441"/>
+          </a:xfrm>
+          <a:prstGeom prst="rect">
+            <a:avLst/>
+          </a:prstGeom>
+        </p:spPr>
+        <p:txBody>
+          <a:bodyPr wrap="square">
+            <a:spAutoFit/>
+          </a:bodyPr>
+          <a:lstStyle/>
+          <a:p>
+            <a:r>
+              <a:rPr lang="en-US" sz="4400" b="1" spc="-300" dirty="0">
+                <a:solidFill>
+                  <a:srgbClr val="002C61"/>
+                </a:solidFill>
+                <a:latin typeface="Apple Braille" pitchFamily="2" charset="0"/>
+                <a:ea typeface="Menlo" panose="020B0609030804020204" pitchFamily="49" charset="0"/>
+                <a:cs typeface="Menlo" panose="020B0609030804020204" pitchFamily="49" charset="0"/>
+              </a:rPr>
+              <a:t>work</a:t>
+            </a:r>
+          </a:p>
+        </p:txBody>
+      </p:sp>
+      <p:sp>
+        <p:nvSpPr>
+          <p:cNvPr id="12" name="Rectangle 11">
+            <a:extLst>
+              <a:ext uri="{FF2B5EF4-FFF2-40B4-BE49-F238E27FC236}">
+                <a16:creationId xmlns:a16="http://schemas.microsoft.com/office/drawing/2014/main" id="{38BDFA22-4C07-DE42-AF1C-0A4E7179EF30}"/>
+              </a:ext>
+            </a:extLst>
+          </p:cNvPr>
+          <p:cNvSpPr/>
+          <p:nvPr/>
+        </p:nvSpPr>
+        <p:spPr>
+          <a:xfrm>
+            <a:off x="7630420" y="3724158"/>
+            <a:ext cx="1240418" cy="646331"/>
+          </a:xfrm>
+          <a:prstGeom prst="rect">
+            <a:avLst/>
+          </a:prstGeom>
+        </p:spPr>
+        <p:txBody>
+          <a:bodyPr wrap="square">
+            <a:spAutoFit/>
+          </a:bodyPr>
+          <a:lstStyle/>
+          <a:p>
+            <a:r>
+              <a:rPr lang="en-US" sz="3600" b="1" spc="-300" dirty="0">
+                <a:solidFill>
+                  <a:schemeClr val="accent2">
+                    <a:lumMod val="50000"/>
+                  </a:schemeClr>
+                </a:solidFill>
+                <a:latin typeface="Apple Braille" pitchFamily="2" charset="0"/>
+                <a:ea typeface="Menlo" panose="020B0609030804020204" pitchFamily="49" charset="0"/>
+                <a:cs typeface="Menlo" panose="020B0609030804020204" pitchFamily="49" charset="0"/>
+              </a:rPr>
+              <a:t>Net</a:t>
+            </a:r>
+          </a:p>
+        </p:txBody>
+      </p:sp>
+      <p:sp>
+        <p:nvSpPr>
+          <p:cNvPr id="15" name="Rectangle 14">
+            <a:extLst>
+              <a:ext uri="{FF2B5EF4-FFF2-40B4-BE49-F238E27FC236}">
+                <a16:creationId xmlns:a16="http://schemas.microsoft.com/office/drawing/2014/main" id="{32FDA140-9552-064E-BDFC-1B33FAC1E36E}"/>
+              </a:ext>
+            </a:extLst>
+          </p:cNvPr>
+          <p:cNvSpPr/>
+          <p:nvPr/>
+        </p:nvSpPr>
+        <p:spPr>
+          <a:xfrm>
+            <a:off x="622364" y="5596596"/>
+            <a:ext cx="3655146" cy="769441"/>
+          </a:xfrm>
+          <a:prstGeom prst="rect">
+            <a:avLst/>
+          </a:prstGeom>
+        </p:spPr>
+        <p:txBody>
+          <a:bodyPr wrap="square">
+            <a:spAutoFit/>
+          </a:bodyPr>
+          <a:lstStyle/>
+          <a:p>
+            <a:r>
+              <a:rPr lang="en-US" sz="4400" b="1" spc="-300" dirty="0">
+                <a:solidFill>
+                  <a:srgbClr val="FFD001"/>
+                </a:solidFill>
+                <a:latin typeface="Apple Braille" pitchFamily="2" charset="0"/>
+                <a:ea typeface="Menlo" panose="020B0609030804020204" pitchFamily="49" charset="0"/>
+                <a:cs typeface="Menlo" panose="020B0609030804020204" pitchFamily="49" charset="0"/>
+              </a:rPr>
+              <a:t>Home</a:t>
+            </a:r>
+            <a:endParaRPr lang="en-US" sz="4400" b="1" spc="-300" dirty="0">
+              <a:solidFill>
+                <a:srgbClr val="002C61"/>
+              </a:solidFill>
+              <a:latin typeface="Apple Braille" pitchFamily="2" charset="0"/>
+              <a:ea typeface="Menlo" panose="020B0609030804020204" pitchFamily="49" charset="0"/>
+              <a:cs typeface="Menlo" panose="020B0609030804020204" pitchFamily="49" charset="0"/>
+            </a:endParaRPr>
+          </a:p>
+        </p:txBody>
+      </p:sp>
+      <p:pic>
+        <p:nvPicPr>
+          <p:cNvPr id="16" name="Picture 15">
+            <a:extLst>
+              <a:ext uri="{FF2B5EF4-FFF2-40B4-BE49-F238E27FC236}">
+                <a16:creationId xmlns:a16="http://schemas.microsoft.com/office/drawing/2014/main" id="{927BFA1B-357A-0347-92E9-E8391B20D81B}"/>
+              </a:ext>
+            </a:extLst>
+          </p:cNvPr>
+          <p:cNvPicPr>
+            <a:picLocks noChangeAspect="1"/>
+          </p:cNvPicPr>
+          <p:nvPr/>
+        </p:nvPicPr>
+        <p:blipFill>
+          <a:blip r:embed="rId2">
+            <a:extLst>
+              <a:ext uri="{BEBA8EAE-BF5A-486C-A8C5-ECC9F3942E4B}">
+                <a14:imgProps xmlns:a14="http://schemas.microsoft.com/office/drawing/2010/main">
+                  <a14:imgLayer r:embed="rId3">
+                    <a14:imgEffect>
+                      <a14:backgroundRemoval t="10000" b="90000" l="10000" r="90000">
+                        <a14:foregroundMark x1="88788" y1="53252" x2="88788" y2="53252"/>
+                      </a14:backgroundRemoval>
+                    </a14:imgEffect>
+                  </a14:imgLayer>
+                </a14:imgProps>
+              </a:ext>
+            </a:extLst>
+          </a:blip>
+          <a:stretch>
+            <a:fillRect/>
+          </a:stretch>
+        </p:blipFill>
+        <p:spPr>
+          <a:xfrm flipH="1">
+            <a:off x="487517" y="5550297"/>
+            <a:ext cx="740064" cy="519577"/>
+          </a:xfrm>
+          <a:prstGeom prst="rect">
+            <a:avLst/>
+          </a:prstGeom>
+        </p:spPr>
+      </p:pic>
+      <p:sp>
+        <p:nvSpPr>
+          <p:cNvPr id="17" name="Rectangle 16">
+            <a:extLst>
+              <a:ext uri="{FF2B5EF4-FFF2-40B4-BE49-F238E27FC236}">
+                <a16:creationId xmlns:a16="http://schemas.microsoft.com/office/drawing/2014/main" id="{C372A408-572E-1D49-ACB2-49E243634C3F}"/>
+              </a:ext>
+            </a:extLst>
+          </p:cNvPr>
+          <p:cNvSpPr/>
+          <p:nvPr/>
+        </p:nvSpPr>
+        <p:spPr>
+          <a:xfrm>
+            <a:off x="757211" y="5868329"/>
+            <a:ext cx="3655146" cy="769441"/>
+          </a:xfrm>
+          <a:prstGeom prst="rect">
+            <a:avLst/>
+          </a:prstGeom>
+        </p:spPr>
+        <p:txBody>
+          <a:bodyPr wrap="square">
+            <a:spAutoFit/>
+          </a:bodyPr>
+          <a:lstStyle/>
+          <a:p>
+            <a:r>
+              <a:rPr lang="en-US" sz="4400" b="1" spc="-300" dirty="0">
+                <a:solidFill>
+                  <a:srgbClr val="002C61"/>
+                </a:solidFill>
+                <a:latin typeface="Apple Braille" pitchFamily="2" charset="0"/>
+                <a:ea typeface="Menlo" panose="020B0609030804020204" pitchFamily="49" charset="0"/>
+                <a:cs typeface="Menlo" panose="020B0609030804020204" pitchFamily="49" charset="0"/>
+              </a:rPr>
+              <a:t>work</a:t>
+            </a:r>
+          </a:p>
+        </p:txBody>
+      </p:sp>
+      <p:sp>
+        <p:nvSpPr>
+          <p:cNvPr id="18" name="Rectangle 17">
+            <a:extLst>
+              <a:ext uri="{FF2B5EF4-FFF2-40B4-BE49-F238E27FC236}">
+                <a16:creationId xmlns:a16="http://schemas.microsoft.com/office/drawing/2014/main" id="{E03EEBA8-B528-F342-A61D-F40B31025465}"/>
+              </a:ext>
+            </a:extLst>
+          </p:cNvPr>
+          <p:cNvSpPr/>
+          <p:nvPr/>
+        </p:nvSpPr>
+        <p:spPr>
+          <a:xfrm>
+            <a:off x="1925923" y="5596596"/>
+            <a:ext cx="706863" cy="1107996"/>
+          </a:xfrm>
+          <a:prstGeom prst="rect">
+            <a:avLst/>
+          </a:prstGeom>
+        </p:spPr>
+        <p:txBody>
+          <a:bodyPr wrap="square">
+            <a:spAutoFit/>
+          </a:bodyPr>
+          <a:lstStyle/>
+          <a:p>
+            <a:r>
+              <a:rPr lang="en-US" sz="6600" b="1" spc="-300" dirty="0">
+                <a:solidFill>
+                  <a:schemeClr val="accent2">
+                    <a:lumMod val="50000"/>
+                  </a:schemeClr>
+                </a:solidFill>
+                <a:latin typeface="Apple Braille" pitchFamily="2" charset="0"/>
+                <a:ea typeface="Menlo" panose="020B0609030804020204" pitchFamily="49" charset="0"/>
+                <a:cs typeface="Menlo" panose="020B0609030804020204" pitchFamily="49" charset="0"/>
+              </a:rPr>
+              <a:t>N</a:t>
+            </a:r>
+          </a:p>
+        </p:txBody>
+      </p:sp>
+      <p:sp>
+        <p:nvSpPr>
+          <p:cNvPr id="19" name="Rectangle 18">
+            <a:extLst>
+              <a:ext uri="{FF2B5EF4-FFF2-40B4-BE49-F238E27FC236}">
+                <a16:creationId xmlns:a16="http://schemas.microsoft.com/office/drawing/2014/main" id="{0A2A11A0-0033-9A47-B63B-68817EF91DBA}"/>
+              </a:ext>
+            </a:extLst>
+          </p:cNvPr>
+          <p:cNvSpPr/>
+          <p:nvPr/>
+        </p:nvSpPr>
+        <p:spPr>
+          <a:xfrm>
+            <a:off x="2396293" y="5596596"/>
+            <a:ext cx="3655146" cy="1107996"/>
+          </a:xfrm>
+          <a:prstGeom prst="rect">
+            <a:avLst/>
+          </a:prstGeom>
+        </p:spPr>
+        <p:txBody>
+          <a:bodyPr wrap="square">
+            <a:spAutoFit/>
+          </a:bodyPr>
+          <a:lstStyle/>
+          <a:p>
+            <a:r>
+              <a:rPr lang="en-US" sz="6600" b="1" spc="-300" dirty="0">
+                <a:solidFill>
+                  <a:schemeClr val="accent2">
+                    <a:lumMod val="50000"/>
+                  </a:schemeClr>
+                </a:solidFill>
+                <a:latin typeface="Apple Braille" pitchFamily="2" charset="0"/>
+                <a:ea typeface="Menlo" panose="020B0609030804020204" pitchFamily="49" charset="0"/>
+                <a:cs typeface="Menlo" panose="020B0609030804020204" pitchFamily="49" charset="0"/>
+              </a:rPr>
+              <a:t>e</a:t>
+            </a:r>
+          </a:p>
+        </p:txBody>
+      </p:sp>
+      <p:sp>
+        <p:nvSpPr>
+          <p:cNvPr id="20" name="Rectangle 19">
+            <a:extLst>
+              <a:ext uri="{FF2B5EF4-FFF2-40B4-BE49-F238E27FC236}">
+                <a16:creationId xmlns:a16="http://schemas.microsoft.com/office/drawing/2014/main" id="{052510F7-C3A9-6440-9E37-1C76652310D8}"/>
+              </a:ext>
+            </a:extLst>
+          </p:cNvPr>
+          <p:cNvSpPr/>
+          <p:nvPr/>
+        </p:nvSpPr>
+        <p:spPr>
+          <a:xfrm>
+            <a:off x="2780213" y="5596596"/>
+            <a:ext cx="500768" cy="1107996"/>
+          </a:xfrm>
+          <a:prstGeom prst="rect">
+            <a:avLst/>
+          </a:prstGeom>
+        </p:spPr>
+        <p:txBody>
+          <a:bodyPr wrap="square">
+            <a:spAutoFit/>
+          </a:bodyPr>
+          <a:lstStyle/>
+          <a:p>
+            <a:r>
+              <a:rPr lang="en-US" sz="6600" b="1" spc="-300" dirty="0">
+                <a:solidFill>
+                  <a:schemeClr val="accent2">
+                    <a:lumMod val="50000"/>
+                  </a:schemeClr>
+                </a:solidFill>
+                <a:latin typeface="Apple Braille" pitchFamily="2" charset="0"/>
+                <a:ea typeface="Menlo" panose="020B0609030804020204" pitchFamily="49" charset="0"/>
+                <a:cs typeface="Menlo" panose="020B0609030804020204" pitchFamily="49" charset="0"/>
+              </a:rPr>
+              <a:t>t</a:t>
+            </a:r>
+          </a:p>
+        </p:txBody>
+      </p:sp>
+      <p:sp>
+        <p:nvSpPr>
+          <p:cNvPr id="3" name="TextBox 2">
+            <a:extLst>
+              <a:ext uri="{FF2B5EF4-FFF2-40B4-BE49-F238E27FC236}">
+                <a16:creationId xmlns:a16="http://schemas.microsoft.com/office/drawing/2014/main" id="{D41AE857-0B85-B448-BB25-B7985C2B6109}"/>
+              </a:ext>
+            </a:extLst>
+          </p:cNvPr>
+          <p:cNvSpPr txBox="1"/>
+          <p:nvPr/>
+        </p:nvSpPr>
+        <p:spPr>
+          <a:xfrm>
+            <a:off x="2342432" y="3383048"/>
+            <a:ext cx="875561" cy="707886"/>
+          </a:xfrm>
+          <a:prstGeom prst="rect">
+            <a:avLst/>
+          </a:prstGeom>
+          <a:noFill/>
+        </p:spPr>
+        <p:txBody>
+          <a:bodyPr wrap="none" rtlCol="0">
+            <a:spAutoFit/>
+          </a:bodyPr>
+          <a:lstStyle/>
+          <a:p>
+            <a:r>
+              <a:rPr lang="en-US" sz="4000" b="1" spc="-150" dirty="0">
+                <a:solidFill>
+                  <a:srgbClr val="4BD47A"/>
+                </a:solidFill>
+                <a:latin typeface="Aharoni" panose="020F0502020204030204" pitchFamily="34" charset="0"/>
+                <a:ea typeface="Menlo" panose="020B0609030804020204" pitchFamily="49" charset="0"/>
+                <a:cs typeface="Aharoni" panose="020F0502020204030204" pitchFamily="34" charset="0"/>
+              </a:rPr>
+              <a:t>Lysi</a:t>
+            </a:r>
+          </a:p>
+        </p:txBody>
+      </p:sp>
+      <p:pic>
+        <p:nvPicPr>
+          <p:cNvPr id="23" name="Picture 22">
+            <a:extLst>
+              <a:ext uri="{FF2B5EF4-FFF2-40B4-BE49-F238E27FC236}">
+                <a16:creationId xmlns:a16="http://schemas.microsoft.com/office/drawing/2014/main" id="{3C74DF01-8EB3-0146-831C-643B11FEF4C5}"/>
+              </a:ext>
+            </a:extLst>
+          </p:cNvPr>
+          <p:cNvPicPr>
+            <a:picLocks noChangeAspect="1"/>
+          </p:cNvPicPr>
+          <p:nvPr/>
+        </p:nvPicPr>
+        <p:blipFill>
+          <a:blip r:embed="rId4"/>
+          <a:stretch>
+            <a:fillRect/>
+          </a:stretch>
+        </p:blipFill>
+        <p:spPr>
+          <a:xfrm>
+            <a:off x="1972855" y="3474953"/>
+            <a:ext cx="448866" cy="448866"/>
+          </a:xfrm>
+          <a:prstGeom prst="rect">
+            <a:avLst/>
+          </a:prstGeom>
+        </p:spPr>
+      </p:pic>
+    </p:spTree>
+    <p:extLst>
+      <p:ext uri="{BB962C8B-B14F-4D97-AF65-F5344CB8AC3E}">
+        <p14:creationId xmlns:p14="http://schemas.microsoft.com/office/powerpoint/2010/main" val="2413712598"/>
+      </p:ext>
+    </p:extLst>
+  </p:cSld>
+  <p:clrMapOvr>
+    <a:masterClrMapping/>
+  </p:clrMapOvr>
+</p:sld>
+</file>
+
+<file path=ppt/slides/slide15.xml><?xml version="1.0" encoding="utf-8"?>
+<p:sld xmlns:a="http://schemas.openxmlformats.org/drawingml/2006/main" xmlns:r="http://schemas.openxmlformats.org/officeDocument/2006/relationships" xmlns:p="http://schemas.openxmlformats.org/presentationml/2006/main">
+  <p:cSld>
+    <p:spTree>
+      <p:nvGrpSpPr>
+        <p:cNvPr id="1" name=""/>
+        <p:cNvGrpSpPr/>
+        <p:nvPr/>
+      </p:nvGrpSpPr>
+      <p:grpSpPr>
+        <a:xfrm>
+          <a:off x="0" y="0"/>
+          <a:ext cx="0" cy="0"/>
+          <a:chOff x="0" y="0"/>
+          <a:chExt cx="0" cy="0"/>
+        </a:xfrm>
+      </p:grpSpPr>
+      <p:sp>
+        <p:nvSpPr>
+          <p:cNvPr id="2" name="Title 1">
+            <a:extLst>
+              <a:ext uri="{FF2B5EF4-FFF2-40B4-BE49-F238E27FC236}">
+                <a16:creationId xmlns:a16="http://schemas.microsoft.com/office/drawing/2014/main" id="{117926D7-F0CF-CA4E-BA34-A202D33BF58D}"/>
+              </a:ext>
+            </a:extLst>
+          </p:cNvPr>
+          <p:cNvSpPr>
+            <a:spLocks noGrp="1"/>
+          </p:cNvSpPr>
+          <p:nvPr>
+            <p:ph type="title"/>
+          </p:nvPr>
+        </p:nvSpPr>
+        <p:spPr/>
+        <p:txBody>
+          <a:bodyPr/>
+          <a:lstStyle/>
+          <a:p>
+            <a:r>
+              <a:rPr lang="en-US" dirty="0"/>
+              <a:t>Useful Videos to start with</a:t>
+            </a:r>
+          </a:p>
+        </p:txBody>
+      </p:sp>
+      <p:sp>
+        <p:nvSpPr>
+          <p:cNvPr id="3" name="Content Placeholder 2">
+            <a:extLst>
+              <a:ext uri="{FF2B5EF4-FFF2-40B4-BE49-F238E27FC236}">
+                <a16:creationId xmlns:a16="http://schemas.microsoft.com/office/drawing/2014/main" id="{941DF296-D995-8E41-BB38-21F0F78674C5}"/>
+              </a:ext>
+            </a:extLst>
+          </p:cNvPr>
+          <p:cNvSpPr>
+            <a:spLocks noGrp="1"/>
+          </p:cNvSpPr>
+          <p:nvPr>
+            <p:ph idx="1"/>
+          </p:nvPr>
+        </p:nvSpPr>
+        <p:spPr/>
+        <p:txBody>
+          <a:bodyPr/>
+          <a:lstStyle/>
+          <a:p>
+            <a:pPr marL="0" indent="0">
+              <a:buNone/>
+            </a:pPr>
+            <a:r>
+              <a:rPr lang="en-US" dirty="0">
+                <a:hlinkClick r:id="rId2"/>
+              </a:rPr>
+              <a:t>https://www.youtube.com/watch?v=RBZL6PO2ytc</a:t>
+            </a:r>
+            <a:r>
+              <a:rPr lang="en-US" dirty="0"/>
+              <a:t>&amp;t=1305s (for how to run on physical phone)</a:t>
+            </a:r>
+          </a:p>
+          <a:p>
+            <a:pPr marL="0" indent="0">
+              <a:buNone/>
+            </a:pPr>
+            <a:r>
+              <a:rPr lang="en-US" dirty="0"/>
+              <a:t>Visual studio code </a:t>
+            </a:r>
+            <a:r>
+              <a:rPr lang="en-US" dirty="0">
+                <a:hlinkClick r:id="rId3"/>
+              </a:rPr>
+              <a:t>https://code.visualstudio.com/docs/?dv=osx</a:t>
+            </a:r>
+            <a:endParaRPr lang="en-US" dirty="0"/>
+          </a:p>
+          <a:p>
+            <a:pPr marL="0" indent="0">
+              <a:buNone/>
+            </a:pPr>
+            <a:endParaRPr lang="en-US" dirty="0"/>
+          </a:p>
+        </p:txBody>
+      </p:sp>
+    </p:spTree>
+    <p:extLst>
+      <p:ext uri="{BB962C8B-B14F-4D97-AF65-F5344CB8AC3E}">
+        <p14:creationId xmlns:p14="http://schemas.microsoft.com/office/powerpoint/2010/main" val="4238336582"/>
+      </p:ext>
+    </p:extLst>
+  </p:cSld>
+  <p:clrMapOvr>
+    <a:masterClrMapping/>
+  </p:clrMapOvr>
+</p:sld>
+</file>
+
+<file path=ppt/slides/slide16.xml><?xml version="1.0" encoding="utf-8"?>
+<p:sld xmlns:a="http://schemas.openxmlformats.org/drawingml/2006/main" xmlns:r="http://schemas.openxmlformats.org/officeDocument/2006/relationships" xmlns:p="http://schemas.openxmlformats.org/presentationml/2006/main">
+  <p:cSld>
+    <p:spTree>
+      <p:nvGrpSpPr>
+        <p:cNvPr id="1" name=""/>
+        <p:cNvGrpSpPr/>
+        <p:nvPr/>
+      </p:nvGrpSpPr>
+      <p:grpSpPr>
+        <a:xfrm>
+          <a:off x="0" y="0"/>
+          <a:ext cx="0" cy="0"/>
+          <a:chOff x="0" y="0"/>
+          <a:chExt cx="0" cy="0"/>
+        </a:xfrm>
+      </p:grpSpPr>
+      <p:sp>
+        <p:nvSpPr>
+          <p:cNvPr id="2" name="Title 1">
+            <a:extLst>
+              <a:ext uri="{FF2B5EF4-FFF2-40B4-BE49-F238E27FC236}">
+                <a16:creationId xmlns:a16="http://schemas.microsoft.com/office/drawing/2014/main" id="{195D4124-9BD9-5D43-AC53-D49019088A21}"/>
+              </a:ext>
+            </a:extLst>
+          </p:cNvPr>
+          <p:cNvSpPr>
+            <a:spLocks noGrp="1"/>
+          </p:cNvSpPr>
+          <p:nvPr>
+            <p:ph type="title"/>
+          </p:nvPr>
+        </p:nvSpPr>
+        <p:spPr>
+          <a:xfrm>
+            <a:off x="139700" y="149225"/>
+            <a:ext cx="10515600" cy="638175"/>
+          </a:xfrm>
+        </p:spPr>
+        <p:txBody>
+          <a:bodyPr>
+            <a:normAutofit/>
+          </a:bodyPr>
+          <a:lstStyle/>
+          <a:p>
+            <a:r>
+              <a:rPr lang="en-US" sz="3200" dirty="0"/>
+              <a:t>Steps for creating the app:</a:t>
+            </a:r>
+          </a:p>
+        </p:txBody>
+      </p:sp>
+      <p:sp>
+        <p:nvSpPr>
+          <p:cNvPr id="3" name="Content Placeholder 2">
+            <a:extLst>
+              <a:ext uri="{FF2B5EF4-FFF2-40B4-BE49-F238E27FC236}">
+                <a16:creationId xmlns:a16="http://schemas.microsoft.com/office/drawing/2014/main" id="{9EE64CE9-B38C-7B4B-BB11-5E36696469DE}"/>
+              </a:ext>
+            </a:extLst>
+          </p:cNvPr>
+          <p:cNvSpPr>
+            <a:spLocks noGrp="1"/>
+          </p:cNvSpPr>
+          <p:nvPr>
+            <p:ph idx="1"/>
+          </p:nvPr>
+        </p:nvSpPr>
+        <p:spPr>
+          <a:xfrm>
+            <a:off x="139700" y="885825"/>
+            <a:ext cx="11861800" cy="5822950"/>
+          </a:xfrm>
+        </p:spPr>
+        <p:txBody>
+          <a:bodyPr>
+            <a:normAutofit/>
+          </a:bodyPr>
+          <a:lstStyle/>
+          <a:p>
+            <a:r>
+              <a:rPr lang="en-US" sz="1600" dirty="0"/>
+              <a:t>Install watchman and node with homebrew (install homebrew)</a:t>
+            </a:r>
+          </a:p>
+          <a:p>
+            <a:r>
+              <a:rPr lang="en-US" sz="1600" dirty="0"/>
+              <a:t>Create react native initial app on the desktop by </a:t>
+            </a:r>
+            <a:r>
+              <a:rPr lang="en-US" sz="1600" dirty="0" err="1">
+                <a:solidFill>
+                  <a:srgbClr val="0070C0"/>
+                </a:solidFill>
+              </a:rPr>
+              <a:t>Spyros-MacBook-Pro:Desktop</a:t>
+            </a:r>
+            <a:r>
+              <a:rPr lang="en-US" sz="1600" dirty="0">
+                <a:solidFill>
+                  <a:srgbClr val="0070C0"/>
+                </a:solidFill>
+              </a:rPr>
+              <a:t> </a:t>
+            </a:r>
+            <a:r>
+              <a:rPr lang="en-US" sz="1600" dirty="0" err="1">
+                <a:solidFill>
+                  <a:srgbClr val="0070C0"/>
+                </a:solidFill>
+              </a:rPr>
+              <a:t>spyroskasapis</a:t>
+            </a:r>
+            <a:r>
+              <a:rPr lang="en-US" sz="1600" dirty="0">
+                <a:solidFill>
+                  <a:srgbClr val="0070C0"/>
+                </a:solidFill>
+              </a:rPr>
+              <a:t>$ react-native </a:t>
+            </a:r>
+            <a:r>
+              <a:rPr lang="en-US" sz="1600" dirty="0" err="1">
+                <a:solidFill>
+                  <a:srgbClr val="0070C0"/>
+                </a:solidFill>
+              </a:rPr>
+              <a:t>init</a:t>
+            </a:r>
+            <a:r>
+              <a:rPr lang="en-US" sz="1600" dirty="0">
+                <a:solidFill>
+                  <a:srgbClr val="0070C0"/>
+                </a:solidFill>
+              </a:rPr>
+              <a:t> </a:t>
+            </a:r>
+            <a:r>
+              <a:rPr lang="en-US" sz="1600" dirty="0" err="1">
+                <a:solidFill>
+                  <a:srgbClr val="0070C0"/>
+                </a:solidFill>
+              </a:rPr>
+              <a:t>HomeworksApp</a:t>
+            </a:r>
+            <a:endParaRPr lang="en-US" sz="1600" dirty="0">
+              <a:solidFill>
+                <a:srgbClr val="0070C0"/>
+              </a:solidFill>
+            </a:endParaRPr>
+          </a:p>
+          <a:p>
+            <a:r>
+              <a:rPr lang="en-US" sz="1600" dirty="0"/>
+              <a:t>On Visual studio code open the folder </a:t>
+            </a:r>
+            <a:r>
+              <a:rPr lang="en-US" sz="1600" dirty="0" err="1"/>
+              <a:t>Homeworks</a:t>
+            </a:r>
+            <a:r>
+              <a:rPr lang="en-US" sz="1600" dirty="0"/>
+              <a:t> App</a:t>
+            </a:r>
+          </a:p>
+          <a:p>
+            <a:endParaRPr lang="en-US" sz="1600" dirty="0"/>
+          </a:p>
+        </p:txBody>
+      </p:sp>
+    </p:spTree>
+    <p:extLst>
+      <p:ext uri="{BB962C8B-B14F-4D97-AF65-F5344CB8AC3E}">
+        <p14:creationId xmlns:p14="http://schemas.microsoft.com/office/powerpoint/2010/main" val="374402445"/>
+      </p:ext>
+    </p:extLst>
+  </p:cSld>
+  <p:clrMapOvr>
+    <a:masterClrMapping/>
+  </p:clrMapOvr>
+</p:sld>
+</file>
+
+<file path=ppt/slides/slide17.xml><?xml version="1.0" encoding="utf-8"?>
+<p:sld xmlns:a="http://schemas.openxmlformats.org/drawingml/2006/main" xmlns:r="http://schemas.openxmlformats.org/officeDocument/2006/relationships" xmlns:p="http://schemas.openxmlformats.org/presentationml/2006/main">
+  <p:cSld>
+    <p:spTree>
+      <p:nvGrpSpPr>
+        <p:cNvPr id="1" name=""/>
+        <p:cNvGrpSpPr/>
+        <p:nvPr/>
+      </p:nvGrpSpPr>
+      <p:grpSpPr>
+        <a:xfrm>
+          <a:off x="0" y="0"/>
+          <a:ext cx="0" cy="0"/>
+          <a:chOff x="0" y="0"/>
+          <a:chExt cx="0" cy="0"/>
+        </a:xfrm>
+      </p:grpSpPr>
+      <p:sp>
+        <p:nvSpPr>
+          <p:cNvPr id="2" name="Title 1">
+            <a:extLst>
+              <a:ext uri="{FF2B5EF4-FFF2-40B4-BE49-F238E27FC236}">
+                <a16:creationId xmlns:a16="http://schemas.microsoft.com/office/drawing/2014/main" id="{E62BEA03-3F4A-3E42-B5EE-1ADB7C2F0AC1}"/>
+              </a:ext>
+            </a:extLst>
+          </p:cNvPr>
+          <p:cNvSpPr>
+            <a:spLocks noGrp="1"/>
+          </p:cNvSpPr>
+          <p:nvPr>
+            <p:ph type="title"/>
+          </p:nvPr>
+        </p:nvSpPr>
+        <p:spPr/>
+        <p:txBody>
+          <a:bodyPr/>
+          <a:lstStyle/>
+          <a:p>
+            <a:r>
+              <a:rPr lang="en-US" dirty="0"/>
+              <a:t>Smokes:</a:t>
+            </a:r>
+          </a:p>
+        </p:txBody>
+      </p:sp>
+      <p:sp>
+        <p:nvSpPr>
+          <p:cNvPr id="3" name="Content Placeholder 2">
+            <a:extLst>
+              <a:ext uri="{FF2B5EF4-FFF2-40B4-BE49-F238E27FC236}">
+                <a16:creationId xmlns:a16="http://schemas.microsoft.com/office/drawing/2014/main" id="{615C816E-599C-FA4A-AB3E-F06ECFBE3BC7}"/>
+              </a:ext>
+            </a:extLst>
+          </p:cNvPr>
+          <p:cNvSpPr>
+            <a:spLocks noGrp="1"/>
+          </p:cNvSpPr>
+          <p:nvPr>
+            <p:ph idx="1"/>
+          </p:nvPr>
+        </p:nvSpPr>
+        <p:spPr/>
+        <p:txBody>
+          <a:bodyPr>
+            <a:normAutofit lnSpcReduction="10000"/>
+          </a:bodyPr>
+          <a:lstStyle/>
+          <a:p>
+            <a:r>
+              <a:rPr lang="en-US" dirty="0"/>
+              <a:t>“Who are we” section</a:t>
+            </a:r>
+          </a:p>
+          <a:p>
+            <a:r>
+              <a:rPr lang="en-US" dirty="0"/>
+              <a:t>Talk to Mark about Philip</a:t>
+            </a:r>
+          </a:p>
+          <a:p>
+            <a:r>
+              <a:rPr lang="en-US" dirty="0"/>
+              <a:t>1) Happy Hour: 2-5pm, Monday-Wednesday, -10%</a:t>
+            </a:r>
+          </a:p>
+          <a:p>
+            <a:pPr lvl="1"/>
+            <a:r>
+              <a:rPr lang="en-US" dirty="0">
+                <a:hlinkClick r:id="rId2"/>
+              </a:rPr>
+              <a:t>https://wordpress.org/support/topic/need-happy-hour-plugin/</a:t>
+            </a:r>
+            <a:endParaRPr lang="en-US" dirty="0"/>
+          </a:p>
+          <a:p>
+            <a:pPr lvl="1"/>
+            <a:r>
+              <a:rPr lang="en-US" dirty="0">
+                <a:solidFill>
+                  <a:srgbClr val="FFC000"/>
+                </a:solidFill>
+              </a:rPr>
+              <a:t>Need to update every week or pay</a:t>
+            </a:r>
+          </a:p>
+          <a:p>
+            <a:r>
+              <a:rPr lang="en-US" dirty="0"/>
+              <a:t>Website: The two plugins mark was talking about</a:t>
+            </a:r>
+          </a:p>
+          <a:p>
+            <a:pPr lvl="1"/>
+            <a:r>
+              <a:rPr lang="en-US" dirty="0"/>
+              <a:t>2) Map/Range </a:t>
+            </a:r>
+            <a:r>
+              <a:rPr lang="en-US" sz="1800" dirty="0">
+                <a:solidFill>
+                  <a:srgbClr val="FF0000"/>
+                </a:solidFill>
+              </a:rPr>
+              <a:t>(need more info from Marc – how user gets stuff and pays for it)</a:t>
+            </a:r>
+            <a:endParaRPr lang="en-US" dirty="0">
+              <a:solidFill>
+                <a:srgbClr val="FF0000"/>
+              </a:solidFill>
+            </a:endParaRPr>
+          </a:p>
+          <a:p>
+            <a:r>
+              <a:rPr lang="en-US" dirty="0"/>
+              <a:t>1) Send e-mail (download all e-mails, google this) </a:t>
+            </a:r>
+            <a:r>
+              <a:rPr lang="en-US" sz="3200" dirty="0">
+                <a:solidFill>
+                  <a:srgbClr val="00B050"/>
+                </a:solidFill>
+              </a:rPr>
+              <a:t>Done</a:t>
+            </a:r>
+            <a:endParaRPr lang="en-US" sz="1400" dirty="0">
+              <a:solidFill>
+                <a:srgbClr val="FF0000"/>
+              </a:solidFill>
+            </a:endParaRPr>
+          </a:p>
+          <a:p>
+            <a:r>
+              <a:rPr lang="en-US" dirty="0"/>
+              <a:t>1) Price changes: </a:t>
+            </a:r>
+            <a:r>
+              <a:rPr lang="en-US" dirty="0">
+                <a:solidFill>
+                  <a:srgbClr val="00B050"/>
+                </a:solidFill>
+              </a:rPr>
+              <a:t>Done</a:t>
+            </a:r>
+            <a:endParaRPr lang="en-US" dirty="0"/>
+          </a:p>
+          <a:p>
+            <a:pPr lvl="1"/>
+            <a:r>
+              <a:rPr lang="en-US" dirty="0"/>
+              <a:t>Scale Pricing: -0.5 for 4, -1 for 8, -1.5 for 16</a:t>
+            </a:r>
+          </a:p>
+          <a:p>
+            <a:pPr lvl="1"/>
+            <a:endParaRPr lang="en-US" dirty="0"/>
+          </a:p>
+        </p:txBody>
+      </p:sp>
+    </p:spTree>
+    <p:extLst>
+      <p:ext uri="{BB962C8B-B14F-4D97-AF65-F5344CB8AC3E}">
+        <p14:creationId xmlns:p14="http://schemas.microsoft.com/office/powerpoint/2010/main" val="3974533063"/>
+      </p:ext>
+    </p:extLst>
+  </p:cSld>
+  <p:clrMapOvr>
+    <a:masterClrMapping/>
+  </p:clrMapOvr>
+</p:sld>
+</file>
+
 <file path=ppt/slides/slide2.xml><?xml version="1.0" encoding="utf-8"?>
 <p:sld xmlns:a="http://schemas.openxmlformats.org/drawingml/2006/main" xmlns:r="http://schemas.openxmlformats.org/officeDocument/2006/relationships" xmlns:p="http://schemas.openxmlformats.org/presentationml/2006/main">
   <p:cSld>
@@ -4329,6 +9681,1946 @@
     <p:extLst>
       <p:ext uri="{BB962C8B-B14F-4D97-AF65-F5344CB8AC3E}">
         <p14:creationId xmlns:p14="http://schemas.microsoft.com/office/powerpoint/2010/main" val="856266633"/>
+      </p:ext>
+    </p:extLst>
+  </p:cSld>
+  <p:clrMapOvr>
+    <a:masterClrMapping/>
+  </p:clrMapOvr>
+</p:sld>
+</file>
+
+<file path=ppt/slides/slide4.xml><?xml version="1.0" encoding="utf-8"?>
+<p:sld xmlns:a="http://schemas.openxmlformats.org/drawingml/2006/main" xmlns:r="http://schemas.openxmlformats.org/officeDocument/2006/relationships" xmlns:p="http://schemas.openxmlformats.org/presentationml/2006/main">
+  <p:cSld>
+    <p:spTree>
+      <p:nvGrpSpPr>
+        <p:cNvPr id="1" name=""/>
+        <p:cNvGrpSpPr/>
+        <p:nvPr/>
+      </p:nvGrpSpPr>
+      <p:grpSpPr>
+        <a:xfrm>
+          <a:off x="0" y="0"/>
+          <a:ext cx="0" cy="0"/>
+          <a:chOff x="0" y="0"/>
+          <a:chExt cx="0" cy="0"/>
+        </a:xfrm>
+      </p:grpSpPr>
+      <p:sp>
+        <p:nvSpPr>
+          <p:cNvPr id="2" name="Title 1">
+            <a:extLst>
+              <a:ext uri="{FF2B5EF4-FFF2-40B4-BE49-F238E27FC236}">
+                <a16:creationId xmlns:a16="http://schemas.microsoft.com/office/drawing/2014/main" id="{FBB0CAC5-E45C-3749-93F8-AC0A007E7B8F}"/>
+              </a:ext>
+            </a:extLst>
+          </p:cNvPr>
+          <p:cNvSpPr>
+            <a:spLocks noGrp="1"/>
+          </p:cNvSpPr>
+          <p:nvPr>
+            <p:ph type="title"/>
+          </p:nvPr>
+        </p:nvSpPr>
+        <p:spPr/>
+        <p:txBody>
+          <a:bodyPr/>
+          <a:lstStyle/>
+          <a:p>
+            <a:r>
+              <a:rPr lang="en-US" dirty="0" err="1"/>
+              <a:t>Github</a:t>
+            </a:r>
+            <a:r>
+              <a:rPr lang="en-US" dirty="0"/>
+              <a:t> Lesson 1</a:t>
+            </a:r>
+          </a:p>
+        </p:txBody>
+      </p:sp>
+      <p:sp>
+        <p:nvSpPr>
+          <p:cNvPr id="3" name="Content Placeholder 2">
+            <a:extLst>
+              <a:ext uri="{FF2B5EF4-FFF2-40B4-BE49-F238E27FC236}">
+                <a16:creationId xmlns:a16="http://schemas.microsoft.com/office/drawing/2014/main" id="{F324D566-3772-5A4B-8FD9-63394F070517}"/>
+              </a:ext>
+            </a:extLst>
+          </p:cNvPr>
+          <p:cNvSpPr>
+            <a:spLocks noGrp="1"/>
+          </p:cNvSpPr>
+          <p:nvPr>
+            <p:ph idx="1"/>
+          </p:nvPr>
+        </p:nvSpPr>
+        <p:spPr/>
+        <p:txBody>
+          <a:bodyPr>
+            <a:normAutofit lnSpcReduction="10000"/>
+          </a:bodyPr>
+          <a:lstStyle/>
+          <a:p>
+            <a:pPr>
+              <a:buFontTx/>
+              <a:buChar char="-"/>
+            </a:pPr>
+            <a:r>
+              <a:rPr lang="en-US" sz="2000" dirty="0"/>
+              <a:t>To download a repo: copy and paste the repo </a:t>
+            </a:r>
+            <a:r>
+              <a:rPr lang="en-US" sz="2000" dirty="0" err="1"/>
+              <a:t>url</a:t>
+            </a:r>
+            <a:r>
+              <a:rPr lang="en-US" sz="2000" dirty="0"/>
+              <a:t> and then </a:t>
+            </a:r>
+            <a:br>
+              <a:rPr lang="en-US" sz="2000" dirty="0"/>
+            </a:br>
+            <a:r>
+              <a:rPr lang="en-US" sz="2000" dirty="0">
+                <a:solidFill>
+                  <a:srgbClr val="FF0000"/>
+                </a:solidFill>
+              </a:rPr>
+              <a:t>git clone “</a:t>
+            </a:r>
+            <a:r>
+              <a:rPr lang="en-US" sz="2000" dirty="0" err="1">
+                <a:solidFill>
+                  <a:srgbClr val="FF0000"/>
+                </a:solidFill>
+              </a:rPr>
+              <a:t>url</a:t>
+            </a:r>
+            <a:r>
+              <a:rPr lang="en-US" sz="2000" dirty="0">
+                <a:solidFill>
+                  <a:srgbClr val="FF0000"/>
+                </a:solidFill>
+              </a:rPr>
+              <a:t>”</a:t>
+            </a:r>
+          </a:p>
+          <a:p>
+            <a:pPr>
+              <a:buFontTx/>
+              <a:buChar char="-"/>
+            </a:pPr>
+            <a:r>
+              <a:rPr lang="en-US" sz="2000" dirty="0"/>
+              <a:t>If you are in the downloaded repo type: </a:t>
+            </a:r>
+            <a:r>
+              <a:rPr lang="en-US" sz="2000" dirty="0">
+                <a:solidFill>
+                  <a:srgbClr val="FF0000"/>
+                </a:solidFill>
+              </a:rPr>
+              <a:t>git status </a:t>
+            </a:r>
+            <a:r>
+              <a:rPr lang="en-US" sz="2000" dirty="0"/>
+              <a:t>to check </a:t>
+            </a:r>
+            <a:r>
+              <a:rPr lang="en-US" sz="2000" dirty="0" err="1"/>
+              <a:t>whats</a:t>
+            </a:r>
+            <a:r>
+              <a:rPr lang="en-US" sz="2000" dirty="0"/>
+              <a:t> different between what you have and what you’ve downloaded</a:t>
+            </a:r>
+          </a:p>
+          <a:p>
+            <a:pPr>
+              <a:buFontTx/>
+              <a:buChar char="-"/>
+            </a:pPr>
+            <a:r>
+              <a:rPr lang="en-US" sz="2000" dirty="0"/>
+              <a:t>If there is something different it will show up in red on terminal. Type </a:t>
+            </a:r>
+            <a:r>
+              <a:rPr lang="en-US" sz="2000" dirty="0">
+                <a:solidFill>
+                  <a:srgbClr val="FF0000"/>
+                </a:solidFill>
+              </a:rPr>
+              <a:t>git add “the name of the file that was on red” </a:t>
+            </a:r>
+            <a:r>
+              <a:rPr lang="en-US" sz="2000" dirty="0"/>
+              <a:t>to “add” the file to the project and have it ready to be committed. If you do </a:t>
+            </a:r>
+            <a:r>
+              <a:rPr lang="en-US" sz="2000" dirty="0">
+                <a:solidFill>
+                  <a:srgbClr val="FF0000"/>
+                </a:solidFill>
+              </a:rPr>
+              <a:t>git add –A </a:t>
+            </a:r>
+            <a:r>
+              <a:rPr lang="en-US" sz="2000" dirty="0"/>
+              <a:t>it will do all the changes made in the directory</a:t>
+            </a:r>
+          </a:p>
+          <a:p>
+            <a:pPr>
+              <a:buFontTx/>
+              <a:buChar char="-"/>
+            </a:pPr>
+            <a:r>
+              <a:rPr lang="en-US" sz="2000" dirty="0"/>
+              <a:t>If you do </a:t>
+            </a:r>
+            <a:r>
+              <a:rPr lang="en-US" sz="2000" dirty="0">
+                <a:solidFill>
+                  <a:srgbClr val="FF0000"/>
+                </a:solidFill>
+              </a:rPr>
+              <a:t>git status </a:t>
+            </a:r>
+            <a:r>
+              <a:rPr lang="en-US" sz="2000" dirty="0"/>
+              <a:t>again the file will be in green and it will say “the changes to be committed” which means the file is ready to be committed</a:t>
+            </a:r>
+          </a:p>
+          <a:p>
+            <a:pPr>
+              <a:buFontTx/>
+              <a:buChar char="-"/>
+            </a:pPr>
+            <a:r>
+              <a:rPr lang="en-US" sz="2000" dirty="0"/>
+              <a:t>then type git </a:t>
+            </a:r>
+            <a:r>
+              <a:rPr lang="en-US" sz="2000" dirty="0">
+                <a:solidFill>
+                  <a:srgbClr val="FF0000"/>
+                </a:solidFill>
+              </a:rPr>
+              <a:t>commit –m “my own message” </a:t>
+            </a:r>
+            <a:r>
+              <a:rPr lang="en-US" sz="2000" dirty="0"/>
+              <a:t>and the file that was added will get locked in to the repository BUT IT WILL NOT BE SINCED UP IN GITHUB</a:t>
+            </a:r>
+          </a:p>
+          <a:p>
+            <a:pPr>
+              <a:buFontTx/>
+              <a:buChar char="-"/>
+            </a:pPr>
+            <a:r>
+              <a:rPr lang="en-US" sz="2000" dirty="0"/>
+              <a:t>Then simply type </a:t>
+            </a:r>
+            <a:r>
+              <a:rPr lang="en-US" sz="2000" dirty="0">
+                <a:solidFill>
+                  <a:srgbClr val="FF0000"/>
+                </a:solidFill>
+              </a:rPr>
+              <a:t>git push </a:t>
+            </a:r>
+            <a:r>
+              <a:rPr lang="en-US" sz="2000" dirty="0"/>
+              <a:t>and the file will be uploaded on the </a:t>
+            </a:r>
+            <a:r>
+              <a:rPr lang="en-US" sz="2000" dirty="0" err="1"/>
+              <a:t>github</a:t>
+            </a:r>
+            <a:r>
+              <a:rPr lang="en-US" sz="2000" dirty="0"/>
+              <a:t> repository. If you refresh the repo online </a:t>
+            </a:r>
+            <a:r>
+              <a:rPr lang="en-US" sz="2000" dirty="0" err="1"/>
+              <a:t>youll</a:t>
+            </a:r>
+            <a:r>
+              <a:rPr lang="en-US" sz="2000" dirty="0"/>
+              <a:t> see the changes</a:t>
+            </a:r>
+          </a:p>
+          <a:p>
+            <a:pPr>
+              <a:buFontTx/>
+              <a:buChar char="-"/>
+            </a:pPr>
+            <a:r>
+              <a:rPr lang="en-US" sz="2000" dirty="0"/>
+              <a:t>If the other guy does </a:t>
+            </a:r>
+            <a:r>
+              <a:rPr lang="en-US" sz="2000" dirty="0">
+                <a:solidFill>
+                  <a:srgbClr val="FF0000"/>
+                </a:solidFill>
+              </a:rPr>
+              <a:t>git pull</a:t>
+            </a:r>
+            <a:r>
+              <a:rPr lang="en-US" sz="2000" dirty="0"/>
+              <a:t>, the updated version is going to be downloaded to his pc</a:t>
+            </a:r>
+            <a:endParaRPr lang="en-US" dirty="0"/>
+          </a:p>
+          <a:p>
+            <a:pPr marL="0" indent="0">
+              <a:buNone/>
+            </a:pPr>
+            <a:endParaRPr lang="en-US" dirty="0">
+              <a:solidFill>
+                <a:srgbClr val="FF0000"/>
+              </a:solidFill>
+            </a:endParaRPr>
+          </a:p>
+        </p:txBody>
+      </p:sp>
+    </p:spTree>
+    <p:extLst>
+      <p:ext uri="{BB962C8B-B14F-4D97-AF65-F5344CB8AC3E}">
+        <p14:creationId xmlns:p14="http://schemas.microsoft.com/office/powerpoint/2010/main" val="1007666095"/>
+      </p:ext>
+    </p:extLst>
+  </p:cSld>
+  <p:clrMapOvr>
+    <a:masterClrMapping/>
+  </p:clrMapOvr>
+</p:sld>
+</file>
+
+<file path=ppt/slides/slide5.xml><?xml version="1.0" encoding="utf-8"?>
+<p:sld xmlns:a="http://schemas.openxmlformats.org/drawingml/2006/main" xmlns:r="http://schemas.openxmlformats.org/officeDocument/2006/relationships" xmlns:p="http://schemas.openxmlformats.org/presentationml/2006/main">
+  <p:cSld>
+    <p:spTree>
+      <p:nvGrpSpPr>
+        <p:cNvPr id="1" name=""/>
+        <p:cNvGrpSpPr/>
+        <p:nvPr/>
+      </p:nvGrpSpPr>
+      <p:grpSpPr>
+        <a:xfrm>
+          <a:off x="0" y="0"/>
+          <a:ext cx="0" cy="0"/>
+          <a:chOff x="0" y="0"/>
+          <a:chExt cx="0" cy="0"/>
+        </a:xfrm>
+      </p:grpSpPr>
+      <p:sp>
+        <p:nvSpPr>
+          <p:cNvPr id="2" name="Title 1">
+            <a:extLst>
+              <a:ext uri="{FF2B5EF4-FFF2-40B4-BE49-F238E27FC236}">
+                <a16:creationId xmlns:a16="http://schemas.microsoft.com/office/drawing/2014/main" id="{FBB0CAC5-E45C-3749-93F8-AC0A007E7B8F}"/>
+              </a:ext>
+            </a:extLst>
+          </p:cNvPr>
+          <p:cNvSpPr>
+            <a:spLocks noGrp="1"/>
+          </p:cNvSpPr>
+          <p:nvPr>
+            <p:ph type="title"/>
+          </p:nvPr>
+        </p:nvSpPr>
+        <p:spPr/>
+        <p:txBody>
+          <a:bodyPr/>
+          <a:lstStyle/>
+          <a:p>
+            <a:r>
+              <a:rPr lang="en-US" dirty="0" err="1"/>
+              <a:t>Github</a:t>
+            </a:r>
+            <a:r>
+              <a:rPr lang="en-US" dirty="0"/>
+              <a:t> Lesson 2</a:t>
+            </a:r>
+          </a:p>
+        </p:txBody>
+      </p:sp>
+      <p:sp>
+        <p:nvSpPr>
+          <p:cNvPr id="3" name="Content Placeholder 2">
+            <a:extLst>
+              <a:ext uri="{FF2B5EF4-FFF2-40B4-BE49-F238E27FC236}">
+                <a16:creationId xmlns:a16="http://schemas.microsoft.com/office/drawing/2014/main" id="{F324D566-3772-5A4B-8FD9-63394F070517}"/>
+              </a:ext>
+            </a:extLst>
+          </p:cNvPr>
+          <p:cNvSpPr>
+            <a:spLocks noGrp="1"/>
+          </p:cNvSpPr>
+          <p:nvPr>
+            <p:ph idx="1"/>
+          </p:nvPr>
+        </p:nvSpPr>
+        <p:spPr/>
+        <p:txBody>
+          <a:bodyPr>
+            <a:normAutofit fontScale="85000" lnSpcReduction="20000"/>
+          </a:bodyPr>
+          <a:lstStyle/>
+          <a:p>
+            <a:pPr>
+              <a:buFontTx/>
+              <a:buChar char="-"/>
+            </a:pPr>
+            <a:r>
+              <a:rPr lang="en-US" sz="2000" dirty="0"/>
+              <a:t>To check which branch you are in: </a:t>
+            </a:r>
+            <a:r>
+              <a:rPr lang="en-US" sz="2000" dirty="0">
+                <a:solidFill>
+                  <a:srgbClr val="FF0000"/>
+                </a:solidFill>
+              </a:rPr>
+              <a:t>git branch</a:t>
+            </a:r>
+          </a:p>
+          <a:p>
+            <a:pPr>
+              <a:buFontTx/>
+              <a:buChar char="-"/>
+            </a:pPr>
+            <a:r>
+              <a:rPr lang="en-US" sz="2000" dirty="0"/>
+              <a:t>To make a new branch: </a:t>
+            </a:r>
+            <a:r>
+              <a:rPr lang="en-US" sz="2000" dirty="0">
+                <a:solidFill>
+                  <a:srgbClr val="FF0000"/>
+                </a:solidFill>
+              </a:rPr>
+              <a:t>git branch “name of branch”</a:t>
+            </a:r>
+            <a:r>
+              <a:rPr lang="en-US" sz="2000" dirty="0"/>
+              <a:t>. This is going to make a branch that is the same exact thing as the branch you were into, in this case the master</a:t>
+            </a:r>
+          </a:p>
+          <a:p>
+            <a:pPr>
+              <a:buFontTx/>
+              <a:buChar char="-"/>
+            </a:pPr>
+            <a:r>
+              <a:rPr lang="en-US" sz="2000" dirty="0"/>
+              <a:t>Use </a:t>
+            </a:r>
+            <a:r>
+              <a:rPr lang="en-US" sz="2000" dirty="0">
+                <a:solidFill>
+                  <a:srgbClr val="FF0000"/>
+                </a:solidFill>
+              </a:rPr>
+              <a:t>git branch </a:t>
+            </a:r>
+            <a:r>
+              <a:rPr lang="en-US" sz="2000" dirty="0"/>
+              <a:t>again to see the new branches too</a:t>
+            </a:r>
+          </a:p>
+          <a:p>
+            <a:pPr>
+              <a:buFontTx/>
+              <a:buChar char="-"/>
+            </a:pPr>
+            <a:r>
+              <a:rPr lang="en-US" sz="2000" dirty="0"/>
+              <a:t>To change the branch you are into use: </a:t>
+            </a:r>
+            <a:r>
+              <a:rPr lang="en-US" sz="2000" dirty="0">
+                <a:solidFill>
+                  <a:srgbClr val="FF0000"/>
+                </a:solidFill>
+              </a:rPr>
+              <a:t>git checkout “name of branch you want to go to”</a:t>
+            </a:r>
+          </a:p>
+          <a:p>
+            <a:pPr>
+              <a:buFontTx/>
+              <a:buChar char="-"/>
+            </a:pPr>
+            <a:r>
+              <a:rPr lang="en-US" sz="2000" dirty="0"/>
+              <a:t>Use </a:t>
+            </a:r>
+            <a:r>
+              <a:rPr lang="en-US" sz="2000" dirty="0">
+                <a:solidFill>
+                  <a:srgbClr val="FF0000"/>
+                </a:solidFill>
+              </a:rPr>
+              <a:t>git branch </a:t>
+            </a:r>
+            <a:r>
+              <a:rPr lang="en-US" sz="2000" dirty="0"/>
+              <a:t>again to see the branch you’re in</a:t>
+            </a:r>
+          </a:p>
+          <a:p>
+            <a:pPr>
+              <a:buFontTx/>
+              <a:buChar char="-"/>
+            </a:pPr>
+            <a:r>
+              <a:rPr lang="en-US" sz="2000" dirty="0"/>
+              <a:t>Modify something and then again do: </a:t>
+            </a:r>
+            <a:r>
+              <a:rPr lang="en-US" sz="2000" dirty="0">
+                <a:solidFill>
+                  <a:srgbClr val="FF0000"/>
+                </a:solidFill>
+              </a:rPr>
+              <a:t>git add –A </a:t>
+            </a:r>
+            <a:r>
+              <a:rPr lang="en-US" sz="2000" dirty="0"/>
+              <a:t>, </a:t>
+            </a:r>
+            <a:r>
+              <a:rPr lang="en-US" sz="2000" dirty="0">
+                <a:solidFill>
+                  <a:srgbClr val="FF0000"/>
+                </a:solidFill>
+              </a:rPr>
+              <a:t>git commit –m “message”</a:t>
+            </a:r>
+          </a:p>
+          <a:p>
+            <a:pPr>
+              <a:buFontTx/>
+              <a:buChar char="-"/>
+            </a:pPr>
+            <a:r>
+              <a:rPr lang="en-US" sz="2000" dirty="0"/>
+              <a:t>If there is any changes to the master, of the branch that you branched off of, go to master branch (</a:t>
+            </a:r>
+            <a:r>
+              <a:rPr lang="en-US" sz="2000" dirty="0">
+                <a:solidFill>
+                  <a:srgbClr val="FF0000"/>
+                </a:solidFill>
+              </a:rPr>
+              <a:t>git checkout “name of master”</a:t>
+            </a:r>
+            <a:r>
+              <a:rPr lang="en-US" sz="2000" dirty="0"/>
+              <a:t>), do </a:t>
+            </a:r>
+            <a:r>
+              <a:rPr lang="en-US" sz="2000" dirty="0">
+                <a:solidFill>
+                  <a:srgbClr val="FF0000"/>
+                </a:solidFill>
+              </a:rPr>
+              <a:t>git pull</a:t>
+            </a:r>
+            <a:r>
+              <a:rPr lang="en-US" sz="2000" dirty="0"/>
+              <a:t>, then back to the branch you were working on (</a:t>
+            </a:r>
+            <a:r>
+              <a:rPr lang="en-US" sz="2000" dirty="0">
+                <a:solidFill>
+                  <a:srgbClr val="FF0000"/>
+                </a:solidFill>
+              </a:rPr>
+              <a:t>git checkout “name of branch”</a:t>
+            </a:r>
+            <a:r>
+              <a:rPr lang="en-US" sz="2000" dirty="0"/>
+              <a:t>) and finally merge the changes </a:t>
+            </a:r>
+            <a:r>
+              <a:rPr lang="en-US" sz="2000" dirty="0">
+                <a:solidFill>
+                  <a:srgbClr val="FF0000"/>
+                </a:solidFill>
+              </a:rPr>
+              <a:t>git merge “name of master”</a:t>
+            </a:r>
+          </a:p>
+          <a:p>
+            <a:pPr>
+              <a:buFontTx/>
+              <a:buChar char="-"/>
+            </a:pPr>
+            <a:r>
+              <a:rPr lang="en-US" sz="2000" dirty="0"/>
+              <a:t>If you do only </a:t>
+            </a:r>
+            <a:r>
+              <a:rPr lang="en-US" sz="2000" dirty="0">
+                <a:solidFill>
+                  <a:srgbClr val="FF0000"/>
+                </a:solidFill>
+              </a:rPr>
+              <a:t>git commit</a:t>
+            </a:r>
+            <a:r>
+              <a:rPr lang="en-US" sz="2000" dirty="0"/>
+              <a:t> then when the long message comes up do: escape (esc) and then :wp</a:t>
+            </a:r>
+          </a:p>
+          <a:p>
+            <a:pPr>
+              <a:buFontTx/>
+              <a:buChar char="-"/>
+            </a:pPr>
+            <a:r>
+              <a:rPr lang="en-US" sz="2000" dirty="0"/>
+              <a:t>Then you good to push: </a:t>
+            </a:r>
+            <a:r>
+              <a:rPr lang="en-US" sz="2000" dirty="0">
+                <a:solidFill>
+                  <a:srgbClr val="FF0000"/>
+                </a:solidFill>
+              </a:rPr>
+              <a:t>git push </a:t>
+            </a:r>
+            <a:r>
+              <a:rPr lang="en-US" sz="2000" dirty="0"/>
+              <a:t>(this might bring up an error, in this specific case it gives you the right command- it might be because it doesn’t know where to push)</a:t>
+            </a:r>
+          </a:p>
+          <a:p>
+            <a:pPr>
+              <a:buFontTx/>
+              <a:buChar char="-"/>
+            </a:pPr>
+            <a:r>
+              <a:rPr lang="en-US" sz="2000" dirty="0"/>
+              <a:t>The recommended command </a:t>
+            </a:r>
+            <a:r>
+              <a:rPr lang="en-US" sz="2100" dirty="0"/>
+              <a:t>is </a:t>
+            </a:r>
+            <a:r>
+              <a:rPr lang="en-US" sz="2100" dirty="0">
+                <a:solidFill>
+                  <a:srgbClr val="FF0000"/>
+                </a:solidFill>
+              </a:rPr>
+              <a:t>git push --set-upstream origin “name of branch”</a:t>
+            </a:r>
+            <a:endParaRPr lang="el-GR" sz="2100" dirty="0">
+              <a:solidFill>
+                <a:srgbClr val="FF0000"/>
+              </a:solidFill>
+            </a:endParaRPr>
+          </a:p>
+          <a:p>
+            <a:pPr marL="0" indent="0">
+              <a:buNone/>
+            </a:pPr>
+            <a:r>
+              <a:rPr lang="el-GR" sz="2100" dirty="0"/>
+              <a:t>***</a:t>
+            </a:r>
+            <a:r>
+              <a:rPr lang="en-US" sz="2100" dirty="0"/>
+              <a:t>Check out </a:t>
+            </a:r>
+            <a:r>
+              <a:rPr lang="en-US" sz="2100" dirty="0">
+                <a:solidFill>
+                  <a:srgbClr val="00B050"/>
+                </a:solidFill>
+              </a:rPr>
+              <a:t>Git </a:t>
+            </a:r>
+            <a:r>
+              <a:rPr lang="en-US" sz="2100" dirty="0" err="1">
+                <a:solidFill>
+                  <a:srgbClr val="00B050"/>
+                </a:solidFill>
+              </a:rPr>
+              <a:t>Cracken</a:t>
+            </a:r>
+            <a:endParaRPr lang="en-US" sz="2100" dirty="0">
+              <a:solidFill>
+                <a:srgbClr val="00B050"/>
+              </a:solidFill>
+            </a:endParaRPr>
+          </a:p>
+          <a:p>
+            <a:pPr>
+              <a:buFontTx/>
+              <a:buChar char="-"/>
+            </a:pPr>
+            <a:endParaRPr lang="en-US" sz="2000" dirty="0"/>
+          </a:p>
+        </p:txBody>
+      </p:sp>
+    </p:spTree>
+    <p:extLst>
+      <p:ext uri="{BB962C8B-B14F-4D97-AF65-F5344CB8AC3E}">
+        <p14:creationId xmlns:p14="http://schemas.microsoft.com/office/powerpoint/2010/main" val="4006851193"/>
+      </p:ext>
+    </p:extLst>
+  </p:cSld>
+  <p:clrMapOvr>
+    <a:masterClrMapping/>
+  </p:clrMapOvr>
+</p:sld>
+</file>
+
+<file path=ppt/slides/slide6.xml><?xml version="1.0" encoding="utf-8"?>
+<p:sld xmlns:a="http://schemas.openxmlformats.org/drawingml/2006/main" xmlns:r="http://schemas.openxmlformats.org/officeDocument/2006/relationships" xmlns:p="http://schemas.openxmlformats.org/presentationml/2006/main">
+  <p:cSld>
+    <p:spTree>
+      <p:nvGrpSpPr>
+        <p:cNvPr id="1" name=""/>
+        <p:cNvGrpSpPr/>
+        <p:nvPr/>
+      </p:nvGrpSpPr>
+      <p:grpSpPr>
+        <a:xfrm>
+          <a:off x="0" y="0"/>
+          <a:ext cx="0" cy="0"/>
+          <a:chOff x="0" y="0"/>
+          <a:chExt cx="0" cy="0"/>
+        </a:xfrm>
+      </p:grpSpPr>
+      <p:sp>
+        <p:nvSpPr>
+          <p:cNvPr id="2" name="Title 1">
+            <a:extLst>
+              <a:ext uri="{FF2B5EF4-FFF2-40B4-BE49-F238E27FC236}">
+                <a16:creationId xmlns:a16="http://schemas.microsoft.com/office/drawing/2014/main" id="{FBB0CAC5-E45C-3749-93F8-AC0A007E7B8F}"/>
+              </a:ext>
+            </a:extLst>
+          </p:cNvPr>
+          <p:cNvSpPr>
+            <a:spLocks noGrp="1"/>
+          </p:cNvSpPr>
+          <p:nvPr>
+            <p:ph type="title"/>
+          </p:nvPr>
+        </p:nvSpPr>
+        <p:spPr/>
+        <p:txBody>
+          <a:bodyPr/>
+          <a:lstStyle/>
+          <a:p>
+            <a:r>
+              <a:rPr lang="en-US" dirty="0" err="1"/>
+              <a:t>Github</a:t>
+            </a:r>
+            <a:r>
+              <a:rPr lang="en-US" dirty="0"/>
+              <a:t> Lesson 3</a:t>
+            </a:r>
+          </a:p>
+        </p:txBody>
+      </p:sp>
+      <p:sp>
+        <p:nvSpPr>
+          <p:cNvPr id="3" name="Content Placeholder 2">
+            <a:extLst>
+              <a:ext uri="{FF2B5EF4-FFF2-40B4-BE49-F238E27FC236}">
+                <a16:creationId xmlns:a16="http://schemas.microsoft.com/office/drawing/2014/main" id="{F324D566-3772-5A4B-8FD9-63394F070517}"/>
+              </a:ext>
+            </a:extLst>
+          </p:cNvPr>
+          <p:cNvSpPr>
+            <a:spLocks noGrp="1"/>
+          </p:cNvSpPr>
+          <p:nvPr>
+            <p:ph idx="1"/>
+          </p:nvPr>
+        </p:nvSpPr>
+        <p:spPr/>
+        <p:txBody>
+          <a:bodyPr>
+            <a:normAutofit/>
+          </a:bodyPr>
+          <a:lstStyle/>
+          <a:p>
+            <a:pPr>
+              <a:buFontTx/>
+              <a:buChar char="-"/>
+            </a:pPr>
+            <a:r>
+              <a:rPr lang="en-US" sz="2000" dirty="0"/>
+              <a:t>To check all the commits on the repo type: </a:t>
+            </a:r>
+            <a:r>
+              <a:rPr lang="en-US" sz="2000" dirty="0">
+                <a:solidFill>
+                  <a:srgbClr val="FF0000"/>
+                </a:solidFill>
+              </a:rPr>
+              <a:t>git log </a:t>
+            </a:r>
+            <a:r>
+              <a:rPr lang="en-US" sz="2000" dirty="0"/>
+              <a:t>(to quit the window press </a:t>
+            </a:r>
+            <a:r>
+              <a:rPr lang="en-US" sz="2000" dirty="0">
+                <a:solidFill>
+                  <a:srgbClr val="FF0000"/>
+                </a:solidFill>
+              </a:rPr>
+              <a:t>q</a:t>
+            </a:r>
+            <a:r>
+              <a:rPr lang="en-US" sz="2000" dirty="0"/>
+              <a:t>)</a:t>
+            </a:r>
+          </a:p>
+          <a:p>
+            <a:pPr>
+              <a:buFontTx/>
+              <a:buChar char="-"/>
+            </a:pPr>
+            <a:r>
+              <a:rPr lang="en-US" sz="2000" dirty="0"/>
+              <a:t>To show hidden files do: </a:t>
+            </a:r>
+            <a:r>
+              <a:rPr lang="en-US" sz="2000" dirty="0">
+                <a:solidFill>
+                  <a:srgbClr val="FF0000"/>
+                </a:solidFill>
+              </a:rPr>
+              <a:t>ls –a </a:t>
+            </a:r>
+            <a:endParaRPr lang="en-US" sz="2000" dirty="0"/>
+          </a:p>
+          <a:p>
+            <a:pPr>
+              <a:buFontTx/>
+              <a:buChar char="-"/>
+            </a:pPr>
+            <a:r>
+              <a:rPr lang="en-US" sz="2000" dirty="0" err="1"/>
+              <a:t>Whats</a:t>
+            </a:r>
+            <a:r>
+              <a:rPr lang="en-US" sz="2000" dirty="0"/>
+              <a:t> in the .git file: </a:t>
+            </a:r>
+            <a:r>
+              <a:rPr lang="en-US" sz="2000" dirty="0">
+                <a:hlinkClick r:id="rId2"/>
+              </a:rPr>
+              <a:t>http://gitready.com/advanced/2009/03/23/whats-inside-your-git-directory.html</a:t>
+            </a:r>
+            <a:r>
+              <a:rPr lang="en-US" sz="2000" dirty="0">
+                <a:solidFill>
+                  <a:srgbClr val="FF0000"/>
+                </a:solidFill>
+              </a:rPr>
+              <a:t> </a:t>
+            </a:r>
+            <a:r>
+              <a:rPr lang="en-US" sz="2000" dirty="0" err="1"/>
+              <a:t>ggg</a:t>
+            </a:r>
+            <a:endParaRPr lang="en-US" sz="2000" dirty="0"/>
+          </a:p>
+          <a:p>
+            <a:pPr>
+              <a:buFontTx/>
+              <a:buChar char="-"/>
+            </a:pPr>
+            <a:r>
+              <a:rPr lang="en-US" sz="2000" dirty="0"/>
+              <a:t>To create the </a:t>
+            </a:r>
+            <a:r>
+              <a:rPr lang="en-US" sz="2000" dirty="0" err="1"/>
+              <a:t>gitignore</a:t>
+            </a:r>
+            <a:r>
+              <a:rPr lang="en-US" sz="2000" dirty="0"/>
+              <a:t> file do: touch .</a:t>
+            </a:r>
+            <a:r>
+              <a:rPr lang="en-US" sz="2000" dirty="0" err="1"/>
+              <a:t>gitignore</a:t>
+            </a:r>
+            <a:endParaRPr lang="en-US" sz="2000" dirty="0"/>
+          </a:p>
+          <a:p>
+            <a:pPr>
+              <a:buFontTx/>
+              <a:buChar char="-"/>
+            </a:pPr>
+            <a:r>
+              <a:rPr lang="en-US" sz="2000" dirty="0"/>
+              <a:t>The rest here: </a:t>
+            </a:r>
+            <a:r>
+              <a:rPr lang="en-US" sz="2000" dirty="0">
+                <a:hlinkClick r:id="rId3"/>
+              </a:rPr>
+              <a:t>https://www.youtube.com/watch?v</a:t>
+            </a:r>
+            <a:r>
+              <a:rPr lang="en-US" sz="2000">
+                <a:hlinkClick r:id="rId3"/>
+              </a:rPr>
+              <a:t>=0WfDe51pUU0</a:t>
+            </a:r>
+            <a:endParaRPr lang="en-US" sz="2000" dirty="0"/>
+          </a:p>
+        </p:txBody>
+      </p:sp>
+    </p:spTree>
+    <p:extLst>
+      <p:ext uri="{BB962C8B-B14F-4D97-AF65-F5344CB8AC3E}">
+        <p14:creationId xmlns:p14="http://schemas.microsoft.com/office/powerpoint/2010/main" val="2421367655"/>
+      </p:ext>
+    </p:extLst>
+  </p:cSld>
+  <p:clrMapOvr>
+    <a:masterClrMapping/>
+  </p:clrMapOvr>
+</p:sld>
+</file>
+
+<file path=ppt/slides/slide7.xml><?xml version="1.0" encoding="utf-8"?>
+<p:sld xmlns:a="http://schemas.openxmlformats.org/drawingml/2006/main" xmlns:r="http://schemas.openxmlformats.org/officeDocument/2006/relationships" xmlns:p="http://schemas.openxmlformats.org/presentationml/2006/main">
+  <p:cSld>
+    <p:spTree>
+      <p:nvGrpSpPr>
+        <p:cNvPr id="1" name=""/>
+        <p:cNvGrpSpPr/>
+        <p:nvPr/>
+      </p:nvGrpSpPr>
+      <p:grpSpPr>
+        <a:xfrm>
+          <a:off x="0" y="0"/>
+          <a:ext cx="0" cy="0"/>
+          <a:chOff x="0" y="0"/>
+          <a:chExt cx="0" cy="0"/>
+        </a:xfrm>
+      </p:grpSpPr>
+      <p:sp>
+        <p:nvSpPr>
+          <p:cNvPr id="2" name="Title 1">
+            <a:extLst>
+              <a:ext uri="{FF2B5EF4-FFF2-40B4-BE49-F238E27FC236}">
+                <a16:creationId xmlns:a16="http://schemas.microsoft.com/office/drawing/2014/main" id="{DA9C491B-2876-824C-90C6-DB2C1913B8EA}"/>
+              </a:ext>
+            </a:extLst>
+          </p:cNvPr>
+          <p:cNvSpPr>
+            <a:spLocks noGrp="1"/>
+          </p:cNvSpPr>
+          <p:nvPr>
+            <p:ph type="title"/>
+          </p:nvPr>
+        </p:nvSpPr>
+        <p:spPr>
+          <a:xfrm>
+            <a:off x="526073" y="466578"/>
+            <a:ext cx="11139854" cy="930447"/>
+          </a:xfrm>
+        </p:spPr>
+        <p:txBody>
+          <a:bodyPr vert="horz" lIns="91440" tIns="45720" rIns="91440" bIns="45720" rtlCol="0" anchor="b">
+            <a:normAutofit/>
+          </a:bodyPr>
+          <a:lstStyle/>
+          <a:p>
+            <a:pPr algn="ctr"/>
+            <a:r>
+              <a:rPr lang="en-US" sz="5400" kern="1200">
+                <a:solidFill>
+                  <a:srgbClr val="FFFFFF"/>
+                </a:solidFill>
+                <a:latin typeface="+mj-lt"/>
+                <a:ea typeface="+mj-ea"/>
+                <a:cs typeface="+mj-cs"/>
+              </a:rPr>
+              <a:t>Business Plan</a:t>
+            </a:r>
+          </a:p>
+        </p:txBody>
+      </p:sp>
+      <p:sp>
+        <p:nvSpPr>
+          <p:cNvPr id="3" name="Content Placeholder 2">
+            <a:extLst>
+              <a:ext uri="{FF2B5EF4-FFF2-40B4-BE49-F238E27FC236}">
+                <a16:creationId xmlns:a16="http://schemas.microsoft.com/office/drawing/2014/main" id="{70B6DA5F-ACD0-7F4E-A479-0E6AA0897525}"/>
+              </a:ext>
+            </a:extLst>
+          </p:cNvPr>
+          <p:cNvSpPr>
+            <a:spLocks noGrp="1"/>
+          </p:cNvSpPr>
+          <p:nvPr>
+            <p:ph idx="1"/>
+          </p:nvPr>
+        </p:nvSpPr>
+        <p:spPr>
+          <a:xfrm>
+            <a:off x="1524000" y="1525638"/>
+            <a:ext cx="9144000" cy="420001"/>
+          </a:xfrm>
+        </p:spPr>
+        <p:txBody>
+          <a:bodyPr vert="horz" lIns="91440" tIns="45720" rIns="91440" bIns="45720" rtlCol="0">
+            <a:normAutofit/>
+          </a:bodyPr>
+          <a:lstStyle/>
+          <a:p>
+            <a:pPr marL="0" indent="0" algn="ctr">
+              <a:buNone/>
+            </a:pPr>
+            <a:r>
+              <a:rPr lang="en-US" sz="2000" kern="1200">
+                <a:solidFill>
+                  <a:srgbClr val="FEC705"/>
+                </a:solidFill>
+                <a:latin typeface="+mn-lt"/>
+                <a:ea typeface="+mn-ea"/>
+                <a:cs typeface="+mn-cs"/>
+              </a:rPr>
+              <a:t>Logo</a:t>
+            </a:r>
+          </a:p>
+        </p:txBody>
+      </p:sp>
+      <p:pic>
+        <p:nvPicPr>
+          <p:cNvPr id="5" name="Picture 4" descr="A picture containing clipart&#10;&#10;Description automatically generated">
+            <a:extLst>
+              <a:ext uri="{FF2B5EF4-FFF2-40B4-BE49-F238E27FC236}">
+                <a16:creationId xmlns:a16="http://schemas.microsoft.com/office/drawing/2014/main" id="{C53AF249-50C1-5947-BB73-199F650663E9}"/>
+              </a:ext>
+            </a:extLst>
+          </p:cNvPr>
+          <p:cNvPicPr>
+            <a:picLocks noChangeAspect="1"/>
+          </p:cNvPicPr>
+          <p:nvPr/>
+        </p:nvPicPr>
+        <p:blipFill>
+          <a:blip r:embed="rId2"/>
+          <a:stretch>
+            <a:fillRect/>
+          </a:stretch>
+        </p:blipFill>
+        <p:spPr>
+          <a:xfrm>
+            <a:off x="2543017" y="3314694"/>
+            <a:ext cx="7105965" cy="1776492"/>
+          </a:xfrm>
+          <a:prstGeom prst="rect">
+            <a:avLst/>
+          </a:prstGeom>
+        </p:spPr>
+      </p:pic>
+    </p:spTree>
+    <p:extLst>
+      <p:ext uri="{BB962C8B-B14F-4D97-AF65-F5344CB8AC3E}">
+        <p14:creationId xmlns:p14="http://schemas.microsoft.com/office/powerpoint/2010/main" val="1836528032"/>
+      </p:ext>
+    </p:extLst>
+  </p:cSld>
+  <p:clrMapOvr>
+    <a:masterClrMapping/>
+  </p:clrMapOvr>
+</p:sld>
+</file>
+
+<file path=ppt/slides/slide8.xml><?xml version="1.0" encoding="utf-8"?>
+<p:sld xmlns:a="http://schemas.openxmlformats.org/drawingml/2006/main" xmlns:r="http://schemas.openxmlformats.org/officeDocument/2006/relationships" xmlns:p="http://schemas.openxmlformats.org/presentationml/2006/main">
+  <p:cSld>
+    <p:spTree>
+      <p:nvGrpSpPr>
+        <p:cNvPr id="1" name=""/>
+        <p:cNvGrpSpPr/>
+        <p:nvPr/>
+      </p:nvGrpSpPr>
+      <p:grpSpPr>
+        <a:xfrm>
+          <a:off x="0" y="0"/>
+          <a:ext cx="0" cy="0"/>
+          <a:chOff x="0" y="0"/>
+          <a:chExt cx="0" cy="0"/>
+        </a:xfrm>
+      </p:grpSpPr>
+      <p:sp>
+        <p:nvSpPr>
+          <p:cNvPr id="2" name="Title 1">
+            <a:extLst>
+              <a:ext uri="{FF2B5EF4-FFF2-40B4-BE49-F238E27FC236}">
+                <a16:creationId xmlns:a16="http://schemas.microsoft.com/office/drawing/2014/main" id="{A4A80F57-1687-BA48-8FB8-879046EF54AD}"/>
+              </a:ext>
+            </a:extLst>
+          </p:cNvPr>
+          <p:cNvSpPr>
+            <a:spLocks noGrp="1"/>
+          </p:cNvSpPr>
+          <p:nvPr>
+            <p:ph type="title"/>
+          </p:nvPr>
+        </p:nvSpPr>
+        <p:spPr>
+          <a:xfrm>
+            <a:off x="838200" y="156781"/>
+            <a:ext cx="10515600" cy="757620"/>
+          </a:xfrm>
+        </p:spPr>
+        <p:txBody>
+          <a:bodyPr/>
+          <a:lstStyle/>
+          <a:p>
+            <a:r>
+              <a:rPr lang="en-US" dirty="0"/>
+              <a:t>App Function (before tutor’s acceptance)</a:t>
+            </a:r>
+          </a:p>
+        </p:txBody>
+      </p:sp>
+      <p:sp>
+        <p:nvSpPr>
+          <p:cNvPr id="3" name="Content Placeholder 2">
+            <a:extLst>
+              <a:ext uri="{FF2B5EF4-FFF2-40B4-BE49-F238E27FC236}">
+                <a16:creationId xmlns:a16="http://schemas.microsoft.com/office/drawing/2014/main" id="{CDDDFAA2-533B-6547-BECD-C8B87A4347F2}"/>
+              </a:ext>
+            </a:extLst>
+          </p:cNvPr>
+          <p:cNvSpPr>
+            <a:spLocks noGrp="1"/>
+          </p:cNvSpPr>
+          <p:nvPr>
+            <p:ph idx="1"/>
+          </p:nvPr>
+        </p:nvSpPr>
+        <p:spPr>
+          <a:xfrm>
+            <a:off x="838200" y="1053295"/>
+            <a:ext cx="5111187" cy="5123667"/>
+          </a:xfrm>
+        </p:spPr>
+        <p:txBody>
+          <a:bodyPr>
+            <a:normAutofit fontScale="92500" lnSpcReduction="20000"/>
+          </a:bodyPr>
+          <a:lstStyle/>
+          <a:p>
+            <a:pPr marL="0" indent="0" algn="ctr">
+              <a:buNone/>
+            </a:pPr>
+            <a:r>
+              <a:rPr lang="en-US" sz="3200" dirty="0"/>
+              <a:t>User App</a:t>
+            </a:r>
+          </a:p>
+          <a:p>
+            <a:r>
+              <a:rPr lang="en-US" sz="2000" dirty="0"/>
+              <a:t>User creates an account </a:t>
+            </a:r>
+          </a:p>
+          <a:p>
+            <a:pPr lvl="1"/>
+            <a:r>
+              <a:rPr lang="en-US" sz="1800" dirty="0"/>
+              <a:t>Should be able to retrieve password or change account</a:t>
+            </a:r>
+          </a:p>
+          <a:p>
+            <a:pPr lvl="1"/>
+            <a:r>
+              <a:rPr lang="en-US" sz="1800" dirty="0"/>
+              <a:t>Input required info (</a:t>
+            </a:r>
+            <a:r>
+              <a:rPr lang="en-US" sz="1800" dirty="0" err="1"/>
+              <a:t>name,major,university</a:t>
+            </a:r>
+            <a:r>
+              <a:rPr lang="en-US" sz="1800" dirty="0"/>
+              <a:t>-for now only </a:t>
+            </a:r>
+            <a:r>
+              <a:rPr lang="en-US" sz="1800" dirty="0" err="1"/>
+              <a:t>UMich</a:t>
+            </a:r>
+            <a:r>
+              <a:rPr lang="en-US" sz="1800" dirty="0"/>
+              <a:t>)</a:t>
+            </a:r>
+          </a:p>
+          <a:p>
+            <a:pPr lvl="1"/>
+            <a:r>
+              <a:rPr lang="en-US" sz="1800" dirty="0"/>
+              <a:t>Credit card info (skip this step for now)</a:t>
+            </a:r>
+          </a:p>
+          <a:p>
+            <a:r>
+              <a:rPr lang="en-US" sz="2000" dirty="0"/>
+              <a:t>(1) User snaps a pic of the homework and submits or requests simple tutoring – select </a:t>
+            </a:r>
+            <a:r>
+              <a:rPr lang="en-US" sz="2000" b="1" dirty="0"/>
+              <a:t>time limit </a:t>
+            </a:r>
+            <a:r>
+              <a:rPr lang="en-US" sz="2000" dirty="0"/>
+              <a:t>(ex. need it in 2 hours), </a:t>
+            </a:r>
+            <a:r>
+              <a:rPr lang="en-US" sz="2000" b="1" dirty="0"/>
+              <a:t>major/class name </a:t>
+            </a:r>
+            <a:r>
+              <a:rPr lang="en-US" sz="2000" dirty="0"/>
+              <a:t>and</a:t>
+            </a:r>
+            <a:r>
+              <a:rPr lang="en-US" sz="2000" b="1" dirty="0"/>
+              <a:t> form of explanation </a:t>
+            </a:r>
+            <a:r>
+              <a:rPr lang="en-US" sz="2000" dirty="0"/>
+              <a:t>(typed up, call or in person meeting)</a:t>
+            </a:r>
+          </a:p>
+          <a:p>
+            <a:r>
+              <a:rPr lang="en-US" sz="2000" dirty="0"/>
+              <a:t>(2) User waits for 5 minutes</a:t>
+            </a:r>
+          </a:p>
+          <a:p>
+            <a:r>
+              <a:rPr lang="en-US" sz="2000" dirty="0"/>
+              <a:t>(6) Receives “tutor examining” notification</a:t>
+            </a:r>
+          </a:p>
+          <a:p>
+            <a:r>
+              <a:rPr lang="en-US" sz="2000" dirty="0"/>
+              <a:t>(7) If no tutor bids, prompt to call me</a:t>
+            </a:r>
+          </a:p>
+          <a:p>
+            <a:r>
+              <a:rPr lang="en-US" sz="2000" dirty="0"/>
+              <a:t>(7) If tutor bids User gets 3 options: </a:t>
+            </a:r>
+            <a:r>
+              <a:rPr lang="en-US" sz="2000" b="1" dirty="0"/>
+              <a:t>Accept</a:t>
+            </a:r>
+            <a:r>
+              <a:rPr lang="en-US" sz="2000" dirty="0"/>
+              <a:t>, </a:t>
+            </a:r>
+            <a:r>
+              <a:rPr lang="en-US" sz="2000" b="1" dirty="0"/>
+              <a:t>Deny</a:t>
+            </a:r>
+            <a:r>
+              <a:rPr lang="en-US" sz="2000" dirty="0"/>
+              <a:t> or </a:t>
+            </a:r>
+            <a:r>
+              <a:rPr lang="en-US" sz="2000" b="1" dirty="0"/>
+              <a:t>Request Different Tutor</a:t>
+            </a:r>
+            <a:r>
+              <a:rPr lang="en-US" sz="2000" dirty="0"/>
+              <a:t> (max price will be the price given by the </a:t>
+            </a:r>
+            <a:r>
+              <a:rPr lang="en-US" sz="2000" dirty="0" err="1"/>
+              <a:t>prev</a:t>
+            </a:r>
+            <a:r>
+              <a:rPr lang="en-US" sz="2000" dirty="0"/>
+              <a:t> tutor + user waits for 5 more minutes (go to 2))</a:t>
+            </a:r>
+            <a:endParaRPr lang="en-US" dirty="0"/>
+          </a:p>
+          <a:p>
+            <a:endParaRPr lang="en-US" dirty="0"/>
+          </a:p>
+        </p:txBody>
+      </p:sp>
+      <p:sp>
+        <p:nvSpPr>
+          <p:cNvPr id="5" name="Content Placeholder 2">
+            <a:extLst>
+              <a:ext uri="{FF2B5EF4-FFF2-40B4-BE49-F238E27FC236}">
+                <a16:creationId xmlns:a16="http://schemas.microsoft.com/office/drawing/2014/main" id="{81B85C14-AEB2-234D-B602-3067AF1BE214}"/>
+              </a:ext>
+            </a:extLst>
+          </p:cNvPr>
+          <p:cNvSpPr txBox="1">
+            <a:spLocks/>
+          </p:cNvSpPr>
+          <p:nvPr/>
+        </p:nvSpPr>
+        <p:spPr>
+          <a:xfrm>
+            <a:off x="6096000" y="1053295"/>
+            <a:ext cx="5111187" cy="5123667"/>
+          </a:xfrm>
+          <a:prstGeom prst="rect">
+            <a:avLst/>
+          </a:prstGeom>
+        </p:spPr>
+        <p:txBody>
+          <a:bodyPr vert="horz" lIns="91440" tIns="45720" rIns="91440" bIns="45720" rtlCol="0">
+            <a:normAutofit/>
+          </a:bodyPr>
+          <a:lstStyle>
+            <a:lvl1pPr marL="228600" indent="-228600" algn="l" defTabSz="914400" rtl="0" eaLnBrk="1" latinLnBrk="0" hangingPunct="1">
+              <a:lnSpc>
+                <a:spcPct val="90000"/>
+              </a:lnSpc>
+              <a:spcBef>
+                <a:spcPts val="1000"/>
+              </a:spcBef>
+              <a:buFont typeface="Arial" panose="020B0604020202020204" pitchFamily="34" charset="0"/>
+              <a:buChar char="•"/>
+              <a:defRPr sz="2800" kern="1200">
+                <a:solidFill>
+                  <a:schemeClr val="tx1"/>
+                </a:solidFill>
+                <a:latin typeface="+mn-lt"/>
+                <a:ea typeface="+mn-ea"/>
+                <a:cs typeface="+mn-cs"/>
+              </a:defRPr>
+            </a:lvl1pPr>
+            <a:lvl2pPr marL="685800" indent="-228600" algn="l" defTabSz="914400" rtl="0" eaLnBrk="1" latinLnBrk="0" hangingPunct="1">
+              <a:lnSpc>
+                <a:spcPct val="90000"/>
+              </a:lnSpc>
+              <a:spcBef>
+                <a:spcPts val="500"/>
+              </a:spcBef>
+              <a:buFont typeface="Arial" panose="020B0604020202020204" pitchFamily="34" charset="0"/>
+              <a:buChar char="•"/>
+              <a:defRPr sz="2400" kern="1200">
+                <a:solidFill>
+                  <a:schemeClr val="tx1"/>
+                </a:solidFill>
+                <a:latin typeface="+mn-lt"/>
+                <a:ea typeface="+mn-ea"/>
+                <a:cs typeface="+mn-cs"/>
+              </a:defRPr>
+            </a:lvl2pPr>
+            <a:lvl3pPr marL="1143000" indent="-228600" algn="l" defTabSz="914400" rtl="0" eaLnBrk="1" latinLnBrk="0" hangingPunct="1">
+              <a:lnSpc>
+                <a:spcPct val="90000"/>
+              </a:lnSpc>
+              <a:spcBef>
+                <a:spcPts val="500"/>
+              </a:spcBef>
+              <a:buFont typeface="Arial" panose="020B0604020202020204" pitchFamily="34" charset="0"/>
+              <a:buChar char="•"/>
+              <a:defRPr sz="2000" kern="1200">
+                <a:solidFill>
+                  <a:schemeClr val="tx1"/>
+                </a:solidFill>
+                <a:latin typeface="+mn-lt"/>
+                <a:ea typeface="+mn-ea"/>
+                <a:cs typeface="+mn-cs"/>
+              </a:defRPr>
+            </a:lvl3pPr>
+            <a:lvl4pPr marL="1600200" indent="-228600" algn="l" defTabSz="914400" rtl="0" eaLnBrk="1" latinLnBrk="0" hangingPunct="1">
+              <a:lnSpc>
+                <a:spcPct val="90000"/>
+              </a:lnSpc>
+              <a:spcBef>
+                <a:spcPts val="500"/>
+              </a:spcBef>
+              <a:buFont typeface="Arial" panose="020B0604020202020204" pitchFamily="34" charset="0"/>
+              <a:buChar char="•"/>
+              <a:defRPr sz="1800" kern="1200">
+                <a:solidFill>
+                  <a:schemeClr val="tx1"/>
+                </a:solidFill>
+                <a:latin typeface="+mn-lt"/>
+                <a:ea typeface="+mn-ea"/>
+                <a:cs typeface="+mn-cs"/>
+              </a:defRPr>
+            </a:lvl4pPr>
+            <a:lvl5pPr marL="2057400" indent="-228600" algn="l" defTabSz="914400" rtl="0" eaLnBrk="1" latinLnBrk="0" hangingPunct="1">
+              <a:lnSpc>
+                <a:spcPct val="90000"/>
+              </a:lnSpc>
+              <a:spcBef>
+                <a:spcPts val="500"/>
+              </a:spcBef>
+              <a:buFont typeface="Arial" panose="020B0604020202020204" pitchFamily="34" charset="0"/>
+              <a:buChar char="•"/>
+              <a:defRPr sz="1800" kern="1200">
+                <a:solidFill>
+                  <a:schemeClr val="tx1"/>
+                </a:solidFill>
+                <a:latin typeface="+mn-lt"/>
+                <a:ea typeface="+mn-ea"/>
+                <a:cs typeface="+mn-cs"/>
+              </a:defRPr>
+            </a:lvl5pPr>
+            <a:lvl6pPr marL="2514600" indent="-228600" algn="l" defTabSz="914400" rtl="0" eaLnBrk="1" latinLnBrk="0" hangingPunct="1">
+              <a:lnSpc>
+                <a:spcPct val="90000"/>
+              </a:lnSpc>
+              <a:spcBef>
+                <a:spcPts val="500"/>
+              </a:spcBef>
+              <a:buFont typeface="Arial" panose="020B0604020202020204" pitchFamily="34" charset="0"/>
+              <a:buChar char="•"/>
+              <a:defRPr sz="1800" kern="1200">
+                <a:solidFill>
+                  <a:schemeClr val="tx1"/>
+                </a:solidFill>
+                <a:latin typeface="+mn-lt"/>
+                <a:ea typeface="+mn-ea"/>
+                <a:cs typeface="+mn-cs"/>
+              </a:defRPr>
+            </a:lvl6pPr>
+            <a:lvl7pPr marL="2971800" indent="-228600" algn="l" defTabSz="914400" rtl="0" eaLnBrk="1" latinLnBrk="0" hangingPunct="1">
+              <a:lnSpc>
+                <a:spcPct val="90000"/>
+              </a:lnSpc>
+              <a:spcBef>
+                <a:spcPts val="500"/>
+              </a:spcBef>
+              <a:buFont typeface="Arial" panose="020B0604020202020204" pitchFamily="34" charset="0"/>
+              <a:buChar char="•"/>
+              <a:defRPr sz="1800" kern="1200">
+                <a:solidFill>
+                  <a:schemeClr val="tx1"/>
+                </a:solidFill>
+                <a:latin typeface="+mn-lt"/>
+                <a:ea typeface="+mn-ea"/>
+                <a:cs typeface="+mn-cs"/>
+              </a:defRPr>
+            </a:lvl7pPr>
+            <a:lvl8pPr marL="3429000" indent="-228600" algn="l" defTabSz="914400" rtl="0" eaLnBrk="1" latinLnBrk="0" hangingPunct="1">
+              <a:lnSpc>
+                <a:spcPct val="90000"/>
+              </a:lnSpc>
+              <a:spcBef>
+                <a:spcPts val="500"/>
+              </a:spcBef>
+              <a:buFont typeface="Arial" panose="020B0604020202020204" pitchFamily="34" charset="0"/>
+              <a:buChar char="•"/>
+              <a:defRPr sz="1800" kern="1200">
+                <a:solidFill>
+                  <a:schemeClr val="tx1"/>
+                </a:solidFill>
+                <a:latin typeface="+mn-lt"/>
+                <a:ea typeface="+mn-ea"/>
+                <a:cs typeface="+mn-cs"/>
+              </a:defRPr>
+            </a:lvl8pPr>
+            <a:lvl9pPr marL="3886200" indent="-228600" algn="l" defTabSz="914400" rtl="0" eaLnBrk="1" latinLnBrk="0" hangingPunct="1">
+              <a:lnSpc>
+                <a:spcPct val="90000"/>
+              </a:lnSpc>
+              <a:spcBef>
+                <a:spcPts val="500"/>
+              </a:spcBef>
+              <a:buFont typeface="Arial" panose="020B0604020202020204" pitchFamily="34" charset="0"/>
+              <a:buChar char="•"/>
+              <a:defRPr sz="1800" kern="1200">
+                <a:solidFill>
+                  <a:schemeClr val="tx1"/>
+                </a:solidFill>
+                <a:latin typeface="+mn-lt"/>
+                <a:ea typeface="+mn-ea"/>
+                <a:cs typeface="+mn-cs"/>
+              </a:defRPr>
+            </a:lvl9pPr>
+          </a:lstStyle>
+          <a:p>
+            <a:pPr marL="0" indent="0" algn="ctr">
+              <a:buFont typeface="Arial" panose="020B0604020202020204" pitchFamily="34" charset="0"/>
+              <a:buNone/>
+            </a:pPr>
+            <a:r>
+              <a:rPr lang="en-US" sz="3200" dirty="0"/>
+              <a:t>Tutor App</a:t>
+            </a:r>
+          </a:p>
+          <a:p>
+            <a:r>
+              <a:rPr lang="en-US" sz="2000" dirty="0"/>
+              <a:t>Tutor creates an account </a:t>
+            </a:r>
+          </a:p>
+          <a:p>
+            <a:pPr lvl="1"/>
+            <a:r>
+              <a:rPr lang="en-US" sz="1800" dirty="0"/>
+              <a:t>Should be able to retrieve password or change account</a:t>
+            </a:r>
+          </a:p>
+          <a:p>
+            <a:pPr lvl="1"/>
+            <a:r>
+              <a:rPr lang="en-US" sz="1800" dirty="0"/>
+              <a:t>Input required info (</a:t>
+            </a:r>
+            <a:r>
+              <a:rPr lang="en-US" sz="1800" dirty="0" err="1"/>
+              <a:t>name,major,university</a:t>
+            </a:r>
+            <a:r>
+              <a:rPr lang="en-US" sz="1800" dirty="0"/>
+              <a:t>-for now only </a:t>
+            </a:r>
+            <a:r>
+              <a:rPr lang="en-US" sz="1800" dirty="0" err="1"/>
+              <a:t>UMich</a:t>
+            </a:r>
+            <a:r>
+              <a:rPr lang="en-US" sz="1800" dirty="0"/>
+              <a:t>)</a:t>
+            </a:r>
+          </a:p>
+          <a:p>
+            <a:r>
+              <a:rPr lang="en-US" sz="2000" dirty="0"/>
+              <a:t>(3) Tutor receives notification about homework on his major</a:t>
+            </a:r>
+          </a:p>
+          <a:p>
+            <a:r>
+              <a:rPr lang="en-US" sz="2000" dirty="0"/>
+              <a:t>(4) Hits “examining” and takes a look on homework + time limit</a:t>
+            </a:r>
+            <a:r>
+              <a:rPr lang="el-GR" sz="2000" dirty="0"/>
+              <a:t> </a:t>
+            </a:r>
+            <a:r>
+              <a:rPr lang="en-US" sz="2000" dirty="0"/>
+              <a:t>(has 5 minutes)</a:t>
+            </a:r>
+          </a:p>
+          <a:p>
+            <a:r>
+              <a:rPr lang="en-US" sz="2000" dirty="0"/>
+              <a:t>(5) Selects one of two options: </a:t>
+            </a:r>
+            <a:r>
+              <a:rPr lang="en-US" sz="2000" b="1" dirty="0"/>
+              <a:t>deny</a:t>
+            </a:r>
+            <a:r>
+              <a:rPr lang="en-US" sz="2000" dirty="0"/>
+              <a:t> or </a:t>
+            </a:r>
+            <a:r>
+              <a:rPr lang="en-US" sz="2000" b="1" dirty="0"/>
+              <a:t>give a bid</a:t>
+            </a:r>
+            <a:endParaRPr lang="el-GR" sz="2000" b="1" dirty="0"/>
+          </a:p>
+          <a:p>
+            <a:endParaRPr lang="en-US" sz="2000" dirty="0"/>
+          </a:p>
+        </p:txBody>
+      </p:sp>
+    </p:spTree>
+    <p:extLst>
+      <p:ext uri="{BB962C8B-B14F-4D97-AF65-F5344CB8AC3E}">
+        <p14:creationId xmlns:p14="http://schemas.microsoft.com/office/powerpoint/2010/main" val="2977435816"/>
+      </p:ext>
+    </p:extLst>
+  </p:cSld>
+  <p:clrMapOvr>
+    <a:masterClrMapping/>
+  </p:clrMapOvr>
+</p:sld>
+</file>
+
+<file path=ppt/slides/slide9.xml><?xml version="1.0" encoding="utf-8"?>
+<p:sld xmlns:a="http://schemas.openxmlformats.org/drawingml/2006/main" xmlns:r="http://schemas.openxmlformats.org/officeDocument/2006/relationships" xmlns:p="http://schemas.openxmlformats.org/presentationml/2006/main">
+  <p:cSld>
+    <p:spTree>
+      <p:nvGrpSpPr>
+        <p:cNvPr id="1" name=""/>
+        <p:cNvGrpSpPr/>
+        <p:nvPr/>
+      </p:nvGrpSpPr>
+      <p:grpSpPr>
+        <a:xfrm>
+          <a:off x="0" y="0"/>
+          <a:ext cx="0" cy="0"/>
+          <a:chOff x="0" y="0"/>
+          <a:chExt cx="0" cy="0"/>
+        </a:xfrm>
+      </p:grpSpPr>
+      <p:sp>
+        <p:nvSpPr>
+          <p:cNvPr id="2" name="Title 1">
+            <a:extLst>
+              <a:ext uri="{FF2B5EF4-FFF2-40B4-BE49-F238E27FC236}">
+                <a16:creationId xmlns:a16="http://schemas.microsoft.com/office/drawing/2014/main" id="{A4A80F57-1687-BA48-8FB8-879046EF54AD}"/>
+              </a:ext>
+            </a:extLst>
+          </p:cNvPr>
+          <p:cNvSpPr>
+            <a:spLocks noGrp="1"/>
+          </p:cNvSpPr>
+          <p:nvPr>
+            <p:ph type="title"/>
+          </p:nvPr>
+        </p:nvSpPr>
+        <p:spPr>
+          <a:xfrm>
+            <a:off x="838200" y="156781"/>
+            <a:ext cx="10515600" cy="757620"/>
+          </a:xfrm>
+        </p:spPr>
+        <p:txBody>
+          <a:bodyPr/>
+          <a:lstStyle/>
+          <a:p>
+            <a:r>
+              <a:rPr lang="en-US" dirty="0"/>
+              <a:t>App Function (after tutor’s acceptance)</a:t>
+            </a:r>
+          </a:p>
+        </p:txBody>
+      </p:sp>
+      <p:sp>
+        <p:nvSpPr>
+          <p:cNvPr id="3" name="Content Placeholder 2">
+            <a:extLst>
+              <a:ext uri="{FF2B5EF4-FFF2-40B4-BE49-F238E27FC236}">
+                <a16:creationId xmlns:a16="http://schemas.microsoft.com/office/drawing/2014/main" id="{CDDDFAA2-533B-6547-BECD-C8B87A4347F2}"/>
+              </a:ext>
+            </a:extLst>
+          </p:cNvPr>
+          <p:cNvSpPr>
+            <a:spLocks noGrp="1"/>
+          </p:cNvSpPr>
+          <p:nvPr>
+            <p:ph idx="1"/>
+          </p:nvPr>
+        </p:nvSpPr>
+        <p:spPr>
+          <a:xfrm>
+            <a:off x="838200" y="1053295"/>
+            <a:ext cx="5111187" cy="5123667"/>
+          </a:xfrm>
+        </p:spPr>
+        <p:txBody>
+          <a:bodyPr>
+            <a:normAutofit/>
+          </a:bodyPr>
+          <a:lstStyle/>
+          <a:p>
+            <a:pPr marL="0" indent="0" algn="ctr">
+              <a:buNone/>
+            </a:pPr>
+            <a:r>
+              <a:rPr lang="en-US" sz="3200" dirty="0"/>
+              <a:t>User</a:t>
+            </a:r>
+          </a:p>
+          <a:p>
+            <a:r>
+              <a:rPr lang="en-US" sz="2000" dirty="0"/>
+              <a:t>(8) Timer starts, user waits</a:t>
+            </a:r>
+            <a:endParaRPr lang="en-US" sz="1800" dirty="0"/>
+          </a:p>
+          <a:p>
+            <a:r>
+              <a:rPr lang="en-US" sz="2000" dirty="0"/>
+              <a:t>(9) User enters messaging portal</a:t>
+            </a:r>
+          </a:p>
+          <a:p>
+            <a:r>
+              <a:rPr lang="en-US" sz="2000" dirty="0"/>
+              <a:t>(11) User gets </a:t>
+            </a:r>
+            <a:r>
+              <a:rPr lang="en-US" sz="2000" dirty="0" err="1"/>
+              <a:t>hw</a:t>
+            </a:r>
+            <a:r>
+              <a:rPr lang="en-US" sz="2000" dirty="0"/>
+              <a:t> and explanations, rates the tutor</a:t>
+            </a:r>
+          </a:p>
+          <a:p>
+            <a:endParaRPr lang="en-US" sz="2000" dirty="0"/>
+          </a:p>
+        </p:txBody>
+      </p:sp>
+      <p:sp>
+        <p:nvSpPr>
+          <p:cNvPr id="5" name="Content Placeholder 2">
+            <a:extLst>
+              <a:ext uri="{FF2B5EF4-FFF2-40B4-BE49-F238E27FC236}">
+                <a16:creationId xmlns:a16="http://schemas.microsoft.com/office/drawing/2014/main" id="{81B85C14-AEB2-234D-B602-3067AF1BE214}"/>
+              </a:ext>
+            </a:extLst>
+          </p:cNvPr>
+          <p:cNvSpPr txBox="1">
+            <a:spLocks/>
+          </p:cNvSpPr>
+          <p:nvPr/>
+        </p:nvSpPr>
+        <p:spPr>
+          <a:xfrm>
+            <a:off x="6096000" y="1053295"/>
+            <a:ext cx="5111187" cy="5123667"/>
+          </a:xfrm>
+          <a:prstGeom prst="rect">
+            <a:avLst/>
+          </a:prstGeom>
+        </p:spPr>
+        <p:txBody>
+          <a:bodyPr vert="horz" lIns="91440" tIns="45720" rIns="91440" bIns="45720" rtlCol="0">
+            <a:normAutofit/>
+          </a:bodyPr>
+          <a:lstStyle>
+            <a:lvl1pPr marL="228600" indent="-228600" algn="l" defTabSz="914400" rtl="0" eaLnBrk="1" latinLnBrk="0" hangingPunct="1">
+              <a:lnSpc>
+                <a:spcPct val="90000"/>
+              </a:lnSpc>
+              <a:spcBef>
+                <a:spcPts val="1000"/>
+              </a:spcBef>
+              <a:buFont typeface="Arial" panose="020B0604020202020204" pitchFamily="34" charset="0"/>
+              <a:buChar char="•"/>
+              <a:defRPr sz="2800" kern="1200">
+                <a:solidFill>
+                  <a:schemeClr val="tx1"/>
+                </a:solidFill>
+                <a:latin typeface="+mn-lt"/>
+                <a:ea typeface="+mn-ea"/>
+                <a:cs typeface="+mn-cs"/>
+              </a:defRPr>
+            </a:lvl1pPr>
+            <a:lvl2pPr marL="685800" indent="-228600" algn="l" defTabSz="914400" rtl="0" eaLnBrk="1" latinLnBrk="0" hangingPunct="1">
+              <a:lnSpc>
+                <a:spcPct val="90000"/>
+              </a:lnSpc>
+              <a:spcBef>
+                <a:spcPts val="500"/>
+              </a:spcBef>
+              <a:buFont typeface="Arial" panose="020B0604020202020204" pitchFamily="34" charset="0"/>
+              <a:buChar char="•"/>
+              <a:defRPr sz="2400" kern="1200">
+                <a:solidFill>
+                  <a:schemeClr val="tx1"/>
+                </a:solidFill>
+                <a:latin typeface="+mn-lt"/>
+                <a:ea typeface="+mn-ea"/>
+                <a:cs typeface="+mn-cs"/>
+              </a:defRPr>
+            </a:lvl2pPr>
+            <a:lvl3pPr marL="1143000" indent="-228600" algn="l" defTabSz="914400" rtl="0" eaLnBrk="1" latinLnBrk="0" hangingPunct="1">
+              <a:lnSpc>
+                <a:spcPct val="90000"/>
+              </a:lnSpc>
+              <a:spcBef>
+                <a:spcPts val="500"/>
+              </a:spcBef>
+              <a:buFont typeface="Arial" panose="020B0604020202020204" pitchFamily="34" charset="0"/>
+              <a:buChar char="•"/>
+              <a:defRPr sz="2000" kern="1200">
+                <a:solidFill>
+                  <a:schemeClr val="tx1"/>
+                </a:solidFill>
+                <a:latin typeface="+mn-lt"/>
+                <a:ea typeface="+mn-ea"/>
+                <a:cs typeface="+mn-cs"/>
+              </a:defRPr>
+            </a:lvl3pPr>
+            <a:lvl4pPr marL="1600200" indent="-228600" algn="l" defTabSz="914400" rtl="0" eaLnBrk="1" latinLnBrk="0" hangingPunct="1">
+              <a:lnSpc>
+                <a:spcPct val="90000"/>
+              </a:lnSpc>
+              <a:spcBef>
+                <a:spcPts val="500"/>
+              </a:spcBef>
+              <a:buFont typeface="Arial" panose="020B0604020202020204" pitchFamily="34" charset="0"/>
+              <a:buChar char="•"/>
+              <a:defRPr sz="1800" kern="1200">
+                <a:solidFill>
+                  <a:schemeClr val="tx1"/>
+                </a:solidFill>
+                <a:latin typeface="+mn-lt"/>
+                <a:ea typeface="+mn-ea"/>
+                <a:cs typeface="+mn-cs"/>
+              </a:defRPr>
+            </a:lvl4pPr>
+            <a:lvl5pPr marL="2057400" indent="-228600" algn="l" defTabSz="914400" rtl="0" eaLnBrk="1" latinLnBrk="0" hangingPunct="1">
+              <a:lnSpc>
+                <a:spcPct val="90000"/>
+              </a:lnSpc>
+              <a:spcBef>
+                <a:spcPts val="500"/>
+              </a:spcBef>
+              <a:buFont typeface="Arial" panose="020B0604020202020204" pitchFamily="34" charset="0"/>
+              <a:buChar char="•"/>
+              <a:defRPr sz="1800" kern="1200">
+                <a:solidFill>
+                  <a:schemeClr val="tx1"/>
+                </a:solidFill>
+                <a:latin typeface="+mn-lt"/>
+                <a:ea typeface="+mn-ea"/>
+                <a:cs typeface="+mn-cs"/>
+              </a:defRPr>
+            </a:lvl5pPr>
+            <a:lvl6pPr marL="2514600" indent="-228600" algn="l" defTabSz="914400" rtl="0" eaLnBrk="1" latinLnBrk="0" hangingPunct="1">
+              <a:lnSpc>
+                <a:spcPct val="90000"/>
+              </a:lnSpc>
+              <a:spcBef>
+                <a:spcPts val="500"/>
+              </a:spcBef>
+              <a:buFont typeface="Arial" panose="020B0604020202020204" pitchFamily="34" charset="0"/>
+              <a:buChar char="•"/>
+              <a:defRPr sz="1800" kern="1200">
+                <a:solidFill>
+                  <a:schemeClr val="tx1"/>
+                </a:solidFill>
+                <a:latin typeface="+mn-lt"/>
+                <a:ea typeface="+mn-ea"/>
+                <a:cs typeface="+mn-cs"/>
+              </a:defRPr>
+            </a:lvl6pPr>
+            <a:lvl7pPr marL="2971800" indent="-228600" algn="l" defTabSz="914400" rtl="0" eaLnBrk="1" latinLnBrk="0" hangingPunct="1">
+              <a:lnSpc>
+                <a:spcPct val="90000"/>
+              </a:lnSpc>
+              <a:spcBef>
+                <a:spcPts val="500"/>
+              </a:spcBef>
+              <a:buFont typeface="Arial" panose="020B0604020202020204" pitchFamily="34" charset="0"/>
+              <a:buChar char="•"/>
+              <a:defRPr sz="1800" kern="1200">
+                <a:solidFill>
+                  <a:schemeClr val="tx1"/>
+                </a:solidFill>
+                <a:latin typeface="+mn-lt"/>
+                <a:ea typeface="+mn-ea"/>
+                <a:cs typeface="+mn-cs"/>
+              </a:defRPr>
+            </a:lvl7pPr>
+            <a:lvl8pPr marL="3429000" indent="-228600" algn="l" defTabSz="914400" rtl="0" eaLnBrk="1" latinLnBrk="0" hangingPunct="1">
+              <a:lnSpc>
+                <a:spcPct val="90000"/>
+              </a:lnSpc>
+              <a:spcBef>
+                <a:spcPts val="500"/>
+              </a:spcBef>
+              <a:buFont typeface="Arial" panose="020B0604020202020204" pitchFamily="34" charset="0"/>
+              <a:buChar char="•"/>
+              <a:defRPr sz="1800" kern="1200">
+                <a:solidFill>
+                  <a:schemeClr val="tx1"/>
+                </a:solidFill>
+                <a:latin typeface="+mn-lt"/>
+                <a:ea typeface="+mn-ea"/>
+                <a:cs typeface="+mn-cs"/>
+              </a:defRPr>
+            </a:lvl8pPr>
+            <a:lvl9pPr marL="3886200" indent="-228600" algn="l" defTabSz="914400" rtl="0" eaLnBrk="1" latinLnBrk="0" hangingPunct="1">
+              <a:lnSpc>
+                <a:spcPct val="90000"/>
+              </a:lnSpc>
+              <a:spcBef>
+                <a:spcPts val="500"/>
+              </a:spcBef>
+              <a:buFont typeface="Arial" panose="020B0604020202020204" pitchFamily="34" charset="0"/>
+              <a:buChar char="•"/>
+              <a:defRPr sz="1800" kern="1200">
+                <a:solidFill>
+                  <a:schemeClr val="tx1"/>
+                </a:solidFill>
+                <a:latin typeface="+mn-lt"/>
+                <a:ea typeface="+mn-ea"/>
+                <a:cs typeface="+mn-cs"/>
+              </a:defRPr>
+            </a:lvl9pPr>
+          </a:lstStyle>
+          <a:p>
+            <a:pPr marL="0" indent="0" algn="ctr">
+              <a:buFont typeface="Arial" panose="020B0604020202020204" pitchFamily="34" charset="0"/>
+              <a:buNone/>
+            </a:pPr>
+            <a:r>
+              <a:rPr lang="en-US" sz="3200" dirty="0"/>
+              <a:t>Tutor</a:t>
+            </a:r>
+          </a:p>
+          <a:p>
+            <a:r>
+              <a:rPr lang="en-US" sz="2000" dirty="0"/>
+              <a:t>(8) Timer starts, tutor works on the </a:t>
+            </a:r>
+            <a:r>
+              <a:rPr lang="en-US" sz="2000" dirty="0" err="1"/>
+              <a:t>hw</a:t>
+            </a:r>
+            <a:endParaRPr lang="en-US" sz="2000" dirty="0"/>
+          </a:p>
+          <a:p>
+            <a:r>
+              <a:rPr lang="en-US" sz="2000" dirty="0"/>
+              <a:t>(9) Tutor enters messaging portal</a:t>
+            </a:r>
+          </a:p>
+          <a:p>
+            <a:r>
+              <a:rPr lang="en-US" sz="2000" dirty="0"/>
+              <a:t>(10) When tutor finished with </a:t>
+            </a:r>
+            <a:r>
+              <a:rPr lang="en-US" sz="2000" dirty="0" err="1"/>
+              <a:t>hw</a:t>
+            </a:r>
+            <a:r>
+              <a:rPr lang="en-US" sz="2000" dirty="0"/>
+              <a:t>, depending on explanation: meets user, calls user or types up explanations and submits</a:t>
+            </a:r>
+          </a:p>
+        </p:txBody>
+      </p:sp>
+    </p:spTree>
+    <p:extLst>
+      <p:ext uri="{BB962C8B-B14F-4D97-AF65-F5344CB8AC3E}">
+        <p14:creationId xmlns:p14="http://schemas.microsoft.com/office/powerpoint/2010/main" val="3508318931"/>
       </p:ext>
     </p:extLst>
   </p:cSld>

--- a/Misc/icons.pptx
+++ b/Misc/icons.pptx
@@ -19,9 +19,7 @@
     <p:sldId id="265" r:id="rId13"/>
     <p:sldId id="266" r:id="rId14"/>
     <p:sldId id="267" r:id="rId15"/>
-    <p:sldId id="268" r:id="rId16"/>
-    <p:sldId id="269" r:id="rId17"/>
-    <p:sldId id="270" r:id="rId18"/>
+    <p:sldId id="270" r:id="rId16"/>
   </p:sldIdLst>
   <p:sldSz cx="12192000" cy="6858000"/>
   <p:notesSz cx="6858000" cy="9144000"/>
@@ -8863,7 +8861,7 @@
           <p:cNvPr id="2" name="Title 1">
             <a:extLst>
               <a:ext uri="{FF2B5EF4-FFF2-40B4-BE49-F238E27FC236}">
-                <a16:creationId xmlns:a16="http://schemas.microsoft.com/office/drawing/2014/main" id="{117926D7-F0CF-CA4E-BA34-A202D33BF58D}"/>
+                <a16:creationId xmlns:a16="http://schemas.microsoft.com/office/drawing/2014/main" id="{E62BEA03-3F4A-3E42-B5EE-1ADB7C2F0AC1}"/>
               </a:ext>
             </a:extLst>
           </p:cNvPr>
@@ -8881,7 +8879,7 @@
           <a:p>
             <a:r>
               <a:rPr lang="en-US" dirty="0"/>
-              <a:t>Useful Videos to start with</a:t>
+              <a:t>Smokes:</a:t>
             </a:r>
           </a:p>
         </p:txBody>
@@ -8891,7 +8889,7 @@
           <p:cNvPr id="3" name="Content Placeholder 2">
             <a:extLst>
               <a:ext uri="{FF2B5EF4-FFF2-40B4-BE49-F238E27FC236}">
-                <a16:creationId xmlns:a16="http://schemas.microsoft.com/office/drawing/2014/main" id="{941DF296-D995-8E41-BB38-21F0F78674C5}"/>
+                <a16:creationId xmlns:a16="http://schemas.microsoft.com/office/drawing/2014/main" id="{615C816E-599C-FA4A-AB3E-F06ECFBE3BC7}"/>
               </a:ext>
             </a:extLst>
           </p:cNvPr>
@@ -8904,350 +8902,10 @@
         </p:nvSpPr>
         <p:spPr/>
         <p:txBody>
-          <a:bodyPr/>
-          <a:lstStyle/>
-          <a:p>
-            <a:pPr marL="0" indent="0">
-              <a:buNone/>
-            </a:pPr>
-            <a:r>
-              <a:rPr lang="en-US" dirty="0">
-                <a:hlinkClick r:id="rId2"/>
-              </a:rPr>
-              <a:t>https://www.youtube.com/watch?v=RBZL6PO2ytc</a:t>
-            </a:r>
-            <a:r>
-              <a:rPr lang="en-US" dirty="0"/>
-              <a:t>&amp;t=1305s (for how to run on physical phone)</a:t>
-            </a:r>
-          </a:p>
-          <a:p>
-            <a:pPr marL="0" indent="0">
-              <a:buNone/>
-            </a:pPr>
-            <a:r>
-              <a:rPr lang="en-US" dirty="0"/>
-              <a:t>Visual studio code </a:t>
-            </a:r>
-            <a:r>
-              <a:rPr lang="en-US" dirty="0">
-                <a:hlinkClick r:id="rId3"/>
-              </a:rPr>
-              <a:t>https://code.visualstudio.com/docs/?dv=osx</a:t>
-            </a:r>
-            <a:endParaRPr lang="en-US" dirty="0"/>
-          </a:p>
-          <a:p>
-            <a:pPr marL="0" indent="0">
-              <a:buNone/>
-            </a:pPr>
-            <a:endParaRPr lang="en-US" dirty="0"/>
-          </a:p>
-        </p:txBody>
-      </p:sp>
-    </p:spTree>
-    <p:extLst>
-      <p:ext uri="{BB962C8B-B14F-4D97-AF65-F5344CB8AC3E}">
-        <p14:creationId xmlns:p14="http://schemas.microsoft.com/office/powerpoint/2010/main" val="4238336582"/>
-      </p:ext>
-    </p:extLst>
-  </p:cSld>
-  <p:clrMapOvr>
-    <a:masterClrMapping/>
-  </p:clrMapOvr>
-</p:sld>
-</file>
-
-<file path=ppt/slides/slide16.xml><?xml version="1.0" encoding="utf-8"?>
-<p:sld xmlns:a="http://schemas.openxmlformats.org/drawingml/2006/main" xmlns:r="http://schemas.openxmlformats.org/officeDocument/2006/relationships" xmlns:p="http://schemas.openxmlformats.org/presentationml/2006/main">
-  <p:cSld>
-    <p:spTree>
-      <p:nvGrpSpPr>
-        <p:cNvPr id="1" name=""/>
-        <p:cNvGrpSpPr/>
-        <p:nvPr/>
-      </p:nvGrpSpPr>
-      <p:grpSpPr>
-        <a:xfrm>
-          <a:off x="0" y="0"/>
-          <a:ext cx="0" cy="0"/>
-          <a:chOff x="0" y="0"/>
-          <a:chExt cx="0" cy="0"/>
-        </a:xfrm>
-      </p:grpSpPr>
-      <p:sp>
-        <p:nvSpPr>
-          <p:cNvPr id="2" name="Title 1">
-            <a:extLst>
-              <a:ext uri="{FF2B5EF4-FFF2-40B4-BE49-F238E27FC236}">
-                <a16:creationId xmlns:a16="http://schemas.microsoft.com/office/drawing/2014/main" id="{195D4124-9BD9-5D43-AC53-D49019088A21}"/>
-              </a:ext>
-            </a:extLst>
-          </p:cNvPr>
-          <p:cNvSpPr>
-            <a:spLocks noGrp="1"/>
-          </p:cNvSpPr>
-          <p:nvPr>
-            <p:ph type="title"/>
-          </p:nvPr>
-        </p:nvSpPr>
-        <p:spPr>
-          <a:xfrm>
-            <a:off x="139700" y="149225"/>
-            <a:ext cx="10515600" cy="638175"/>
-          </a:xfrm>
-        </p:spPr>
-        <p:txBody>
           <a:bodyPr>
             <a:normAutofit/>
           </a:bodyPr>
           <a:lstStyle/>
-          <a:p>
-            <a:r>
-              <a:rPr lang="en-US" sz="3200" dirty="0"/>
-              <a:t>Steps for creating the app:</a:t>
-            </a:r>
-          </a:p>
-        </p:txBody>
-      </p:sp>
-      <p:sp>
-        <p:nvSpPr>
-          <p:cNvPr id="3" name="Content Placeholder 2">
-            <a:extLst>
-              <a:ext uri="{FF2B5EF4-FFF2-40B4-BE49-F238E27FC236}">
-                <a16:creationId xmlns:a16="http://schemas.microsoft.com/office/drawing/2014/main" id="{9EE64CE9-B38C-7B4B-BB11-5E36696469DE}"/>
-              </a:ext>
-            </a:extLst>
-          </p:cNvPr>
-          <p:cNvSpPr>
-            <a:spLocks noGrp="1"/>
-          </p:cNvSpPr>
-          <p:nvPr>
-            <p:ph idx="1"/>
-          </p:nvPr>
-        </p:nvSpPr>
-        <p:spPr>
-          <a:xfrm>
-            <a:off x="139700" y="885825"/>
-            <a:ext cx="11861800" cy="5822950"/>
-          </a:xfrm>
-        </p:spPr>
-        <p:txBody>
-          <a:bodyPr>
-            <a:normAutofit/>
-          </a:bodyPr>
-          <a:lstStyle/>
-          <a:p>
-            <a:r>
-              <a:rPr lang="en-US" sz="1600" dirty="0"/>
-              <a:t>Install watchman and node with homebrew (install homebrew)</a:t>
-            </a:r>
-          </a:p>
-          <a:p>
-            <a:r>
-              <a:rPr lang="en-US" sz="1600" dirty="0"/>
-              <a:t>Create react native initial app on the desktop by </a:t>
-            </a:r>
-            <a:r>
-              <a:rPr lang="en-US" sz="1600" dirty="0" err="1">
-                <a:solidFill>
-                  <a:srgbClr val="0070C0"/>
-                </a:solidFill>
-              </a:rPr>
-              <a:t>Spyros-MacBook-Pro:Desktop</a:t>
-            </a:r>
-            <a:r>
-              <a:rPr lang="en-US" sz="1600" dirty="0">
-                <a:solidFill>
-                  <a:srgbClr val="0070C0"/>
-                </a:solidFill>
-              </a:rPr>
-              <a:t> </a:t>
-            </a:r>
-            <a:r>
-              <a:rPr lang="en-US" sz="1600" dirty="0" err="1">
-                <a:solidFill>
-                  <a:srgbClr val="0070C0"/>
-                </a:solidFill>
-              </a:rPr>
-              <a:t>spyroskasapis</a:t>
-            </a:r>
-            <a:r>
-              <a:rPr lang="en-US" sz="1600" dirty="0">
-                <a:solidFill>
-                  <a:srgbClr val="0070C0"/>
-                </a:solidFill>
-              </a:rPr>
-              <a:t>$ react-native </a:t>
-            </a:r>
-            <a:r>
-              <a:rPr lang="en-US" sz="1600" dirty="0" err="1">
-                <a:solidFill>
-                  <a:srgbClr val="0070C0"/>
-                </a:solidFill>
-              </a:rPr>
-              <a:t>init</a:t>
-            </a:r>
-            <a:r>
-              <a:rPr lang="en-US" sz="1600" dirty="0">
-                <a:solidFill>
-                  <a:srgbClr val="0070C0"/>
-                </a:solidFill>
-              </a:rPr>
-              <a:t> </a:t>
-            </a:r>
-            <a:r>
-              <a:rPr lang="en-US" sz="1600" dirty="0" err="1">
-                <a:solidFill>
-                  <a:srgbClr val="0070C0"/>
-                </a:solidFill>
-              </a:rPr>
-              <a:t>HomeworksApp</a:t>
-            </a:r>
-            <a:endParaRPr lang="en-US" sz="1600" dirty="0">
-              <a:solidFill>
-                <a:srgbClr val="0070C0"/>
-              </a:solidFill>
-            </a:endParaRPr>
-          </a:p>
-          <a:p>
-            <a:r>
-              <a:rPr lang="en-US" sz="1600" dirty="0"/>
-              <a:t>On Visual studio code open the folder </a:t>
-            </a:r>
-            <a:r>
-              <a:rPr lang="en-US" sz="1600" dirty="0" err="1"/>
-              <a:t>Homeworks</a:t>
-            </a:r>
-            <a:r>
-              <a:rPr lang="en-US" sz="1600" dirty="0"/>
-              <a:t> App</a:t>
-            </a:r>
-          </a:p>
-          <a:p>
-            <a:endParaRPr lang="en-US" sz="1600" dirty="0"/>
-          </a:p>
-        </p:txBody>
-      </p:sp>
-    </p:spTree>
-    <p:extLst>
-      <p:ext uri="{BB962C8B-B14F-4D97-AF65-F5344CB8AC3E}">
-        <p14:creationId xmlns:p14="http://schemas.microsoft.com/office/powerpoint/2010/main" val="374402445"/>
-      </p:ext>
-    </p:extLst>
-  </p:cSld>
-  <p:clrMapOvr>
-    <a:masterClrMapping/>
-  </p:clrMapOvr>
-</p:sld>
-</file>
-
-<file path=ppt/slides/slide17.xml><?xml version="1.0" encoding="utf-8"?>
-<p:sld xmlns:a="http://schemas.openxmlformats.org/drawingml/2006/main" xmlns:r="http://schemas.openxmlformats.org/officeDocument/2006/relationships" xmlns:p="http://schemas.openxmlformats.org/presentationml/2006/main">
-  <p:cSld>
-    <p:spTree>
-      <p:nvGrpSpPr>
-        <p:cNvPr id="1" name=""/>
-        <p:cNvGrpSpPr/>
-        <p:nvPr/>
-      </p:nvGrpSpPr>
-      <p:grpSpPr>
-        <a:xfrm>
-          <a:off x="0" y="0"/>
-          <a:ext cx="0" cy="0"/>
-          <a:chOff x="0" y="0"/>
-          <a:chExt cx="0" cy="0"/>
-        </a:xfrm>
-      </p:grpSpPr>
-      <p:sp>
-        <p:nvSpPr>
-          <p:cNvPr id="2" name="Title 1">
-            <a:extLst>
-              <a:ext uri="{FF2B5EF4-FFF2-40B4-BE49-F238E27FC236}">
-                <a16:creationId xmlns:a16="http://schemas.microsoft.com/office/drawing/2014/main" id="{E62BEA03-3F4A-3E42-B5EE-1ADB7C2F0AC1}"/>
-              </a:ext>
-            </a:extLst>
-          </p:cNvPr>
-          <p:cNvSpPr>
-            <a:spLocks noGrp="1"/>
-          </p:cNvSpPr>
-          <p:nvPr>
-            <p:ph type="title"/>
-          </p:nvPr>
-        </p:nvSpPr>
-        <p:spPr/>
-        <p:txBody>
-          <a:bodyPr/>
-          <a:lstStyle/>
-          <a:p>
-            <a:r>
-              <a:rPr lang="en-US" dirty="0"/>
-              <a:t>Smokes:</a:t>
-            </a:r>
-          </a:p>
-        </p:txBody>
-      </p:sp>
-      <p:sp>
-        <p:nvSpPr>
-          <p:cNvPr id="3" name="Content Placeholder 2">
-            <a:extLst>
-              <a:ext uri="{FF2B5EF4-FFF2-40B4-BE49-F238E27FC236}">
-                <a16:creationId xmlns:a16="http://schemas.microsoft.com/office/drawing/2014/main" id="{615C816E-599C-FA4A-AB3E-F06ECFBE3BC7}"/>
-              </a:ext>
-            </a:extLst>
-          </p:cNvPr>
-          <p:cNvSpPr>
-            <a:spLocks noGrp="1"/>
-          </p:cNvSpPr>
-          <p:nvPr>
-            <p:ph idx="1"/>
-          </p:nvPr>
-        </p:nvSpPr>
-        <p:spPr/>
-        <p:txBody>
-          <a:bodyPr>
-            <a:normAutofit lnSpcReduction="10000"/>
-          </a:bodyPr>
-          <a:lstStyle/>
-          <a:p>
-            <a:r>
-              <a:rPr lang="en-US" dirty="0"/>
-              <a:t>“Who are we” section</a:t>
-            </a:r>
-          </a:p>
-          <a:p>
-            <a:r>
-              <a:rPr lang="en-US" dirty="0"/>
-              <a:t>Talk to Mark about Philip</a:t>
-            </a:r>
-          </a:p>
-          <a:p>
-            <a:r>
-              <a:rPr lang="en-US" dirty="0"/>
-              <a:t>1) Happy Hour: 2-5pm, Monday-Wednesday, -10%</a:t>
-            </a:r>
-          </a:p>
-          <a:p>
-            <a:pPr lvl="1"/>
-            <a:r>
-              <a:rPr lang="en-US" dirty="0">
-                <a:hlinkClick r:id="rId2"/>
-              </a:rPr>
-              <a:t>https://wordpress.org/support/topic/need-happy-hour-plugin/</a:t>
-            </a:r>
-            <a:endParaRPr lang="en-US" dirty="0"/>
-          </a:p>
-          <a:p>
-            <a:pPr lvl="1"/>
-            <a:r>
-              <a:rPr lang="en-US" dirty="0">
-                <a:solidFill>
-                  <a:srgbClr val="FFC000"/>
-                </a:solidFill>
-              </a:rPr>
-              <a:t>Need to update every week or pay</a:t>
-            </a:r>
-          </a:p>
           <a:p>
             <a:r>
               <a:rPr lang="en-US" dirty="0"/>
@@ -9273,51 +8931,6 @@
                 <a:srgbClr val="FF0000"/>
               </a:solidFill>
             </a:endParaRPr>
-          </a:p>
-          <a:p>
-            <a:r>
-              <a:rPr lang="en-US" dirty="0"/>
-              <a:t>1) Send e-mail (download all e-mails, google this) </a:t>
-            </a:r>
-            <a:r>
-              <a:rPr lang="en-US" sz="3200" dirty="0">
-                <a:solidFill>
-                  <a:srgbClr val="00B050"/>
-                </a:solidFill>
-              </a:rPr>
-              <a:t>Done</a:t>
-            </a:r>
-            <a:endParaRPr lang="en-US" sz="1400" dirty="0">
-              <a:solidFill>
-                <a:srgbClr val="FF0000"/>
-              </a:solidFill>
-            </a:endParaRPr>
-          </a:p>
-          <a:p>
-            <a:r>
-              <a:rPr lang="en-US" dirty="0"/>
-              <a:t>1) Price changes: </a:t>
-            </a:r>
-            <a:r>
-              <a:rPr lang="en-US" dirty="0">
-                <a:solidFill>
-                  <a:srgbClr val="00B050"/>
-                </a:solidFill>
-              </a:rPr>
-              <a:t>Done</a:t>
-            </a:r>
-            <a:endParaRPr lang="en-US" dirty="0"/>
-          </a:p>
-          <a:p>
-            <a:pPr lvl="1"/>
-            <a:r>
-              <a:rPr lang="en-US" dirty="0"/>
-              <a:t>Scale Pricing: -0.5 for 4, -1 for 8, -1.5 for 16</a:t>
-            </a:r>
-          </a:p>
-          <a:p>
-            <a:pPr lvl="1"/>
-            <a:endParaRPr lang="en-US" dirty="0"/>
           </a:p>
         </p:txBody>
       </p:sp>
@@ -10577,14 +10190,20 @@
               <a:rPr lang="en-US" sz="2000" dirty="0">
                 <a:hlinkClick r:id="rId3"/>
               </a:rPr>
-              <a:t>https://www.youtube.com/watch?v</a:t>
-            </a:r>
-            <a:r>
-              <a:rPr lang="en-US" sz="2000">
-                <a:hlinkClick r:id="rId3"/>
-              </a:rPr>
-              <a:t>=0WfDe51pUU0</a:t>
-            </a:r>
+              <a:t>https://www.youtube.com/watch?v=0WfDe51pUU0</a:t>
+            </a:r>
+            <a:endParaRPr lang="en-US" sz="2000" dirty="0"/>
+          </a:p>
+          <a:p>
+            <a:pPr marL="0" indent="0">
+              <a:buNone/>
+            </a:pPr>
+            <a:endParaRPr lang="en-US" sz="2000" dirty="0"/>
+          </a:p>
+          <a:p>
+            <a:pPr marL="0" indent="0">
+              <a:buNone/>
+            </a:pPr>
             <a:endParaRPr lang="en-US" sz="2000" dirty="0"/>
           </a:p>
         </p:txBody>
